--- a/Documents/TeamC-Project presentation-SOEN 6611 .pptx
+++ b/Documents/TeamC-Project presentation-SOEN 6611 .pptx
@@ -14,16 +14,20 @@
     <p:sldId id="263" r:id="rId8"/>
     <p:sldId id="265" r:id="rId9"/>
     <p:sldId id="276" r:id="rId10"/>
-    <p:sldId id="266" r:id="rId11"/>
-    <p:sldId id="267" r:id="rId12"/>
-    <p:sldId id="269" r:id="rId13"/>
-    <p:sldId id="270" r:id="rId14"/>
-    <p:sldId id="277" r:id="rId15"/>
-    <p:sldId id="272" r:id="rId16"/>
-    <p:sldId id="273" r:id="rId17"/>
-    <p:sldId id="278" r:id="rId18"/>
-    <p:sldId id="274" r:id="rId19"/>
-    <p:sldId id="275" r:id="rId20"/>
+    <p:sldId id="279" r:id="rId11"/>
+    <p:sldId id="266" r:id="rId12"/>
+    <p:sldId id="267" r:id="rId13"/>
+    <p:sldId id="280" r:id="rId14"/>
+    <p:sldId id="281" r:id="rId15"/>
+    <p:sldId id="269" r:id="rId16"/>
+    <p:sldId id="270" r:id="rId17"/>
+    <p:sldId id="277" r:id="rId18"/>
+    <p:sldId id="282" r:id="rId19"/>
+    <p:sldId id="272" r:id="rId20"/>
+    <p:sldId id="273" r:id="rId21"/>
+    <p:sldId id="278" r:id="rId22"/>
+    <p:sldId id="274" r:id="rId23"/>
+    <p:sldId id="275" r:id="rId24"/>
   </p:sldIdLst>
   <p:sldSz cx="12192000" cy="6858000"/>
   <p:notesSz cx="6858000" cy="9144000"/>
@@ -7864,6 +7868,140 @@
           <a:chExt cx="0" cy="0"/>
         </a:xfrm>
       </p:grpSpPr>
+      <p:pic>
+        <p:nvPicPr>
+          <p:cNvPr id="2" name="Picture 1">
+            <a:extLst>
+              <a:ext uri="{FF2B5EF4-FFF2-40B4-BE49-F238E27FC236}">
+                <a16:creationId xmlns:a16="http://schemas.microsoft.com/office/drawing/2014/main" id="{D2A03C26-C7D2-0446-A9BE-820EBBE6F1CC}"/>
+              </a:ext>
+            </a:extLst>
+          </p:cNvPr>
+          <p:cNvPicPr>
+            <a:picLocks noChangeAspect="1"/>
+          </p:cNvPicPr>
+          <p:nvPr/>
+        </p:nvPicPr>
+        <p:blipFill>
+          <a:blip r:embed="rId2"/>
+          <a:stretch>
+            <a:fillRect/>
+          </a:stretch>
+        </p:blipFill>
+        <p:spPr>
+          <a:xfrm>
+            <a:off x="2084020" y="1301858"/>
+            <a:ext cx="9121255" cy="5259362"/>
+          </a:xfrm>
+          <a:prstGeom prst="rect">
+            <a:avLst/>
+          </a:prstGeom>
+        </p:spPr>
+      </p:pic>
+      <p:sp>
+        <p:nvSpPr>
+          <p:cNvPr id="4" name="TextBox 3">
+            <a:extLst>
+              <a:ext uri="{FF2B5EF4-FFF2-40B4-BE49-F238E27FC236}">
+                <a16:creationId xmlns:a16="http://schemas.microsoft.com/office/drawing/2014/main" id="{491F0072-75BF-3246-9EED-50091597850C}"/>
+              </a:ext>
+            </a:extLst>
+          </p:cNvPr>
+          <p:cNvSpPr txBox="1"/>
+          <p:nvPr/>
+        </p:nvSpPr>
+        <p:spPr>
+          <a:xfrm>
+            <a:off x="6261316" y="6191888"/>
+            <a:ext cx="2188420" cy="369332"/>
+          </a:xfrm>
+          <a:prstGeom prst="rect">
+            <a:avLst/>
+          </a:prstGeom>
+          <a:noFill/>
+        </p:spPr>
+        <p:txBody>
+          <a:bodyPr wrap="none" rtlCol="0">
+            <a:spAutoFit/>
+          </a:bodyPr>
+          <a:lstStyle/>
+          <a:p>
+            <a:r>
+              <a:rPr lang="en-US" dirty="0"/>
+              <a:t>Branch Coverage</a:t>
+            </a:r>
+          </a:p>
+        </p:txBody>
+      </p:sp>
+      <p:sp>
+        <p:nvSpPr>
+          <p:cNvPr id="7" name="TextBox 6">
+            <a:extLst>
+              <a:ext uri="{FF2B5EF4-FFF2-40B4-BE49-F238E27FC236}">
+                <a16:creationId xmlns:a16="http://schemas.microsoft.com/office/drawing/2014/main" id="{0016E20E-8B07-534B-A233-47894B5A0542}"/>
+              </a:ext>
+            </a:extLst>
+          </p:cNvPr>
+          <p:cNvSpPr txBox="1"/>
+          <p:nvPr/>
+        </p:nvSpPr>
+        <p:spPr>
+          <a:xfrm>
+            <a:off x="2045776" y="790414"/>
+            <a:ext cx="1435008" cy="369332"/>
+          </a:xfrm>
+          <a:prstGeom prst="rect">
+            <a:avLst/>
+          </a:prstGeom>
+          <a:noFill/>
+        </p:spPr>
+        <p:txBody>
+          <a:bodyPr wrap="none" rtlCol="0">
+            <a:spAutoFit/>
+          </a:bodyPr>
+          <a:lstStyle/>
+          <a:p>
+            <a:r>
+              <a:rPr lang="en-US" dirty="0" err="1"/>
+              <a:t>Jfree</a:t>
+            </a:r>
+            <a:r>
+              <a:rPr lang="en-US" dirty="0"/>
+              <a:t> Chart</a:t>
+            </a:r>
+          </a:p>
+        </p:txBody>
+      </p:sp>
+    </p:spTree>
+    <p:extLst>
+      <p:ext uri="{BB962C8B-B14F-4D97-AF65-F5344CB8AC3E}">
+        <p14:creationId xmlns:p14="http://schemas.microsoft.com/office/powerpoint/2010/main" val="1005170313"/>
+      </p:ext>
+    </p:extLst>
+  </p:cSld>
+  <p:clrMapOvr>
+    <a:masterClrMapping/>
+  </p:clrMapOvr>
+</p:sld>
+</file>
+
+<file path=ppt/slides/slide11.xml><?xml version="1.0" encoding="utf-8"?>
+<p:sld xmlns:a="http://schemas.openxmlformats.org/drawingml/2006/main" xmlns:r="http://schemas.openxmlformats.org/officeDocument/2006/relationships" xmlns:p="http://schemas.openxmlformats.org/presentationml/2006/main">
+  <p:cSld>
+    <p:spTree>
+      <p:nvGrpSpPr>
+        <p:cNvPr id="1" name=""/>
+        <p:cNvGrpSpPr/>
+        <p:nvPr/>
+      </p:nvGrpSpPr>
+      <p:grpSpPr>
+        <a:xfrm>
+          <a:off x="0" y="0"/>
+          <a:ext cx="0" cy="0"/>
+          <a:chOff x="0" y="0"/>
+          <a:chExt cx="0" cy="0"/>
+        </a:xfrm>
+      </p:grpSpPr>
       <p:sp>
         <p:nvSpPr>
           <p:cNvPr id="2" name="Content Placeholder 2">
@@ -8328,7 +8466,7 @@
 </p:sld>
 </file>
 
-<file path=ppt/slides/slide11.xml><?xml version="1.0" encoding="utf-8"?>
+<file path=ppt/slides/slide12.xml><?xml version="1.0" encoding="utf-8"?>
 <p:sld xmlns:a="http://schemas.openxmlformats.org/drawingml/2006/main" xmlns:r="http://schemas.openxmlformats.org/officeDocument/2006/relationships" xmlns:p="http://schemas.openxmlformats.org/presentationml/2006/main">
   <p:cSld>
     <p:spTree>
@@ -8358,14 +8496,14 @@
           <p:nvPr>
             <p:extLst>
               <p:ext uri="{D42A27DB-BD31-4B8C-83A1-F6EECF244321}">
-                <p14:modId xmlns:p14="http://schemas.microsoft.com/office/powerpoint/2010/main" val="395491449"/>
+                <p14:modId xmlns:p14="http://schemas.microsoft.com/office/powerpoint/2010/main" val="2364702457"/>
               </p:ext>
             </p:extLst>
           </p:nvPr>
         </p:nvGraphicFramePr>
         <p:xfrm>
           <a:off x="1797483" y="1972941"/>
-          <a:ext cx="9059899" cy="3592360"/>
+          <a:ext cx="4702462" cy="3318040"/>
         </p:xfrm>
         <a:graphic>
           <a:graphicData uri="http://schemas.openxmlformats.org/drawingml/2006/table">
@@ -8376,27 +8514,6 @@
                   <a:extLst>
                     <a:ext uri="{9D8B030D-6E8A-4147-A177-3AD203B41FA5}">
                       <a16:colId xmlns:a16="http://schemas.microsoft.com/office/drawing/2014/main" val="20000"/>
-                    </a:ext>
-                  </a:extLst>
-                </a:gridCol>
-                <a:gridCol w="1337471">
-                  <a:extLst>
-                    <a:ext uri="{9D8B030D-6E8A-4147-A177-3AD203B41FA5}">
-                      <a16:colId xmlns:a16="http://schemas.microsoft.com/office/drawing/2014/main" val="20001"/>
-                    </a:ext>
-                  </a:extLst>
-                </a:gridCol>
-                <a:gridCol w="1509983">
-                  <a:extLst>
-                    <a:ext uri="{9D8B030D-6E8A-4147-A177-3AD203B41FA5}">
-                      <a16:colId xmlns:a16="http://schemas.microsoft.com/office/drawing/2014/main" val="20002"/>
-                    </a:ext>
-                  </a:extLst>
-                </a:gridCol>
-                <a:gridCol w="1509983">
-                  <a:extLst>
-                    <a:ext uri="{9D8B030D-6E8A-4147-A177-3AD203B41FA5}">
-                      <a16:colId xmlns:a16="http://schemas.microsoft.com/office/drawing/2014/main" val="20003"/>
                     </a:ext>
                   </a:extLst>
                 </a:gridCol>
@@ -8470,30 +8587,19 @@
                             </a:schemeClr>
                           </a:solidFill>
                         </a:rPr>
-                        <a:t>Statement coverage (1)</a:t>
+                        <a:t>Spearman Correlation (1&amp;</a:t>
                       </a:r>
-                    </a:p>
-                  </a:txBody>
-                  <a:tcPr marL="45720" marR="45720" horzOverflow="overflow">
-                    <a:solidFill>
-                      <a:schemeClr val="bg1">
-                        <a:lumMod val="65000"/>
-                      </a:schemeClr>
-                    </a:solidFill>
-                  </a:tcPr>
-                </a:tc>
-                <a:tc>
-                  <a:txBody>
-                    <a:bodyPr/>
-                    <a:lstStyle/>
-                    <a:p>
-                      <a:pPr algn="l">
-                        <a:defRPr sz="1800" b="0">
+                      <a:r>
+                        <a:rPr lang="en-US" b="1" dirty="0">
                           <a:solidFill>
-                            <a:srgbClr val="000000"/>
+                            <a:schemeClr val="tx1">
+                              <a:lumMod val="85000"/>
+                              <a:lumOff val="15000"/>
+                            </a:schemeClr>
                           </a:solidFill>
-                        </a:defRPr>
-                      </a:pPr>
+                        </a:rPr>
+                        <a:t>4</a:t>
+                      </a:r>
                       <a:r>
                         <a:rPr b="1" dirty="0">
                           <a:solidFill>
@@ -8503,73 +8609,7 @@
                             </a:schemeClr>
                           </a:solidFill>
                         </a:rPr>
-                        <a:t>Branch Coverage (2) </a:t>
-                      </a:r>
-                    </a:p>
-                  </a:txBody>
-                  <a:tcPr marL="45720" marR="45720" horzOverflow="overflow">
-                    <a:solidFill>
-                      <a:schemeClr val="bg1">
-                        <a:lumMod val="65000"/>
-                      </a:schemeClr>
-                    </a:solidFill>
-                  </a:tcPr>
-                </a:tc>
-                <a:tc>
-                  <a:txBody>
-                    <a:bodyPr/>
-                    <a:lstStyle/>
-                    <a:p>
-                      <a:pPr algn="l">
-                        <a:defRPr sz="1800" b="0">
-                          <a:solidFill>
-                            <a:srgbClr val="000000"/>
-                          </a:solidFill>
-                        </a:defRPr>
-                      </a:pPr>
-                      <a:r>
-                        <a:rPr b="1">
-                          <a:solidFill>
-                            <a:schemeClr val="tx1">
-                              <a:lumMod val="85000"/>
-                              <a:lumOff val="15000"/>
-                            </a:schemeClr>
-                          </a:solidFill>
-                        </a:rPr>
-                        <a:t>Average Cyclomatic complexity (3) </a:t>
-                      </a:r>
-                    </a:p>
-                  </a:txBody>
-                  <a:tcPr marL="45720" marR="45720" horzOverflow="overflow">
-                    <a:solidFill>
-                      <a:schemeClr val="bg1">
-                        <a:lumMod val="65000"/>
-                      </a:schemeClr>
-                    </a:solidFill>
-                  </a:tcPr>
-                </a:tc>
-                <a:tc>
-                  <a:txBody>
-                    <a:bodyPr/>
-                    <a:lstStyle/>
-                    <a:p>
-                      <a:pPr algn="l">
-                        <a:defRPr sz="1800" b="0">
-                          <a:solidFill>
-                            <a:srgbClr val="000000"/>
-                          </a:solidFill>
-                        </a:defRPr>
-                      </a:pPr>
-                      <a:r>
-                        <a:rPr b="1">
-                          <a:solidFill>
-                            <a:schemeClr val="tx1">
-                              <a:lumMod val="85000"/>
-                              <a:lumOff val="15000"/>
-                            </a:schemeClr>
-                          </a:solidFill>
-                        </a:rPr>
-                        <a:t>Spearman Correlation (1&amp;3)</a:t>
+                        <a:t>)</a:t>
                       </a:r>
                     </a:p>
                   </a:txBody>
@@ -8624,7 +8664,29 @@
                             </a:schemeClr>
                           </a:solidFill>
                         </a:rPr>
-                        <a:t>(2&amp;3)</a:t>
+                        <a:t>(2&amp;</a:t>
+                      </a:r>
+                      <a:r>
+                        <a:rPr lang="en-US" b="1" dirty="0">
+                          <a:solidFill>
+                            <a:schemeClr val="tx1">
+                              <a:lumMod val="85000"/>
+                              <a:lumOff val="15000"/>
+                            </a:schemeClr>
+                          </a:solidFill>
+                        </a:rPr>
+                        <a:t>4</a:t>
+                      </a:r>
+                      <a:r>
+                        <a:rPr b="1" dirty="0">
+                          <a:solidFill>
+                            <a:schemeClr val="tx1">
+                              <a:lumMod val="85000"/>
+                              <a:lumOff val="15000"/>
+                            </a:schemeClr>
+                          </a:solidFill>
+                        </a:rPr>
+                        <a:t>)</a:t>
                       </a:r>
                     </a:p>
                   </a:txBody>
@@ -8691,7 +8753,7 @@
                             </a:schemeClr>
                           </a:solidFill>
                         </a:rPr>
-                        <a:t>54%</a:t>
+                        <a:t>0.951</a:t>
                       </a:r>
                       <a:endParaRPr dirty="0">
                         <a:solidFill>
@@ -8728,118 +8790,7 @@
                             </a:schemeClr>
                           </a:solidFill>
                         </a:rPr>
-                        <a:t>46%</a:t>
-                      </a:r>
-                      <a:endParaRPr dirty="0">
-                        <a:solidFill>
-                          <a:schemeClr val="tx1">
-                            <a:lumMod val="85000"/>
-                            <a:lumOff val="15000"/>
-                          </a:schemeClr>
-                        </a:solidFill>
-                      </a:endParaRPr>
-                    </a:p>
-                  </a:txBody>
-                  <a:tcPr marL="45720" marR="45720" horzOverflow="overflow">
-                    <a:solidFill>
-                      <a:schemeClr val="bg1">
-                        <a:lumMod val="65000"/>
-                      </a:schemeClr>
-                    </a:solidFill>
-                  </a:tcPr>
-                </a:tc>
-                <a:tc>
-                  <a:txBody>
-                    <a:bodyPr/>
-                    <a:lstStyle/>
-                    <a:p>
-                      <a:pPr algn="l">
-                        <a:defRPr sz="1800"/>
-                      </a:pPr>
-                      <a:r>
-                        <a:rPr lang="en-CA" dirty="0">
-                          <a:solidFill>
-                            <a:schemeClr val="tx1">
-                              <a:lumMod val="85000"/>
-                              <a:lumOff val="15000"/>
-                            </a:schemeClr>
-                          </a:solidFill>
-                        </a:rPr>
-                        <a:t>34</a:t>
-                      </a:r>
-                      <a:endParaRPr dirty="0">
-                        <a:solidFill>
-                          <a:schemeClr val="tx1">
-                            <a:lumMod val="85000"/>
-                            <a:lumOff val="15000"/>
-                          </a:schemeClr>
-                        </a:solidFill>
-                      </a:endParaRPr>
-                    </a:p>
-                  </a:txBody>
-                  <a:tcPr marL="45720" marR="45720" horzOverflow="overflow">
-                    <a:solidFill>
-                      <a:schemeClr val="bg1">
-                        <a:lumMod val="65000"/>
-                      </a:schemeClr>
-                    </a:solidFill>
-                  </a:tcPr>
-                </a:tc>
-                <a:tc>
-                  <a:txBody>
-                    <a:bodyPr/>
-                    <a:lstStyle/>
-                    <a:p>
-                      <a:pPr algn="l">
-                        <a:defRPr sz="1800"/>
-                      </a:pPr>
-                      <a:r>
-                        <a:rPr lang="en-CA" dirty="0">
-                          <a:solidFill>
-                            <a:schemeClr val="tx1">
-                              <a:lumMod val="85000"/>
-                              <a:lumOff val="15000"/>
-                            </a:schemeClr>
-                          </a:solidFill>
-                        </a:rPr>
-                        <a:t>-0.386</a:t>
-                      </a:r>
-                      <a:endParaRPr dirty="0">
-                        <a:solidFill>
-                          <a:schemeClr val="tx1">
-                            <a:lumMod val="85000"/>
-                            <a:lumOff val="15000"/>
-                          </a:schemeClr>
-                        </a:solidFill>
-                      </a:endParaRPr>
-                    </a:p>
-                  </a:txBody>
-                  <a:tcPr marL="45720" marR="45720" horzOverflow="overflow">
-                    <a:solidFill>
-                      <a:schemeClr val="bg1">
-                        <a:lumMod val="65000"/>
-                      </a:schemeClr>
-                    </a:solidFill>
-                  </a:tcPr>
-                </a:tc>
-                <a:tc>
-                  <a:txBody>
-                    <a:bodyPr/>
-                    <a:lstStyle/>
-                    <a:p>
-                      <a:pPr algn="l">
-                        <a:defRPr sz="1800"/>
-                      </a:pPr>
-                      <a:r>
-                        <a:rPr lang="en-CA" dirty="0">
-                          <a:solidFill>
-                            <a:schemeClr val="tx1">
-                              <a:lumMod val="85000"/>
-                              <a:lumOff val="15000"/>
-                            </a:schemeClr>
-                          </a:solidFill>
-                        </a:rPr>
-                        <a:t>0.466</a:t>
+                        <a:t>0.934</a:t>
                       </a:r>
                       <a:endParaRPr dirty="0">
                         <a:solidFill>
@@ -8877,84 +8828,6 @@
                       <a:endParaRPr sz="1200" dirty="0">
                         <a:solidFill>
                           <a:schemeClr val="tx1"/>
-                        </a:solidFill>
-                      </a:endParaRPr>
-                    </a:p>
-                  </a:txBody>
-                  <a:tcPr marL="45720" marR="45720" horzOverflow="overflow">
-                    <a:solidFill>
-                      <a:schemeClr val="bg1">
-                        <a:lumMod val="65000"/>
-                      </a:schemeClr>
-                    </a:solidFill>
-                  </a:tcPr>
-                </a:tc>
-                <a:tc>
-                  <a:txBody>
-                    <a:bodyPr/>
-                    <a:lstStyle/>
-                    <a:p>
-                      <a:pPr algn="l">
-                        <a:defRPr sz="1800"/>
-                      </a:pPr>
-                      <a:endParaRPr dirty="0">
-                        <a:solidFill>
-                          <a:schemeClr val="tx1">
-                            <a:lumMod val="85000"/>
-                            <a:lumOff val="15000"/>
-                          </a:schemeClr>
-                        </a:solidFill>
-                      </a:endParaRPr>
-                    </a:p>
-                  </a:txBody>
-                  <a:tcPr marL="45720" marR="45720" horzOverflow="overflow">
-                    <a:solidFill>
-                      <a:schemeClr val="bg1">
-                        <a:lumMod val="65000"/>
-                      </a:schemeClr>
-                    </a:solidFill>
-                  </a:tcPr>
-                </a:tc>
-                <a:tc>
-                  <a:txBody>
-                    <a:bodyPr/>
-                    <a:lstStyle/>
-                    <a:p>
-                      <a:pPr algn="l">
-                        <a:defRPr sz="1800"/>
-                      </a:pPr>
-                      <a:endParaRPr dirty="0">
-                        <a:solidFill>
-                          <a:schemeClr val="tx1">
-                            <a:lumMod val="85000"/>
-                            <a:lumOff val="15000"/>
-                          </a:schemeClr>
-                        </a:solidFill>
-                      </a:endParaRPr>
-                    </a:p>
-                  </a:txBody>
-                  <a:tcPr marL="45720" marR="45720" horzOverflow="overflow">
-                    <a:solidFill>
-                      <a:schemeClr val="bg1">
-                        <a:lumMod val="65000"/>
-                      </a:schemeClr>
-                    </a:solidFill>
-                  </a:tcPr>
-                </a:tc>
-                <a:tc>
-                  <a:txBody>
-                    <a:bodyPr/>
-                    <a:lstStyle/>
-                    <a:p>
-                      <a:pPr algn="l">
-                        <a:defRPr sz="1800"/>
-                      </a:pPr>
-                      <a:endParaRPr dirty="0">
-                        <a:solidFill>
-                          <a:schemeClr val="tx1">
-                            <a:lumMod val="85000"/>
-                            <a:lumOff val="15000"/>
-                          </a:schemeClr>
                         </a:solidFill>
                       </a:endParaRPr>
                     </a:p>
@@ -9101,6 +8974,36 @@
                     </a:solidFill>
                   </a:tcPr>
                 </a:tc>
+                <a:extLst>
+                  <a:ext uri="{0D108BD9-81ED-4DB2-BD59-A6C34878D82A}">
+                    <a16:rowId xmlns:a16="http://schemas.microsoft.com/office/drawing/2014/main" val="10004"/>
+                  </a:ext>
+                </a:extLst>
+              </a:tr>
+              <a:tr h="600910">
+                <a:tc>
+                  <a:txBody>
+                    <a:bodyPr/>
+                    <a:lstStyle/>
+                    <a:p>
+                      <a:pPr algn="l">
+                        <a:defRPr sz="1800"/>
+                      </a:pPr>
+                      <a:endParaRPr sz="1200" dirty="0">
+                        <a:solidFill>
+                          <a:schemeClr val="tx1"/>
+                        </a:solidFill>
+                      </a:endParaRPr>
+                    </a:p>
+                  </a:txBody>
+                  <a:tcPr marL="45720" marR="45720" horzOverflow="overflow">
+                    <a:solidFill>
+                      <a:schemeClr val="bg1">
+                        <a:lumMod val="65000"/>
+                      </a:schemeClr>
+                    </a:solidFill>
+                  </a:tcPr>
+                </a:tc>
                 <a:tc>
                   <a:txBody>
                     <a:bodyPr/>
@@ -9115,6 +9018,1350 @@
                             <a:lumMod val="85000"/>
                             <a:lumOff val="15000"/>
                           </a:schemeClr>
+                        </a:solidFill>
+                      </a:endParaRPr>
+                    </a:p>
+                  </a:txBody>
+                  <a:tcPr marL="45720" marR="45720" horzOverflow="overflow">
+                    <a:solidFill>
+                      <a:schemeClr val="bg1">
+                        <a:lumMod val="65000"/>
+                      </a:schemeClr>
+                    </a:solidFill>
+                  </a:tcPr>
+                </a:tc>
+                <a:tc>
+                  <a:txBody>
+                    <a:bodyPr/>
+                    <a:lstStyle/>
+                    <a:p>
+                      <a:pPr algn="l">
+                        <a:defRPr sz="1800"/>
+                      </a:pPr>
+                      <a:endParaRPr dirty="0">
+                        <a:solidFill>
+                          <a:schemeClr val="tx1">
+                            <a:lumMod val="85000"/>
+                            <a:lumOff val="15000"/>
+                          </a:schemeClr>
+                        </a:solidFill>
+                      </a:endParaRPr>
+                    </a:p>
+                  </a:txBody>
+                  <a:tcPr marL="45720" marR="45720" horzOverflow="overflow">
+                    <a:solidFill>
+                      <a:schemeClr val="bg1">
+                        <a:lumMod val="65000"/>
+                      </a:schemeClr>
+                    </a:solidFill>
+                  </a:tcPr>
+                </a:tc>
+                <a:extLst>
+                  <a:ext uri="{0D108BD9-81ED-4DB2-BD59-A6C34878D82A}">
+                    <a16:rowId xmlns:a16="http://schemas.microsoft.com/office/drawing/2014/main" val="10005"/>
+                  </a:ext>
+                </a:extLst>
+              </a:tr>
+            </a:tbl>
+          </a:graphicData>
+        </a:graphic>
+      </p:graphicFrame>
+      <p:sp>
+        <p:nvSpPr>
+          <p:cNvPr id="3" name="Title 1">
+            <a:extLst>
+              <a:ext uri="{FF2B5EF4-FFF2-40B4-BE49-F238E27FC236}">
+                <a16:creationId xmlns:a16="http://schemas.microsoft.com/office/drawing/2014/main" id="{47B684D4-10F8-4577-9068-714125514D08}"/>
+              </a:ext>
+            </a:extLst>
+          </p:cNvPr>
+          <p:cNvSpPr txBox="1">
+            <a:spLocks/>
+          </p:cNvSpPr>
+          <p:nvPr/>
+        </p:nvSpPr>
+        <p:spPr>
+          <a:xfrm>
+            <a:off x="1702237" y="691789"/>
+            <a:ext cx="8596670" cy="716926"/>
+          </a:xfrm>
+          <a:prstGeom prst="rect">
+            <a:avLst/>
+          </a:prstGeom>
+        </p:spPr>
+        <p:txBody>
+          <a:bodyPr/>
+          <a:lstStyle>
+            <a:lvl1pPr algn="l" defTabSz="457200" rtl="0" eaLnBrk="1" latinLnBrk="0" hangingPunct="1">
+              <a:spcBef>
+                <a:spcPct val="0"/>
+              </a:spcBef>
+              <a:buNone/>
+              <a:defRPr sz="3600" kern="1200">
+                <a:solidFill>
+                  <a:schemeClr val="tx1">
+                    <a:lumMod val="85000"/>
+                    <a:lumOff val="15000"/>
+                  </a:schemeClr>
+                </a:solidFill>
+                <a:latin typeface="+mj-lt"/>
+                <a:ea typeface="+mj-ea"/>
+                <a:cs typeface="+mj-cs"/>
+              </a:defRPr>
+            </a:lvl1pPr>
+            <a:lvl2pPr eaLnBrk="1" hangingPunct="1">
+              <a:defRPr>
+                <a:solidFill>
+                  <a:schemeClr val="tx2"/>
+                </a:solidFill>
+              </a:defRPr>
+            </a:lvl2pPr>
+            <a:lvl3pPr eaLnBrk="1" hangingPunct="1">
+              <a:defRPr>
+                <a:solidFill>
+                  <a:schemeClr val="tx2"/>
+                </a:solidFill>
+              </a:defRPr>
+            </a:lvl3pPr>
+            <a:lvl4pPr eaLnBrk="1" hangingPunct="1">
+              <a:defRPr>
+                <a:solidFill>
+                  <a:schemeClr val="tx2"/>
+                </a:solidFill>
+              </a:defRPr>
+            </a:lvl4pPr>
+            <a:lvl5pPr eaLnBrk="1" hangingPunct="1">
+              <a:defRPr>
+                <a:solidFill>
+                  <a:schemeClr val="tx2"/>
+                </a:solidFill>
+              </a:defRPr>
+            </a:lvl5pPr>
+            <a:lvl6pPr eaLnBrk="1" hangingPunct="1">
+              <a:defRPr>
+                <a:solidFill>
+                  <a:schemeClr val="tx2"/>
+                </a:solidFill>
+              </a:defRPr>
+            </a:lvl6pPr>
+            <a:lvl7pPr eaLnBrk="1" hangingPunct="1">
+              <a:defRPr>
+                <a:solidFill>
+                  <a:schemeClr val="tx2"/>
+                </a:solidFill>
+              </a:defRPr>
+            </a:lvl7pPr>
+            <a:lvl8pPr eaLnBrk="1" hangingPunct="1">
+              <a:defRPr>
+                <a:solidFill>
+                  <a:schemeClr val="tx2"/>
+                </a:solidFill>
+              </a:defRPr>
+            </a:lvl8pPr>
+            <a:lvl9pPr eaLnBrk="1" hangingPunct="1">
+              <a:defRPr>
+                <a:solidFill>
+                  <a:schemeClr val="tx2"/>
+                </a:solidFill>
+              </a:defRPr>
+            </a:lvl9pPr>
+          </a:lstStyle>
+          <a:p>
+            <a:r>
+              <a:rPr lang="en-CA" dirty="0"/>
+              <a:t>Correlation between 1-2 &amp; 4</a:t>
+            </a:r>
+          </a:p>
+        </p:txBody>
+      </p:sp>
+    </p:spTree>
+    <p:extLst>
+      <p:ext uri="{BB962C8B-B14F-4D97-AF65-F5344CB8AC3E}">
+        <p14:creationId xmlns:p14="http://schemas.microsoft.com/office/powerpoint/2010/main" val="2410403222"/>
+      </p:ext>
+    </p:extLst>
+  </p:cSld>
+  <p:clrMapOvr>
+    <a:masterClrMapping/>
+  </p:clrMapOvr>
+</p:sld>
+</file>
+
+<file path=ppt/slides/slide13.xml><?xml version="1.0" encoding="utf-8"?>
+<p:sld xmlns:a="http://schemas.openxmlformats.org/drawingml/2006/main" xmlns:r="http://schemas.openxmlformats.org/officeDocument/2006/relationships" xmlns:p="http://schemas.openxmlformats.org/presentationml/2006/main">
+  <p:cSld>
+    <p:spTree>
+      <p:nvGrpSpPr>
+        <p:cNvPr id="1" name=""/>
+        <p:cNvGrpSpPr/>
+        <p:nvPr/>
+      </p:nvGrpSpPr>
+      <p:grpSpPr>
+        <a:xfrm>
+          <a:off x="0" y="0"/>
+          <a:ext cx="0" cy="0"/>
+          <a:chOff x="0" y="0"/>
+          <a:chExt cx="0" cy="0"/>
+        </a:xfrm>
+      </p:grpSpPr>
+      <p:pic>
+        <p:nvPicPr>
+          <p:cNvPr id="2" name="Picture 1">
+            <a:extLst>
+              <a:ext uri="{FF2B5EF4-FFF2-40B4-BE49-F238E27FC236}">
+                <a16:creationId xmlns:a16="http://schemas.microsoft.com/office/drawing/2014/main" id="{D8FB4E7B-AD6E-FE4F-8F51-9DABB22BD117}"/>
+              </a:ext>
+            </a:extLst>
+          </p:cNvPr>
+          <p:cNvPicPr>
+            <a:picLocks noChangeAspect="1"/>
+          </p:cNvPicPr>
+          <p:nvPr/>
+        </p:nvPicPr>
+        <p:blipFill>
+          <a:blip r:embed="rId2"/>
+          <a:stretch>
+            <a:fillRect/>
+          </a:stretch>
+        </p:blipFill>
+        <p:spPr>
+          <a:xfrm>
+            <a:off x="796178" y="0"/>
+            <a:ext cx="10599644" cy="6858000"/>
+          </a:xfrm>
+          <a:prstGeom prst="rect">
+            <a:avLst/>
+          </a:prstGeom>
+        </p:spPr>
+      </p:pic>
+    </p:spTree>
+    <p:extLst>
+      <p:ext uri="{BB962C8B-B14F-4D97-AF65-F5344CB8AC3E}">
+        <p14:creationId xmlns:p14="http://schemas.microsoft.com/office/powerpoint/2010/main" val="4192540875"/>
+      </p:ext>
+    </p:extLst>
+  </p:cSld>
+  <p:clrMapOvr>
+    <a:masterClrMapping/>
+  </p:clrMapOvr>
+</p:sld>
+</file>
+
+<file path=ppt/slides/slide14.xml><?xml version="1.0" encoding="utf-8"?>
+<p:sld xmlns:a="http://schemas.openxmlformats.org/drawingml/2006/main" xmlns:r="http://schemas.openxmlformats.org/officeDocument/2006/relationships" xmlns:p="http://schemas.openxmlformats.org/presentationml/2006/main">
+  <p:cSld>
+    <p:spTree>
+      <p:nvGrpSpPr>
+        <p:cNvPr id="1" name=""/>
+        <p:cNvGrpSpPr/>
+        <p:nvPr/>
+      </p:nvGrpSpPr>
+      <p:grpSpPr>
+        <a:xfrm>
+          <a:off x="0" y="0"/>
+          <a:ext cx="0" cy="0"/>
+          <a:chOff x="0" y="0"/>
+          <a:chExt cx="0" cy="0"/>
+        </a:xfrm>
+      </p:grpSpPr>
+      <p:pic>
+        <p:nvPicPr>
+          <p:cNvPr id="2" name="Picture 1">
+            <a:extLst>
+              <a:ext uri="{FF2B5EF4-FFF2-40B4-BE49-F238E27FC236}">
+                <a16:creationId xmlns:a16="http://schemas.microsoft.com/office/drawing/2014/main" id="{8421E6F3-1339-8248-B120-1F41D657C212}"/>
+              </a:ext>
+            </a:extLst>
+          </p:cNvPr>
+          <p:cNvPicPr>
+            <a:picLocks noChangeAspect="1"/>
+          </p:cNvPicPr>
+          <p:nvPr/>
+        </p:nvPicPr>
+        <p:blipFill>
+          <a:blip r:embed="rId2"/>
+          <a:stretch>
+            <a:fillRect/>
+          </a:stretch>
+        </p:blipFill>
+        <p:spPr>
+          <a:xfrm>
+            <a:off x="726440" y="0"/>
+            <a:ext cx="10739120" cy="6858000"/>
+          </a:xfrm>
+          <a:prstGeom prst="rect">
+            <a:avLst/>
+          </a:prstGeom>
+        </p:spPr>
+      </p:pic>
+    </p:spTree>
+    <p:extLst>
+      <p:ext uri="{BB962C8B-B14F-4D97-AF65-F5344CB8AC3E}">
+        <p14:creationId xmlns:p14="http://schemas.microsoft.com/office/powerpoint/2010/main" val="2791609922"/>
+      </p:ext>
+    </p:extLst>
+  </p:cSld>
+  <p:clrMapOvr>
+    <a:masterClrMapping/>
+  </p:clrMapOvr>
+</p:sld>
+</file>
+
+<file path=ppt/slides/slide15.xml><?xml version="1.0" encoding="utf-8"?>
+<p:sld xmlns:a="http://schemas.openxmlformats.org/drawingml/2006/main" xmlns:r="http://schemas.openxmlformats.org/officeDocument/2006/relationships" xmlns:p="http://schemas.openxmlformats.org/presentationml/2006/main">
+  <p:cSld>
+    <p:spTree>
+      <p:nvGrpSpPr>
+        <p:cNvPr id="1" name=""/>
+        <p:cNvGrpSpPr/>
+        <p:nvPr/>
+      </p:nvGrpSpPr>
+      <p:grpSpPr>
+        <a:xfrm>
+          <a:off x="0" y="0"/>
+          <a:ext cx="0" cy="0"/>
+          <a:chOff x="0" y="0"/>
+          <a:chExt cx="0" cy="0"/>
+        </a:xfrm>
+      </p:grpSpPr>
+      <p:sp>
+        <p:nvSpPr>
+          <p:cNvPr id="2" name="Content Placeholder 2">
+            <a:extLst>
+              <a:ext uri="{FF2B5EF4-FFF2-40B4-BE49-F238E27FC236}">
+                <a16:creationId xmlns:a16="http://schemas.microsoft.com/office/drawing/2014/main" id="{33A3B906-9B2E-4940-AC4E-21E5947DFDC6}"/>
+              </a:ext>
+            </a:extLst>
+          </p:cNvPr>
+          <p:cNvSpPr txBox="1">
+            <a:spLocks/>
+          </p:cNvSpPr>
+          <p:nvPr/>
+        </p:nvSpPr>
+        <p:spPr>
+          <a:xfrm>
+            <a:off x="1488038" y="1956202"/>
+            <a:ext cx="8596670" cy="4431505"/>
+          </a:xfrm>
+          <a:prstGeom prst="rect">
+            <a:avLst/>
+          </a:prstGeom>
+        </p:spPr>
+        <p:txBody>
+          <a:bodyPr/>
+          <a:lstStyle>
+            <a:lvl1pPr marL="342900" indent="-342900" algn="l" defTabSz="457200" rtl="0" eaLnBrk="1" latinLnBrk="0" hangingPunct="1">
+              <a:spcBef>
+                <a:spcPts val="1000"/>
+              </a:spcBef>
+              <a:spcAft>
+                <a:spcPts val="0"/>
+              </a:spcAft>
+              <a:buClr>
+                <a:schemeClr val="accent1"/>
+              </a:buClr>
+              <a:buFont typeface="Wingdings 3" charset="2"/>
+              <a:buChar char=""/>
+              <a:defRPr sz="1800" kern="1200">
+                <a:solidFill>
+                  <a:schemeClr val="tx1">
+                    <a:lumMod val="75000"/>
+                    <a:lumOff val="25000"/>
+                  </a:schemeClr>
+                </a:solidFill>
+                <a:latin typeface="+mn-lt"/>
+                <a:ea typeface="+mn-ea"/>
+                <a:cs typeface="+mn-cs"/>
+              </a:defRPr>
+            </a:lvl1pPr>
+            <a:lvl2pPr marL="742950" indent="-285750" algn="l" defTabSz="457200" rtl="0" eaLnBrk="1" latinLnBrk="0" hangingPunct="1">
+              <a:spcBef>
+                <a:spcPts val="1000"/>
+              </a:spcBef>
+              <a:spcAft>
+                <a:spcPts val="0"/>
+              </a:spcAft>
+              <a:buClr>
+                <a:schemeClr val="accent1"/>
+              </a:buClr>
+              <a:buFont typeface="Wingdings 3" charset="2"/>
+              <a:buChar char=""/>
+              <a:defRPr sz="1600" kern="1200">
+                <a:solidFill>
+                  <a:schemeClr val="tx1">
+                    <a:lumMod val="75000"/>
+                    <a:lumOff val="25000"/>
+                  </a:schemeClr>
+                </a:solidFill>
+                <a:latin typeface="+mn-lt"/>
+                <a:ea typeface="+mn-ea"/>
+                <a:cs typeface="+mn-cs"/>
+              </a:defRPr>
+            </a:lvl2pPr>
+            <a:lvl3pPr marL="1143000" indent="-228600" algn="l" defTabSz="457200" rtl="0" eaLnBrk="1" latinLnBrk="0" hangingPunct="1">
+              <a:spcBef>
+                <a:spcPts val="1000"/>
+              </a:spcBef>
+              <a:spcAft>
+                <a:spcPts val="0"/>
+              </a:spcAft>
+              <a:buClr>
+                <a:schemeClr val="accent1"/>
+              </a:buClr>
+              <a:buFont typeface="Wingdings 3" charset="2"/>
+              <a:buChar char=""/>
+              <a:defRPr sz="1400" kern="1200">
+                <a:solidFill>
+                  <a:schemeClr val="tx1">
+                    <a:lumMod val="75000"/>
+                    <a:lumOff val="25000"/>
+                  </a:schemeClr>
+                </a:solidFill>
+                <a:latin typeface="+mn-lt"/>
+                <a:ea typeface="+mn-ea"/>
+                <a:cs typeface="+mn-cs"/>
+              </a:defRPr>
+            </a:lvl3pPr>
+            <a:lvl4pPr marL="1600200" indent="-228600" algn="l" defTabSz="457200" rtl="0" eaLnBrk="1" latinLnBrk="0" hangingPunct="1">
+              <a:spcBef>
+                <a:spcPts val="1000"/>
+              </a:spcBef>
+              <a:spcAft>
+                <a:spcPts val="0"/>
+              </a:spcAft>
+              <a:buClr>
+                <a:schemeClr val="accent1"/>
+              </a:buClr>
+              <a:buFont typeface="Wingdings 3" charset="2"/>
+              <a:buChar char=""/>
+              <a:defRPr sz="1200" kern="1200">
+                <a:solidFill>
+                  <a:schemeClr val="tx1">
+                    <a:lumMod val="75000"/>
+                    <a:lumOff val="25000"/>
+                  </a:schemeClr>
+                </a:solidFill>
+                <a:latin typeface="+mn-lt"/>
+                <a:ea typeface="+mn-ea"/>
+                <a:cs typeface="+mn-cs"/>
+              </a:defRPr>
+            </a:lvl4pPr>
+            <a:lvl5pPr marL="2057400" indent="-228600" algn="l" defTabSz="457200" rtl="0" eaLnBrk="1" latinLnBrk="0" hangingPunct="1">
+              <a:spcBef>
+                <a:spcPts val="1000"/>
+              </a:spcBef>
+              <a:spcAft>
+                <a:spcPts val="0"/>
+              </a:spcAft>
+              <a:buClr>
+                <a:schemeClr val="accent1"/>
+              </a:buClr>
+              <a:buFont typeface="Wingdings 3" charset="2"/>
+              <a:buChar char=""/>
+              <a:defRPr sz="1200" kern="1200">
+                <a:solidFill>
+                  <a:schemeClr val="tx1">
+                    <a:lumMod val="75000"/>
+                    <a:lumOff val="25000"/>
+                  </a:schemeClr>
+                </a:solidFill>
+                <a:latin typeface="+mn-lt"/>
+                <a:ea typeface="+mn-ea"/>
+                <a:cs typeface="+mn-cs"/>
+              </a:defRPr>
+            </a:lvl5pPr>
+            <a:lvl6pPr marL="2514600" indent="-228600" algn="l" defTabSz="457200" rtl="0" eaLnBrk="1" latinLnBrk="0" hangingPunct="1">
+              <a:spcBef>
+                <a:spcPts val="1000"/>
+              </a:spcBef>
+              <a:spcAft>
+                <a:spcPts val="0"/>
+              </a:spcAft>
+              <a:buClr>
+                <a:schemeClr val="accent1"/>
+              </a:buClr>
+              <a:buFont typeface="Wingdings 3" charset="2"/>
+              <a:buChar char=""/>
+              <a:defRPr sz="1200" kern="1200">
+                <a:solidFill>
+                  <a:schemeClr val="tx1">
+                    <a:lumMod val="75000"/>
+                    <a:lumOff val="25000"/>
+                  </a:schemeClr>
+                </a:solidFill>
+                <a:latin typeface="+mn-lt"/>
+                <a:ea typeface="+mn-ea"/>
+                <a:cs typeface="+mn-cs"/>
+              </a:defRPr>
+            </a:lvl6pPr>
+            <a:lvl7pPr marL="2971800" indent="-228600" algn="l" defTabSz="457200" rtl="0" eaLnBrk="1" latinLnBrk="0" hangingPunct="1">
+              <a:spcBef>
+                <a:spcPts val="1000"/>
+              </a:spcBef>
+              <a:spcAft>
+                <a:spcPts val="0"/>
+              </a:spcAft>
+              <a:buClr>
+                <a:schemeClr val="accent1"/>
+              </a:buClr>
+              <a:buFont typeface="Wingdings 3" charset="2"/>
+              <a:buChar char=""/>
+              <a:defRPr sz="1200" kern="1200">
+                <a:solidFill>
+                  <a:schemeClr val="tx1">
+                    <a:lumMod val="75000"/>
+                    <a:lumOff val="25000"/>
+                  </a:schemeClr>
+                </a:solidFill>
+                <a:latin typeface="+mn-lt"/>
+                <a:ea typeface="+mn-ea"/>
+                <a:cs typeface="+mn-cs"/>
+              </a:defRPr>
+            </a:lvl7pPr>
+            <a:lvl8pPr marL="3429000" indent="-228600" algn="l" defTabSz="457200" rtl="0" eaLnBrk="1" latinLnBrk="0" hangingPunct="1">
+              <a:spcBef>
+                <a:spcPts val="1000"/>
+              </a:spcBef>
+              <a:spcAft>
+                <a:spcPts val="0"/>
+              </a:spcAft>
+              <a:buClr>
+                <a:schemeClr val="accent1"/>
+              </a:buClr>
+              <a:buFont typeface="Wingdings 3" charset="2"/>
+              <a:buChar char=""/>
+              <a:defRPr sz="1200" kern="1200">
+                <a:solidFill>
+                  <a:schemeClr val="tx1">
+                    <a:lumMod val="75000"/>
+                    <a:lumOff val="25000"/>
+                  </a:schemeClr>
+                </a:solidFill>
+                <a:latin typeface="+mn-lt"/>
+                <a:ea typeface="+mn-ea"/>
+                <a:cs typeface="+mn-cs"/>
+              </a:defRPr>
+            </a:lvl8pPr>
+            <a:lvl9pPr marL="3886200" indent="-228600" algn="l" defTabSz="457200" rtl="0" eaLnBrk="1" latinLnBrk="0" hangingPunct="1">
+              <a:spcBef>
+                <a:spcPts val="1000"/>
+              </a:spcBef>
+              <a:spcAft>
+                <a:spcPts val="0"/>
+              </a:spcAft>
+              <a:buClr>
+                <a:schemeClr val="accent1"/>
+              </a:buClr>
+              <a:buFont typeface="Wingdings 3" charset="2"/>
+              <a:buChar char=""/>
+              <a:defRPr sz="1200" kern="1200">
+                <a:solidFill>
+                  <a:schemeClr val="tx1">
+                    <a:lumMod val="75000"/>
+                    <a:lumOff val="25000"/>
+                  </a:schemeClr>
+                </a:solidFill>
+                <a:latin typeface="+mn-lt"/>
+                <a:ea typeface="+mn-ea"/>
+                <a:cs typeface="+mn-cs"/>
+              </a:defRPr>
+            </a:lvl9pPr>
+          </a:lstStyle>
+          <a:p>
+            <a:pPr>
+              <a:buFont typeface="Wingdings" panose="05000000000000000000" pitchFamily="2" charset="2"/>
+              <a:buChar char="Ø"/>
+            </a:pPr>
+            <a:r>
+              <a:rPr lang="en-US" i="1" dirty="0"/>
+              <a:t>“Classes with low test coverage contain more bugs”.</a:t>
+            </a:r>
+          </a:p>
+          <a:p>
+            <a:pPr marL="0" indent="0">
+              <a:buFont typeface="Wingdings 3"/>
+              <a:buNone/>
+            </a:pPr>
+            <a:endParaRPr lang="en-US" dirty="0"/>
+          </a:p>
+          <a:p>
+            <a:pPr marL="0" indent="0">
+              <a:buFont typeface="Wingdings 3"/>
+              <a:buNone/>
+            </a:pPr>
+            <a:endParaRPr lang="en-US" dirty="0"/>
+          </a:p>
+          <a:p>
+            <a:pPr marL="0" indent="0">
+              <a:buFont typeface="Wingdings 3"/>
+              <a:buNone/>
+              <a:defRPr sz="2400"/>
+            </a:pPr>
+            <a:r>
+              <a:rPr lang="en-US" sz="2400" dirty="0"/>
+              <a:t>Tools used to calculate:</a:t>
+            </a:r>
+          </a:p>
+          <a:p>
+            <a:r>
+              <a:rPr lang="en-US" dirty="0" err="1"/>
+              <a:t>Jacoco</a:t>
+            </a:r>
+            <a:r>
+              <a:rPr lang="en-US" dirty="0"/>
+              <a:t> plugin in IntelliJ to calculate the statement and branch coverage </a:t>
+            </a:r>
+            <a:br>
+              <a:rPr lang="en-US" dirty="0"/>
+            </a:br>
+            <a:r>
+              <a:rPr lang="en-US" dirty="0"/>
+              <a:t>(Metric 1&amp;2)</a:t>
+            </a:r>
+          </a:p>
+          <a:p>
+            <a:r>
+              <a:rPr lang="en-US" dirty="0" err="1"/>
+              <a:t>Jdeodorant</a:t>
+            </a:r>
+            <a:r>
+              <a:rPr lang="en-US" dirty="0"/>
+              <a:t> (Eclipse plugin ) to calculate different types of code smells in a project.</a:t>
+            </a:r>
+            <a:br>
+              <a:rPr lang="en-US" dirty="0"/>
+            </a:br>
+            <a:endParaRPr lang="en-US" dirty="0"/>
+          </a:p>
+        </p:txBody>
+      </p:sp>
+      <p:sp>
+        <p:nvSpPr>
+          <p:cNvPr id="3" name="Title 1">
+            <a:extLst>
+              <a:ext uri="{FF2B5EF4-FFF2-40B4-BE49-F238E27FC236}">
+                <a16:creationId xmlns:a16="http://schemas.microsoft.com/office/drawing/2014/main" id="{629A7128-469B-4CA8-A0DA-F88653EB1247}"/>
+              </a:ext>
+            </a:extLst>
+          </p:cNvPr>
+          <p:cNvSpPr txBox="1">
+            <a:spLocks/>
+          </p:cNvSpPr>
+          <p:nvPr/>
+        </p:nvSpPr>
+        <p:spPr>
+          <a:xfrm>
+            <a:off x="1488038" y="530660"/>
+            <a:ext cx="8891669" cy="1320800"/>
+          </a:xfrm>
+          <a:prstGeom prst="rect">
+            <a:avLst/>
+          </a:prstGeom>
+        </p:spPr>
+        <p:txBody>
+          <a:bodyPr/>
+          <a:lstStyle>
+            <a:lvl1pPr algn="l" defTabSz="457200" rtl="0" eaLnBrk="1" latinLnBrk="0" hangingPunct="1">
+              <a:spcBef>
+                <a:spcPct val="0"/>
+              </a:spcBef>
+              <a:buNone/>
+              <a:defRPr sz="3600" kern="1200">
+                <a:solidFill>
+                  <a:schemeClr val="tx1">
+                    <a:lumMod val="85000"/>
+                    <a:lumOff val="15000"/>
+                  </a:schemeClr>
+                </a:solidFill>
+                <a:latin typeface="+mj-lt"/>
+                <a:ea typeface="+mj-ea"/>
+                <a:cs typeface="+mj-cs"/>
+              </a:defRPr>
+            </a:lvl1pPr>
+            <a:lvl2pPr eaLnBrk="1" hangingPunct="1">
+              <a:defRPr>
+                <a:solidFill>
+                  <a:schemeClr val="tx2"/>
+                </a:solidFill>
+              </a:defRPr>
+            </a:lvl2pPr>
+            <a:lvl3pPr eaLnBrk="1" hangingPunct="1">
+              <a:defRPr>
+                <a:solidFill>
+                  <a:schemeClr val="tx2"/>
+                </a:solidFill>
+              </a:defRPr>
+            </a:lvl3pPr>
+            <a:lvl4pPr eaLnBrk="1" hangingPunct="1">
+              <a:defRPr>
+                <a:solidFill>
+                  <a:schemeClr val="tx2"/>
+                </a:solidFill>
+              </a:defRPr>
+            </a:lvl4pPr>
+            <a:lvl5pPr eaLnBrk="1" hangingPunct="1">
+              <a:defRPr>
+                <a:solidFill>
+                  <a:schemeClr val="tx2"/>
+                </a:solidFill>
+              </a:defRPr>
+            </a:lvl5pPr>
+            <a:lvl6pPr eaLnBrk="1" hangingPunct="1">
+              <a:defRPr>
+                <a:solidFill>
+                  <a:schemeClr val="tx2"/>
+                </a:solidFill>
+              </a:defRPr>
+            </a:lvl6pPr>
+            <a:lvl7pPr eaLnBrk="1" hangingPunct="1">
+              <a:defRPr>
+                <a:solidFill>
+                  <a:schemeClr val="tx2"/>
+                </a:solidFill>
+              </a:defRPr>
+            </a:lvl7pPr>
+            <a:lvl8pPr eaLnBrk="1" hangingPunct="1">
+              <a:defRPr>
+                <a:solidFill>
+                  <a:schemeClr val="tx2"/>
+                </a:solidFill>
+              </a:defRPr>
+            </a:lvl8pPr>
+            <a:lvl9pPr eaLnBrk="1" hangingPunct="1">
+              <a:defRPr>
+                <a:solidFill>
+                  <a:schemeClr val="tx2"/>
+                </a:solidFill>
+              </a:defRPr>
+            </a:lvl9pPr>
+          </a:lstStyle>
+          <a:p>
+            <a:pPr>
+              <a:defRPr sz="3200"/>
+            </a:pPr>
+            <a:r>
+              <a:rPr lang="en-US" sz="3200" dirty="0"/>
+              <a:t>Correlations:</a:t>
+            </a:r>
+            <a:br>
+              <a:rPr lang="en-US" sz="3200" dirty="0"/>
+            </a:br>
+            <a:r>
+              <a:rPr lang="en-US" sz="2400" dirty="0"/>
+              <a:t>Code coverage and Code Smells (Metric 1,2 &amp; 6)</a:t>
+            </a:r>
+          </a:p>
+        </p:txBody>
+      </p:sp>
+    </p:spTree>
+    <p:extLst>
+      <p:ext uri="{BB962C8B-B14F-4D97-AF65-F5344CB8AC3E}">
+        <p14:creationId xmlns:p14="http://schemas.microsoft.com/office/powerpoint/2010/main" val="2903387107"/>
+      </p:ext>
+    </p:extLst>
+  </p:cSld>
+  <p:clrMapOvr>
+    <a:masterClrMapping/>
+  </p:clrMapOvr>
+</p:sld>
+</file>
+
+<file path=ppt/slides/slide16.xml><?xml version="1.0" encoding="utf-8"?>
+<p:sld xmlns:a="http://schemas.openxmlformats.org/drawingml/2006/main" xmlns:r="http://schemas.openxmlformats.org/officeDocument/2006/relationships" xmlns:p="http://schemas.openxmlformats.org/presentationml/2006/main">
+  <p:cSld>
+    <p:spTree>
+      <p:nvGrpSpPr>
+        <p:cNvPr id="1" name=""/>
+        <p:cNvGrpSpPr/>
+        <p:nvPr/>
+      </p:nvGrpSpPr>
+      <p:grpSpPr>
+        <a:xfrm>
+          <a:off x="0" y="0"/>
+          <a:ext cx="0" cy="0"/>
+          <a:chOff x="0" y="0"/>
+          <a:chExt cx="0" cy="0"/>
+        </a:xfrm>
+      </p:grpSpPr>
+      <p:graphicFrame>
+        <p:nvGraphicFramePr>
+          <p:cNvPr id="8" name="Table 7">
+            <a:extLst>
+              <a:ext uri="{FF2B5EF4-FFF2-40B4-BE49-F238E27FC236}">
+                <a16:creationId xmlns:a16="http://schemas.microsoft.com/office/drawing/2014/main" id="{C11DC35A-69A5-4D2D-A80F-DFE24377C346}"/>
+              </a:ext>
+            </a:extLst>
+          </p:cNvPr>
+          <p:cNvGraphicFramePr>
+            <a:graphicFrameLocks noGrp="1"/>
+          </p:cNvGraphicFramePr>
+          <p:nvPr>
+            <p:extLst>
+              <p:ext uri="{D42A27DB-BD31-4B8C-83A1-F6EECF244321}">
+                <p14:modId xmlns:p14="http://schemas.microsoft.com/office/powerpoint/2010/main" val="3468525893"/>
+              </p:ext>
+            </p:extLst>
+          </p:nvPr>
+        </p:nvGraphicFramePr>
+        <p:xfrm>
+          <a:off x="7563754" y="1629266"/>
+          <a:ext cx="1938779" cy="1601017"/>
+        </p:xfrm>
+        <a:graphic>
+          <a:graphicData uri="http://schemas.openxmlformats.org/drawingml/2006/table">
+            <a:tbl>
+              <a:tblPr/>
+              <a:tblGrid>
+                <a:gridCol w="1938779">
+                  <a:extLst>
+                    <a:ext uri="{9D8B030D-6E8A-4147-A177-3AD203B41FA5}">
+                      <a16:colId xmlns:a16="http://schemas.microsoft.com/office/drawing/2014/main" val="465851440"/>
+                    </a:ext>
+                  </a:extLst>
+                </a:gridCol>
+              </a:tblGrid>
+              <a:tr h="952736">
+                <a:tc>
+                  <a:txBody>
+                    <a:bodyPr/>
+                    <a:lstStyle/>
+                    <a:p>
+                      <a:pPr algn="l" fontAlgn="b"/>
+                      <a:endParaRPr lang="en-CA" sz="1230" b="1" i="0" u="none" strike="noStrike" baseline="0" dirty="0">
+                        <a:solidFill>
+                          <a:schemeClr val="tx1"/>
+                        </a:solidFill>
+                        <a:effectLst/>
+                        <a:latin typeface="Arial Black" panose="020B0A04020102020204" pitchFamily="34" charset="0"/>
+                      </a:endParaRPr>
+                    </a:p>
+                  </a:txBody>
+                  <a:tcPr marL="7620" marR="7620" marT="7620" marB="0" anchor="b">
+                    <a:lnL>
+                      <a:noFill/>
+                    </a:lnL>
+                    <a:lnR>
+                      <a:noFill/>
+                    </a:lnR>
+                    <a:lnT>
+                      <a:noFill/>
+                    </a:lnT>
+                    <a:lnB>
+                      <a:noFill/>
+                    </a:lnB>
+                  </a:tcPr>
+                </a:tc>
+                <a:extLst>
+                  <a:ext uri="{0D108BD9-81ED-4DB2-BD59-A6C34878D82A}">
+                    <a16:rowId xmlns:a16="http://schemas.microsoft.com/office/drawing/2014/main" val="1300571251"/>
+                  </a:ext>
+                </a:extLst>
+              </a:tr>
+              <a:tr h="387515">
+                <a:tc>
+                  <a:txBody>
+                    <a:bodyPr/>
+                    <a:lstStyle/>
+                    <a:p>
+                      <a:pPr algn="l" fontAlgn="b"/>
+                      <a:endParaRPr lang="en-CA" sz="1230" b="1" i="0" u="none" strike="noStrike" baseline="0" dirty="0">
+                        <a:solidFill>
+                          <a:schemeClr val="tx1"/>
+                        </a:solidFill>
+                        <a:effectLst/>
+                        <a:latin typeface="Arial Black" panose="020B0A04020102020204" pitchFamily="34" charset="0"/>
+                      </a:endParaRPr>
+                    </a:p>
+                  </a:txBody>
+                  <a:tcPr marL="7620" marR="7620" marT="7620" marB="0" anchor="b">
+                    <a:lnL>
+                      <a:noFill/>
+                    </a:lnL>
+                    <a:lnR>
+                      <a:noFill/>
+                    </a:lnR>
+                    <a:lnT>
+                      <a:noFill/>
+                    </a:lnT>
+                    <a:lnB>
+                      <a:noFill/>
+                    </a:lnB>
+                  </a:tcPr>
+                </a:tc>
+                <a:extLst>
+                  <a:ext uri="{0D108BD9-81ED-4DB2-BD59-A6C34878D82A}">
+                    <a16:rowId xmlns:a16="http://schemas.microsoft.com/office/drawing/2014/main" val="3879632431"/>
+                  </a:ext>
+                </a:extLst>
+              </a:tr>
+              <a:tr h="260766">
+                <a:tc>
+                  <a:txBody>
+                    <a:bodyPr/>
+                    <a:lstStyle/>
+                    <a:p>
+                      <a:pPr algn="ctr" fontAlgn="b"/>
+                      <a:endParaRPr lang="en-CA" sz="1230" b="1" i="0" u="none" strike="noStrike" baseline="0" dirty="0">
+                        <a:solidFill>
+                          <a:schemeClr val="tx1"/>
+                        </a:solidFill>
+                        <a:effectLst/>
+                        <a:latin typeface="Arial Black" panose="020B0A04020102020204" pitchFamily="34" charset="0"/>
+                      </a:endParaRPr>
+                    </a:p>
+                  </a:txBody>
+                  <a:tcPr marL="7620" marR="7620" marT="7620" marB="0" anchor="b">
+                    <a:lnL>
+                      <a:noFill/>
+                    </a:lnL>
+                    <a:lnR>
+                      <a:noFill/>
+                    </a:lnR>
+                    <a:lnT>
+                      <a:noFill/>
+                    </a:lnT>
+                    <a:lnB>
+                      <a:noFill/>
+                    </a:lnB>
+                  </a:tcPr>
+                </a:tc>
+                <a:extLst>
+                  <a:ext uri="{0D108BD9-81ED-4DB2-BD59-A6C34878D82A}">
+                    <a16:rowId xmlns:a16="http://schemas.microsoft.com/office/drawing/2014/main" val="1180594060"/>
+                  </a:ext>
+                </a:extLst>
+              </a:tr>
+            </a:tbl>
+          </a:graphicData>
+        </a:graphic>
+      </p:graphicFrame>
+      <p:graphicFrame>
+        <p:nvGraphicFramePr>
+          <p:cNvPr id="9" name="Content Placeholder 3">
+            <a:extLst>
+              <a:ext uri="{FF2B5EF4-FFF2-40B4-BE49-F238E27FC236}">
+                <a16:creationId xmlns:a16="http://schemas.microsoft.com/office/drawing/2014/main" id="{27F669F9-0F67-CF4C-B4E8-4E2B1EA08B97}"/>
+              </a:ext>
+            </a:extLst>
+          </p:cNvPr>
+          <p:cNvGraphicFramePr/>
+          <p:nvPr>
+            <p:extLst>
+              <p:ext uri="{D42A27DB-BD31-4B8C-83A1-F6EECF244321}">
+                <p14:modId xmlns:p14="http://schemas.microsoft.com/office/powerpoint/2010/main" val="4159503105"/>
+              </p:ext>
+            </p:extLst>
+          </p:nvPr>
+        </p:nvGraphicFramePr>
+        <p:xfrm>
+          <a:off x="1797483" y="1972941"/>
+          <a:ext cx="4702462" cy="3318040"/>
+        </p:xfrm>
+        <a:graphic>
+          <a:graphicData uri="http://schemas.openxmlformats.org/drawingml/2006/table">
+            <a:tbl>
+              <a:tblPr firstRow="1" bandRow="1"/>
+              <a:tblGrid>
+                <a:gridCol w="1682496">
+                  <a:extLst>
+                    <a:ext uri="{9D8B030D-6E8A-4147-A177-3AD203B41FA5}">
+                      <a16:colId xmlns:a16="http://schemas.microsoft.com/office/drawing/2014/main" val="20000"/>
+                    </a:ext>
+                  </a:extLst>
+                </a:gridCol>
+                <a:gridCol w="1509983">
+                  <a:extLst>
+                    <a:ext uri="{9D8B030D-6E8A-4147-A177-3AD203B41FA5}">
+                      <a16:colId xmlns:a16="http://schemas.microsoft.com/office/drawing/2014/main" val="20004"/>
+                    </a:ext>
+                  </a:extLst>
+                </a:gridCol>
+                <a:gridCol w="1509983">
+                  <a:extLst>
+                    <a:ext uri="{9D8B030D-6E8A-4147-A177-3AD203B41FA5}">
+                      <a16:colId xmlns:a16="http://schemas.microsoft.com/office/drawing/2014/main" val="20005"/>
+                    </a:ext>
+                  </a:extLst>
+                </a:gridCol>
+              </a:tblGrid>
+              <a:tr h="600910">
+                <a:tc>
+                  <a:txBody>
+                    <a:bodyPr/>
+                    <a:lstStyle/>
+                    <a:p>
+                      <a:pPr algn="l">
+                        <a:defRPr sz="1800" b="0">
+                          <a:solidFill>
+                            <a:srgbClr val="000000"/>
+                          </a:solidFill>
+                        </a:defRPr>
+                      </a:pPr>
+                      <a:r>
+                        <a:rPr b="1" dirty="0">
+                          <a:solidFill>
+                            <a:schemeClr val="tx1">
+                              <a:lumMod val="85000"/>
+                              <a:lumOff val="15000"/>
+                            </a:schemeClr>
+                          </a:solidFill>
+                        </a:rPr>
+                        <a:t>Project</a:t>
+                      </a:r>
+                    </a:p>
+                  </a:txBody>
+                  <a:tcPr marL="45720" marR="45720" horzOverflow="overflow">
+                    <a:solidFill>
+                      <a:schemeClr val="bg1">
+                        <a:lumMod val="65000"/>
+                      </a:schemeClr>
+                    </a:solidFill>
+                  </a:tcPr>
+                </a:tc>
+                <a:tc>
+                  <a:txBody>
+                    <a:bodyPr/>
+                    <a:lstStyle/>
+                    <a:p>
+                      <a:pPr algn="l">
+                        <a:defRPr sz="1800" b="0">
+                          <a:solidFill>
+                            <a:srgbClr val="000000"/>
+                          </a:solidFill>
+                        </a:defRPr>
+                      </a:pPr>
+                      <a:r>
+                        <a:rPr b="1" dirty="0">
+                          <a:solidFill>
+                            <a:schemeClr val="tx1">
+                              <a:lumMod val="85000"/>
+                              <a:lumOff val="15000"/>
+                            </a:schemeClr>
+                          </a:solidFill>
+                        </a:rPr>
+                        <a:t>Spearman Correlation (1&amp;</a:t>
+                      </a:r>
+                      <a:r>
+                        <a:rPr lang="en-US" b="1" dirty="0">
+                          <a:solidFill>
+                            <a:schemeClr val="tx1">
+                              <a:lumMod val="85000"/>
+                              <a:lumOff val="15000"/>
+                            </a:schemeClr>
+                          </a:solidFill>
+                        </a:rPr>
+                        <a:t>6</a:t>
+                      </a:r>
+                      <a:r>
+                        <a:rPr b="1" dirty="0">
+                          <a:solidFill>
+                            <a:schemeClr val="tx1">
+                              <a:lumMod val="85000"/>
+                              <a:lumOff val="15000"/>
+                            </a:schemeClr>
+                          </a:solidFill>
+                        </a:rPr>
+                        <a:t>)</a:t>
+                      </a:r>
+                    </a:p>
+                  </a:txBody>
+                  <a:tcPr marL="45720" marR="45720" horzOverflow="overflow">
+                    <a:solidFill>
+                      <a:schemeClr val="bg1">
+                        <a:lumMod val="65000"/>
+                      </a:schemeClr>
+                    </a:solidFill>
+                  </a:tcPr>
+                </a:tc>
+                <a:tc>
+                  <a:txBody>
+                    <a:bodyPr/>
+                    <a:lstStyle/>
+                    <a:p>
+                      <a:pPr algn="l">
+                        <a:defRPr sz="1800" b="0">
+                          <a:solidFill>
+                            <a:srgbClr val="000000"/>
+                          </a:solidFill>
+                        </a:defRPr>
+                      </a:pPr>
+                      <a:r>
+                        <a:rPr b="1" dirty="0">
+                          <a:solidFill>
+                            <a:schemeClr val="tx1">
+                              <a:lumMod val="85000"/>
+                              <a:lumOff val="15000"/>
+                            </a:schemeClr>
+                          </a:solidFill>
+                        </a:rPr>
+                        <a:t>Spearman Correlation</a:t>
+                      </a:r>
+                      <a:r>
+                        <a:rPr lang="en-CA" b="1" dirty="0">
+                          <a:solidFill>
+                            <a:schemeClr val="tx1">
+                              <a:lumMod val="85000"/>
+                              <a:lumOff val="15000"/>
+                            </a:schemeClr>
+                          </a:solidFill>
+                        </a:rPr>
+                        <a:t> </a:t>
+                      </a:r>
+                      <a:r>
+                        <a:rPr b="1" dirty="0">
+                          <a:solidFill>
+                            <a:schemeClr val="tx1">
+                              <a:lumMod val="85000"/>
+                              <a:lumOff val="15000"/>
+                            </a:schemeClr>
+                          </a:solidFill>
+                        </a:rPr>
+                        <a:t>(2&amp;</a:t>
+                      </a:r>
+                      <a:r>
+                        <a:rPr lang="en-US" b="1" dirty="0">
+                          <a:solidFill>
+                            <a:schemeClr val="tx1">
+                              <a:lumMod val="85000"/>
+                              <a:lumOff val="15000"/>
+                            </a:schemeClr>
+                          </a:solidFill>
+                        </a:rPr>
+                        <a:t>6</a:t>
+                      </a:r>
+                      <a:r>
+                        <a:rPr b="1" dirty="0">
+                          <a:solidFill>
+                            <a:schemeClr val="tx1">
+                              <a:lumMod val="85000"/>
+                              <a:lumOff val="15000"/>
+                            </a:schemeClr>
+                          </a:solidFill>
+                        </a:rPr>
+                        <a:t>)</a:t>
+                      </a:r>
+                    </a:p>
+                  </a:txBody>
+                  <a:tcPr marL="45720" marR="45720" horzOverflow="overflow">
+                    <a:solidFill>
+                      <a:schemeClr val="bg1">
+                        <a:lumMod val="65000"/>
+                      </a:schemeClr>
+                    </a:solidFill>
+                  </a:tcPr>
+                </a:tc>
+                <a:extLst>
+                  <a:ext uri="{0D108BD9-81ED-4DB2-BD59-A6C34878D82A}">
+                    <a16:rowId xmlns:a16="http://schemas.microsoft.com/office/drawing/2014/main" val="10000"/>
+                  </a:ext>
+                </a:extLst>
+              </a:tr>
+              <a:tr h="600910">
+                <a:tc>
+                  <a:txBody>
+                    <a:bodyPr/>
+                    <a:lstStyle/>
+                    <a:p>
+                      <a:pPr algn="l">
+                        <a:defRPr sz="1800"/>
+                      </a:pPr>
+                      <a:r>
+                        <a:rPr lang="en-CA" sz="1200" dirty="0" err="1">
+                          <a:solidFill>
+                            <a:schemeClr val="tx1"/>
+                          </a:solidFill>
+                        </a:rPr>
+                        <a:t>JFreeChart</a:t>
+                      </a:r>
+                      <a:endParaRPr sz="1200" dirty="0">
+                        <a:solidFill>
+                          <a:schemeClr val="tx1"/>
+                        </a:solidFill>
+                      </a:endParaRPr>
+                    </a:p>
+                  </a:txBody>
+                  <a:tcPr marL="45720" marR="45720" horzOverflow="overflow">
+                    <a:solidFill>
+                      <a:schemeClr val="bg1">
+                        <a:lumMod val="65000"/>
+                      </a:schemeClr>
+                    </a:solidFill>
+                  </a:tcPr>
+                </a:tc>
+                <a:tc>
+                  <a:txBody>
+                    <a:bodyPr/>
+                    <a:lstStyle/>
+                    <a:p>
+                      <a:pPr algn="l">
+                        <a:defRPr sz="1800"/>
+                      </a:pPr>
+                      <a:r>
+                        <a:rPr lang="en-CA" dirty="0">
+                          <a:solidFill>
+                            <a:schemeClr val="tx1">
+                              <a:lumMod val="85000"/>
+                              <a:lumOff val="15000"/>
+                            </a:schemeClr>
+                          </a:solidFill>
+                        </a:rPr>
+                        <a:t>-0.99</a:t>
+                      </a:r>
+                      <a:endParaRPr dirty="0">
+                        <a:solidFill>
+                          <a:schemeClr val="tx1">
+                            <a:lumMod val="85000"/>
+                            <a:lumOff val="15000"/>
+                          </a:schemeClr>
+                        </a:solidFill>
+                      </a:endParaRPr>
+                    </a:p>
+                  </a:txBody>
+                  <a:tcPr marL="45720" marR="45720" horzOverflow="overflow">
+                    <a:solidFill>
+                      <a:schemeClr val="bg1">
+                        <a:lumMod val="65000"/>
+                      </a:schemeClr>
+                    </a:solidFill>
+                  </a:tcPr>
+                </a:tc>
+                <a:tc>
+                  <a:txBody>
+                    <a:bodyPr/>
+                    <a:lstStyle/>
+                    <a:p>
+                      <a:pPr algn="l">
+                        <a:defRPr sz="1800"/>
+                      </a:pPr>
+                      <a:r>
+                        <a:rPr lang="en-CA" dirty="0">
+                          <a:solidFill>
+                            <a:schemeClr val="tx1">
+                              <a:lumMod val="85000"/>
+                              <a:lumOff val="15000"/>
+                            </a:schemeClr>
+                          </a:solidFill>
+                        </a:rPr>
+                        <a:t>-0.782</a:t>
+                      </a:r>
+                      <a:endParaRPr dirty="0">
+                        <a:solidFill>
+                          <a:schemeClr val="tx1">
+                            <a:lumMod val="85000"/>
+                            <a:lumOff val="15000"/>
+                          </a:schemeClr>
+                        </a:solidFill>
+                      </a:endParaRPr>
+                    </a:p>
+                  </a:txBody>
+                  <a:tcPr marL="45720" marR="45720" horzOverflow="overflow">
+                    <a:solidFill>
+                      <a:schemeClr val="bg1">
+                        <a:lumMod val="65000"/>
+                      </a:schemeClr>
+                    </a:solidFill>
+                  </a:tcPr>
+                </a:tc>
+                <a:extLst>
+                  <a:ext uri="{0D108BD9-81ED-4DB2-BD59-A6C34878D82A}">
+                    <a16:rowId xmlns:a16="http://schemas.microsoft.com/office/drawing/2014/main" val="10001"/>
+                  </a:ext>
+                </a:extLst>
+              </a:tr>
+              <a:tr h="600910">
+                <a:tc>
+                  <a:txBody>
+                    <a:bodyPr/>
+                    <a:lstStyle/>
+                    <a:p>
+                      <a:pPr algn="l">
+                        <a:defRPr sz="1800"/>
+                      </a:pPr>
+                      <a:endParaRPr sz="1200" dirty="0">
+                        <a:solidFill>
+                          <a:schemeClr val="tx1"/>
+                        </a:solidFill>
+                      </a:endParaRPr>
+                    </a:p>
+                  </a:txBody>
+                  <a:tcPr marL="45720" marR="45720" horzOverflow="overflow">
+                    <a:solidFill>
+                      <a:schemeClr val="bg1">
+                        <a:lumMod val="65000"/>
+                      </a:schemeClr>
+                    </a:solidFill>
+                  </a:tcPr>
+                </a:tc>
+                <a:tc>
+                  <a:txBody>
+                    <a:bodyPr/>
+                    <a:lstStyle/>
+                    <a:p>
+                      <a:pPr algn="l">
+                        <a:defRPr sz="1800"/>
+                      </a:pPr>
+                      <a:endParaRPr dirty="0">
+                        <a:solidFill>
+                          <a:schemeClr val="tx1">
+                            <a:lumMod val="85000"/>
+                            <a:lumOff val="15000"/>
+                          </a:schemeClr>
+                        </a:solidFill>
+                      </a:endParaRPr>
+                    </a:p>
+                  </a:txBody>
+                  <a:tcPr marL="45720" marR="45720" horzOverflow="overflow">
+                    <a:solidFill>
+                      <a:schemeClr val="bg1">
+                        <a:lumMod val="65000"/>
+                      </a:schemeClr>
+                    </a:solidFill>
+                  </a:tcPr>
+                </a:tc>
+                <a:tc>
+                  <a:txBody>
+                    <a:bodyPr/>
+                    <a:lstStyle/>
+                    <a:p>
+                      <a:pPr algn="l">
+                        <a:defRPr sz="1800"/>
+                      </a:pPr>
+                      <a:endParaRPr dirty="0">
+                        <a:solidFill>
+                          <a:schemeClr val="tx1">
+                            <a:lumMod val="85000"/>
+                            <a:lumOff val="15000"/>
+                          </a:schemeClr>
+                        </a:solidFill>
+                      </a:endParaRPr>
+                    </a:p>
+                  </a:txBody>
+                  <a:tcPr marL="45720" marR="45720" horzOverflow="overflow">
+                    <a:solidFill>
+                      <a:schemeClr val="bg1">
+                        <a:lumMod val="65000"/>
+                      </a:schemeClr>
+                    </a:solidFill>
+                  </a:tcPr>
+                </a:tc>
+                <a:extLst>
+                  <a:ext uri="{0D108BD9-81ED-4DB2-BD59-A6C34878D82A}">
+                    <a16:rowId xmlns:a16="http://schemas.microsoft.com/office/drawing/2014/main" val="10002"/>
+                  </a:ext>
+                </a:extLst>
+              </a:tr>
+              <a:tr h="600910">
+                <a:tc>
+                  <a:txBody>
+                    <a:bodyPr/>
+                    <a:lstStyle/>
+                    <a:p>
+                      <a:pPr algn="l">
+                        <a:defRPr sz="1800"/>
+                      </a:pPr>
+                      <a:endParaRPr sz="1200" dirty="0">
+                        <a:solidFill>
+                          <a:schemeClr val="tx1"/>
                         </a:solidFill>
                       </a:endParaRPr>
                     </a:p>
@@ -9261,84 +10508,6 @@
                     </a:solidFill>
                   </a:tcPr>
                 </a:tc>
-                <a:tc>
-                  <a:txBody>
-                    <a:bodyPr/>
-                    <a:lstStyle/>
-                    <a:p>
-                      <a:pPr algn="l">
-                        <a:defRPr sz="1800"/>
-                      </a:pPr>
-                      <a:endParaRPr dirty="0">
-                        <a:solidFill>
-                          <a:schemeClr val="tx1">
-                            <a:lumMod val="85000"/>
-                            <a:lumOff val="15000"/>
-                          </a:schemeClr>
-                        </a:solidFill>
-                      </a:endParaRPr>
-                    </a:p>
-                  </a:txBody>
-                  <a:tcPr marL="45720" marR="45720" horzOverflow="overflow">
-                    <a:solidFill>
-                      <a:schemeClr val="bg1">
-                        <a:lumMod val="65000"/>
-                      </a:schemeClr>
-                    </a:solidFill>
-                  </a:tcPr>
-                </a:tc>
-                <a:tc>
-                  <a:txBody>
-                    <a:bodyPr/>
-                    <a:lstStyle/>
-                    <a:p>
-                      <a:pPr algn="l">
-                        <a:defRPr sz="1800"/>
-                      </a:pPr>
-                      <a:endParaRPr dirty="0">
-                        <a:solidFill>
-                          <a:schemeClr val="tx1">
-                            <a:lumMod val="85000"/>
-                            <a:lumOff val="15000"/>
-                          </a:schemeClr>
-                        </a:solidFill>
-                      </a:endParaRPr>
-                    </a:p>
-                  </a:txBody>
-                  <a:tcPr marL="45720" marR="45720" horzOverflow="overflow">
-                    <a:solidFill>
-                      <a:schemeClr val="bg1">
-                        <a:lumMod val="65000"/>
-                      </a:schemeClr>
-                    </a:solidFill>
-                  </a:tcPr>
-                </a:tc>
-                <a:tc>
-                  <a:txBody>
-                    <a:bodyPr/>
-                    <a:lstStyle/>
-                    <a:p>
-                      <a:pPr algn="l">
-                        <a:defRPr sz="1800"/>
-                      </a:pPr>
-                      <a:endParaRPr dirty="0">
-                        <a:solidFill>
-                          <a:schemeClr val="tx1">
-                            <a:lumMod val="85000"/>
-                            <a:lumOff val="15000"/>
-                          </a:schemeClr>
-                        </a:solidFill>
-                      </a:endParaRPr>
-                    </a:p>
-                  </a:txBody>
-                  <a:tcPr marL="45720" marR="45720" horzOverflow="overflow">
-                    <a:solidFill>
-                      <a:schemeClr val="bg1">
-                        <a:lumMod val="65000"/>
-                      </a:schemeClr>
-                    </a:solidFill>
-                  </a:tcPr>
-                </a:tc>
                 <a:extLst>
                   <a:ext uri="{0D108BD9-81ED-4DB2-BD59-A6C34878D82A}">
                     <a16:rowId xmlns:a16="http://schemas.microsoft.com/office/drawing/2014/main" val="10005"/>
@@ -9351,10 +10520,10 @@
       </p:graphicFrame>
       <p:sp>
         <p:nvSpPr>
-          <p:cNvPr id="3" name="Title 1">
+          <p:cNvPr id="10" name="Title 1">
             <a:extLst>
               <a:ext uri="{FF2B5EF4-FFF2-40B4-BE49-F238E27FC236}">
-                <a16:creationId xmlns:a16="http://schemas.microsoft.com/office/drawing/2014/main" id="{47B684D4-10F8-4577-9068-714125514D08}"/>
+                <a16:creationId xmlns:a16="http://schemas.microsoft.com/office/drawing/2014/main" id="{7509AA4F-A722-604E-862D-6CF781655DCA}"/>
               </a:ext>
             </a:extLst>
           </p:cNvPr>
@@ -9452,15 +10621,47 @@
           <a:p>
             <a:r>
               <a:rPr lang="en-CA" dirty="0"/>
-              <a:t>Correlation between 1-2 &amp; 4</a:t>
-            </a:r>
+              <a:t>Correlation between 1-2 &amp; 6</a:t>
+            </a:r>
+          </a:p>
+        </p:txBody>
+      </p:sp>
+      <p:sp>
+        <p:nvSpPr>
+          <p:cNvPr id="11" name="TextBox 10">
+            <a:extLst>
+              <a:ext uri="{FF2B5EF4-FFF2-40B4-BE49-F238E27FC236}">
+                <a16:creationId xmlns:a16="http://schemas.microsoft.com/office/drawing/2014/main" id="{12126815-BC79-0147-9A09-72539210E31A}"/>
+              </a:ext>
+            </a:extLst>
+          </p:cNvPr>
+          <p:cNvSpPr txBox="1"/>
+          <p:nvPr/>
+        </p:nvSpPr>
+        <p:spPr>
+          <a:xfrm>
+            <a:off x="7950631" y="2092271"/>
+            <a:ext cx="184731" cy="369332"/>
+          </a:xfrm>
+          <a:prstGeom prst="rect">
+            <a:avLst/>
+          </a:prstGeom>
+          <a:noFill/>
+        </p:spPr>
+        <p:txBody>
+          <a:bodyPr wrap="none" rtlCol="0">
+            <a:spAutoFit/>
+          </a:bodyPr>
+          <a:lstStyle/>
+          <a:p>
+            <a:endParaRPr lang="en-US" dirty="0"/>
           </a:p>
         </p:txBody>
       </p:sp>
     </p:spTree>
     <p:extLst>
       <p:ext uri="{BB962C8B-B14F-4D97-AF65-F5344CB8AC3E}">
-        <p14:creationId xmlns:p14="http://schemas.microsoft.com/office/powerpoint/2010/main" val="2410403222"/>
+        <p14:creationId xmlns:p14="http://schemas.microsoft.com/office/powerpoint/2010/main" val="2311097466"/>
       </p:ext>
     </p:extLst>
   </p:cSld>
@@ -9470,7 +10671,7 @@
 </p:sld>
 </file>
 
-<file path=ppt/slides/slide12.xml><?xml version="1.0" encoding="utf-8"?>
+<file path=ppt/slides/slide17.xml><?xml version="1.0" encoding="utf-8"?>
 <p:sld xmlns:a="http://schemas.openxmlformats.org/drawingml/2006/main" xmlns:r="http://schemas.openxmlformats.org/officeDocument/2006/relationships" xmlns:p="http://schemas.openxmlformats.org/presentationml/2006/main">
   <p:cSld>
     <p:spTree>
@@ -9487,431 +10688,71 @@
           <a:chExt cx="0" cy="0"/>
         </a:xfrm>
       </p:grpSpPr>
-      <p:sp>
-        <p:nvSpPr>
-          <p:cNvPr id="2" name="Content Placeholder 2">
+      <p:pic>
+        <p:nvPicPr>
+          <p:cNvPr id="2" name="Picture 1">
             <a:extLst>
               <a:ext uri="{FF2B5EF4-FFF2-40B4-BE49-F238E27FC236}">
-                <a16:creationId xmlns:a16="http://schemas.microsoft.com/office/drawing/2014/main" id="{33A3B906-9B2E-4940-AC4E-21E5947DFDC6}"/>
+                <a16:creationId xmlns:a16="http://schemas.microsoft.com/office/drawing/2014/main" id="{03118307-A4E8-8845-AF82-9514246F4C74}"/>
               </a:ext>
             </a:extLst>
           </p:cNvPr>
-          <p:cNvSpPr txBox="1">
-            <a:spLocks/>
-          </p:cNvSpPr>
+          <p:cNvPicPr>
+            <a:picLocks noChangeAspect="1"/>
+          </p:cNvPicPr>
           <p:nvPr/>
-        </p:nvSpPr>
+        </p:nvPicPr>
+        <p:blipFill>
+          <a:blip r:embed="rId2"/>
+          <a:stretch>
+            <a:fillRect/>
+          </a:stretch>
+        </p:blipFill>
         <p:spPr>
           <a:xfrm>
-            <a:off x="1488038" y="1956202"/>
-            <a:ext cx="8596670" cy="4431505"/>
+            <a:off x="2169763" y="1270861"/>
+            <a:ext cx="9103273" cy="5339166"/>
           </a:xfrm>
           <a:prstGeom prst="rect">
             <a:avLst/>
           </a:prstGeom>
         </p:spPr>
-        <p:txBody>
-          <a:bodyPr/>
-          <a:lstStyle>
-            <a:lvl1pPr marL="342900" indent="-342900" algn="l" defTabSz="457200" rtl="0" eaLnBrk="1" latinLnBrk="0" hangingPunct="1">
-              <a:spcBef>
-                <a:spcPts val="1000"/>
-              </a:spcBef>
-              <a:spcAft>
-                <a:spcPts val="0"/>
-              </a:spcAft>
-              <a:buClr>
-                <a:schemeClr val="accent1"/>
-              </a:buClr>
-              <a:buFont typeface="Wingdings 3" charset="2"/>
-              <a:buChar char=""/>
-              <a:defRPr sz="1800" kern="1200">
-                <a:solidFill>
-                  <a:schemeClr val="tx1">
-                    <a:lumMod val="75000"/>
-                    <a:lumOff val="25000"/>
-                  </a:schemeClr>
-                </a:solidFill>
-                <a:latin typeface="+mn-lt"/>
-                <a:ea typeface="+mn-ea"/>
-                <a:cs typeface="+mn-cs"/>
-              </a:defRPr>
-            </a:lvl1pPr>
-            <a:lvl2pPr marL="742950" indent="-285750" algn="l" defTabSz="457200" rtl="0" eaLnBrk="1" latinLnBrk="0" hangingPunct="1">
-              <a:spcBef>
-                <a:spcPts val="1000"/>
-              </a:spcBef>
-              <a:spcAft>
-                <a:spcPts val="0"/>
-              </a:spcAft>
-              <a:buClr>
-                <a:schemeClr val="accent1"/>
-              </a:buClr>
-              <a:buFont typeface="Wingdings 3" charset="2"/>
-              <a:buChar char=""/>
-              <a:defRPr sz="1600" kern="1200">
-                <a:solidFill>
-                  <a:schemeClr val="tx1">
-                    <a:lumMod val="75000"/>
-                    <a:lumOff val="25000"/>
-                  </a:schemeClr>
-                </a:solidFill>
-                <a:latin typeface="+mn-lt"/>
-                <a:ea typeface="+mn-ea"/>
-                <a:cs typeface="+mn-cs"/>
-              </a:defRPr>
-            </a:lvl2pPr>
-            <a:lvl3pPr marL="1143000" indent="-228600" algn="l" defTabSz="457200" rtl="0" eaLnBrk="1" latinLnBrk="0" hangingPunct="1">
-              <a:spcBef>
-                <a:spcPts val="1000"/>
-              </a:spcBef>
-              <a:spcAft>
-                <a:spcPts val="0"/>
-              </a:spcAft>
-              <a:buClr>
-                <a:schemeClr val="accent1"/>
-              </a:buClr>
-              <a:buFont typeface="Wingdings 3" charset="2"/>
-              <a:buChar char=""/>
-              <a:defRPr sz="1400" kern="1200">
-                <a:solidFill>
-                  <a:schemeClr val="tx1">
-                    <a:lumMod val="75000"/>
-                    <a:lumOff val="25000"/>
-                  </a:schemeClr>
-                </a:solidFill>
-                <a:latin typeface="+mn-lt"/>
-                <a:ea typeface="+mn-ea"/>
-                <a:cs typeface="+mn-cs"/>
-              </a:defRPr>
-            </a:lvl3pPr>
-            <a:lvl4pPr marL="1600200" indent="-228600" algn="l" defTabSz="457200" rtl="0" eaLnBrk="1" latinLnBrk="0" hangingPunct="1">
-              <a:spcBef>
-                <a:spcPts val="1000"/>
-              </a:spcBef>
-              <a:spcAft>
-                <a:spcPts val="0"/>
-              </a:spcAft>
-              <a:buClr>
-                <a:schemeClr val="accent1"/>
-              </a:buClr>
-              <a:buFont typeface="Wingdings 3" charset="2"/>
-              <a:buChar char=""/>
-              <a:defRPr sz="1200" kern="1200">
-                <a:solidFill>
-                  <a:schemeClr val="tx1">
-                    <a:lumMod val="75000"/>
-                    <a:lumOff val="25000"/>
-                  </a:schemeClr>
-                </a:solidFill>
-                <a:latin typeface="+mn-lt"/>
-                <a:ea typeface="+mn-ea"/>
-                <a:cs typeface="+mn-cs"/>
-              </a:defRPr>
-            </a:lvl4pPr>
-            <a:lvl5pPr marL="2057400" indent="-228600" algn="l" defTabSz="457200" rtl="0" eaLnBrk="1" latinLnBrk="0" hangingPunct="1">
-              <a:spcBef>
-                <a:spcPts val="1000"/>
-              </a:spcBef>
-              <a:spcAft>
-                <a:spcPts val="0"/>
-              </a:spcAft>
-              <a:buClr>
-                <a:schemeClr val="accent1"/>
-              </a:buClr>
-              <a:buFont typeface="Wingdings 3" charset="2"/>
-              <a:buChar char=""/>
-              <a:defRPr sz="1200" kern="1200">
-                <a:solidFill>
-                  <a:schemeClr val="tx1">
-                    <a:lumMod val="75000"/>
-                    <a:lumOff val="25000"/>
-                  </a:schemeClr>
-                </a:solidFill>
-                <a:latin typeface="+mn-lt"/>
-                <a:ea typeface="+mn-ea"/>
-                <a:cs typeface="+mn-cs"/>
-              </a:defRPr>
-            </a:lvl5pPr>
-            <a:lvl6pPr marL="2514600" indent="-228600" algn="l" defTabSz="457200" rtl="0" eaLnBrk="1" latinLnBrk="0" hangingPunct="1">
-              <a:spcBef>
-                <a:spcPts val="1000"/>
-              </a:spcBef>
-              <a:spcAft>
-                <a:spcPts val="0"/>
-              </a:spcAft>
-              <a:buClr>
-                <a:schemeClr val="accent1"/>
-              </a:buClr>
-              <a:buFont typeface="Wingdings 3" charset="2"/>
-              <a:buChar char=""/>
-              <a:defRPr sz="1200" kern="1200">
-                <a:solidFill>
-                  <a:schemeClr val="tx1">
-                    <a:lumMod val="75000"/>
-                    <a:lumOff val="25000"/>
-                  </a:schemeClr>
-                </a:solidFill>
-                <a:latin typeface="+mn-lt"/>
-                <a:ea typeface="+mn-ea"/>
-                <a:cs typeface="+mn-cs"/>
-              </a:defRPr>
-            </a:lvl6pPr>
-            <a:lvl7pPr marL="2971800" indent="-228600" algn="l" defTabSz="457200" rtl="0" eaLnBrk="1" latinLnBrk="0" hangingPunct="1">
-              <a:spcBef>
-                <a:spcPts val="1000"/>
-              </a:spcBef>
-              <a:spcAft>
-                <a:spcPts val="0"/>
-              </a:spcAft>
-              <a:buClr>
-                <a:schemeClr val="accent1"/>
-              </a:buClr>
-              <a:buFont typeface="Wingdings 3" charset="2"/>
-              <a:buChar char=""/>
-              <a:defRPr sz="1200" kern="1200">
-                <a:solidFill>
-                  <a:schemeClr val="tx1">
-                    <a:lumMod val="75000"/>
-                    <a:lumOff val="25000"/>
-                  </a:schemeClr>
-                </a:solidFill>
-                <a:latin typeface="+mn-lt"/>
-                <a:ea typeface="+mn-ea"/>
-                <a:cs typeface="+mn-cs"/>
-              </a:defRPr>
-            </a:lvl7pPr>
-            <a:lvl8pPr marL="3429000" indent="-228600" algn="l" defTabSz="457200" rtl="0" eaLnBrk="1" latinLnBrk="0" hangingPunct="1">
-              <a:spcBef>
-                <a:spcPts val="1000"/>
-              </a:spcBef>
-              <a:spcAft>
-                <a:spcPts val="0"/>
-              </a:spcAft>
-              <a:buClr>
-                <a:schemeClr val="accent1"/>
-              </a:buClr>
-              <a:buFont typeface="Wingdings 3" charset="2"/>
-              <a:buChar char=""/>
-              <a:defRPr sz="1200" kern="1200">
-                <a:solidFill>
-                  <a:schemeClr val="tx1">
-                    <a:lumMod val="75000"/>
-                    <a:lumOff val="25000"/>
-                  </a:schemeClr>
-                </a:solidFill>
-                <a:latin typeface="+mn-lt"/>
-                <a:ea typeface="+mn-ea"/>
-                <a:cs typeface="+mn-cs"/>
-              </a:defRPr>
-            </a:lvl8pPr>
-            <a:lvl9pPr marL="3886200" indent="-228600" algn="l" defTabSz="457200" rtl="0" eaLnBrk="1" latinLnBrk="0" hangingPunct="1">
-              <a:spcBef>
-                <a:spcPts val="1000"/>
-              </a:spcBef>
-              <a:spcAft>
-                <a:spcPts val="0"/>
-              </a:spcAft>
-              <a:buClr>
-                <a:schemeClr val="accent1"/>
-              </a:buClr>
-              <a:buFont typeface="Wingdings 3" charset="2"/>
-              <a:buChar char=""/>
-              <a:defRPr sz="1200" kern="1200">
-                <a:solidFill>
-                  <a:schemeClr val="tx1">
-                    <a:lumMod val="75000"/>
-                    <a:lumOff val="25000"/>
-                  </a:schemeClr>
-                </a:solidFill>
-                <a:latin typeface="+mn-lt"/>
-                <a:ea typeface="+mn-ea"/>
-                <a:cs typeface="+mn-cs"/>
-              </a:defRPr>
-            </a:lvl9pPr>
-          </a:lstStyle>
-          <a:p>
-            <a:pPr>
-              <a:buFont typeface="Wingdings" panose="05000000000000000000" pitchFamily="2" charset="2"/>
-              <a:buChar char="Ø"/>
-            </a:pPr>
-            <a:r>
-              <a:rPr lang="en-US" i="1" dirty="0"/>
-              <a:t>“Classes with low test coverage contain more bugs”.</a:t>
-            </a:r>
-          </a:p>
-          <a:p>
-            <a:pPr marL="0" indent="0">
-              <a:buFont typeface="Wingdings 3"/>
-              <a:buNone/>
-            </a:pPr>
-            <a:endParaRPr lang="en-US" dirty="0"/>
-          </a:p>
-          <a:p>
-            <a:pPr marL="0" indent="0">
-              <a:buFont typeface="Wingdings 3"/>
-              <a:buNone/>
-            </a:pPr>
-            <a:endParaRPr lang="en-US" dirty="0"/>
-          </a:p>
-          <a:p>
-            <a:pPr marL="0" indent="0">
-              <a:buFont typeface="Wingdings 3"/>
-              <a:buNone/>
-              <a:defRPr sz="2400"/>
-            </a:pPr>
-            <a:r>
-              <a:rPr lang="en-US" sz="2400" dirty="0"/>
-              <a:t>Tools used to calculate:</a:t>
-            </a:r>
-          </a:p>
-          <a:p>
-            <a:r>
-              <a:rPr lang="en-US" dirty="0" err="1"/>
-              <a:t>Jacoco</a:t>
-            </a:r>
-            <a:r>
-              <a:rPr lang="en-US" dirty="0"/>
-              <a:t> plugin in IntelliJ to calculate the statement and branch coverage </a:t>
-            </a:r>
-            <a:br>
-              <a:rPr lang="en-US" dirty="0"/>
-            </a:br>
-            <a:r>
-              <a:rPr lang="en-US" dirty="0"/>
-              <a:t>(Metric 1&amp;2)</a:t>
-            </a:r>
-          </a:p>
-          <a:p>
-            <a:r>
-              <a:rPr lang="en-US" dirty="0" err="1"/>
-              <a:t>Jdeodorant</a:t>
-            </a:r>
-            <a:r>
-              <a:rPr lang="en-US" dirty="0"/>
-              <a:t> (Eclipse plugin ) to calculate different types of code smells in a project.</a:t>
-            </a:r>
-            <a:br>
-              <a:rPr lang="en-US" dirty="0"/>
-            </a:br>
-            <a:endParaRPr lang="en-US" dirty="0"/>
-          </a:p>
-        </p:txBody>
-      </p:sp>
+      </p:pic>
       <p:sp>
         <p:nvSpPr>
-          <p:cNvPr id="3" name="Title 1">
+          <p:cNvPr id="4" name="TextBox 3">
             <a:extLst>
               <a:ext uri="{FF2B5EF4-FFF2-40B4-BE49-F238E27FC236}">
-                <a16:creationId xmlns:a16="http://schemas.microsoft.com/office/drawing/2014/main" id="{629A7128-469B-4CA8-A0DA-F88653EB1247}"/>
+                <a16:creationId xmlns:a16="http://schemas.microsoft.com/office/drawing/2014/main" id="{F8BBBEB2-65BC-3344-ADC8-9300F3C93DB2}"/>
               </a:ext>
             </a:extLst>
           </p:cNvPr>
-          <p:cNvSpPr txBox="1">
-            <a:spLocks/>
-          </p:cNvSpPr>
+          <p:cNvSpPr txBox="1"/>
           <p:nvPr/>
         </p:nvSpPr>
         <p:spPr>
           <a:xfrm>
-            <a:off x="1488038" y="530660"/>
-            <a:ext cx="8891669" cy="1320800"/>
+            <a:off x="2433234" y="774915"/>
+            <a:ext cx="1435008" cy="369332"/>
           </a:xfrm>
           <a:prstGeom prst="rect">
             <a:avLst/>
           </a:prstGeom>
+          <a:noFill/>
         </p:spPr>
         <p:txBody>
-          <a:bodyPr/>
-          <a:lstStyle>
-            <a:lvl1pPr algn="l" defTabSz="457200" rtl="0" eaLnBrk="1" latinLnBrk="0" hangingPunct="1">
-              <a:spcBef>
-                <a:spcPct val="0"/>
-              </a:spcBef>
-              <a:buNone/>
-              <a:defRPr sz="3600" kern="1200">
-                <a:solidFill>
-                  <a:schemeClr val="tx1">
-                    <a:lumMod val="85000"/>
-                    <a:lumOff val="15000"/>
-                  </a:schemeClr>
-                </a:solidFill>
-                <a:latin typeface="+mj-lt"/>
-                <a:ea typeface="+mj-ea"/>
-                <a:cs typeface="+mj-cs"/>
-              </a:defRPr>
-            </a:lvl1pPr>
-            <a:lvl2pPr eaLnBrk="1" hangingPunct="1">
-              <a:defRPr>
-                <a:solidFill>
-                  <a:schemeClr val="tx2"/>
-                </a:solidFill>
-              </a:defRPr>
-            </a:lvl2pPr>
-            <a:lvl3pPr eaLnBrk="1" hangingPunct="1">
-              <a:defRPr>
-                <a:solidFill>
-                  <a:schemeClr val="tx2"/>
-                </a:solidFill>
-              </a:defRPr>
-            </a:lvl3pPr>
-            <a:lvl4pPr eaLnBrk="1" hangingPunct="1">
-              <a:defRPr>
-                <a:solidFill>
-                  <a:schemeClr val="tx2"/>
-                </a:solidFill>
-              </a:defRPr>
-            </a:lvl4pPr>
-            <a:lvl5pPr eaLnBrk="1" hangingPunct="1">
-              <a:defRPr>
-                <a:solidFill>
-                  <a:schemeClr val="tx2"/>
-                </a:solidFill>
-              </a:defRPr>
-            </a:lvl5pPr>
-            <a:lvl6pPr eaLnBrk="1" hangingPunct="1">
-              <a:defRPr>
-                <a:solidFill>
-                  <a:schemeClr val="tx2"/>
-                </a:solidFill>
-              </a:defRPr>
-            </a:lvl6pPr>
-            <a:lvl7pPr eaLnBrk="1" hangingPunct="1">
-              <a:defRPr>
-                <a:solidFill>
-                  <a:schemeClr val="tx2"/>
-                </a:solidFill>
-              </a:defRPr>
-            </a:lvl7pPr>
-            <a:lvl8pPr eaLnBrk="1" hangingPunct="1">
-              <a:defRPr>
-                <a:solidFill>
-                  <a:schemeClr val="tx2"/>
-                </a:solidFill>
-              </a:defRPr>
-            </a:lvl8pPr>
-            <a:lvl9pPr eaLnBrk="1" hangingPunct="1">
-              <a:defRPr>
-                <a:solidFill>
-                  <a:schemeClr val="tx2"/>
-                </a:solidFill>
-              </a:defRPr>
-            </a:lvl9pPr>
-          </a:lstStyle>
-          <a:p>
-            <a:pPr>
-              <a:defRPr sz="3200"/>
-            </a:pPr>
-            <a:r>
-              <a:rPr lang="en-US" sz="3200" dirty="0"/>
-              <a:t>Correlations:</a:t>
-            </a:r>
-            <a:br>
-              <a:rPr lang="en-US" sz="3200" dirty="0"/>
-            </a:br>
-            <a:r>
-              <a:rPr lang="en-US" sz="2400" dirty="0"/>
-              <a:t>Code coverage and Code Smells (Metric 1,2 &amp; 6)</a:t>
+          <a:bodyPr wrap="none" rtlCol="0">
+            <a:spAutoFit/>
+          </a:bodyPr>
+          <a:lstStyle/>
+          <a:p>
+            <a:r>
+              <a:rPr lang="en-US" dirty="0" err="1"/>
+              <a:t>Jfree</a:t>
+            </a:r>
+            <a:r>
+              <a:rPr lang="en-US" dirty="0"/>
+              <a:t> Chart</a:t>
             </a:r>
           </a:p>
         </p:txBody>
@@ -9919,7 +10760,7 @@
     </p:spTree>
     <p:extLst>
       <p:ext uri="{BB962C8B-B14F-4D97-AF65-F5344CB8AC3E}">
-        <p14:creationId xmlns:p14="http://schemas.microsoft.com/office/powerpoint/2010/main" val="2903387107"/>
+        <p14:creationId xmlns:p14="http://schemas.microsoft.com/office/powerpoint/2010/main" val="1272263298"/>
       </p:ext>
     </p:extLst>
   </p:cSld>
@@ -9929,7 +10770,7 @@
 </p:sld>
 </file>
 
-<file path=ppt/slides/slide13.xml><?xml version="1.0" encoding="utf-8"?>
+<file path=ppt/slides/slide18.xml><?xml version="1.0" encoding="utf-8"?>
 <p:sld xmlns:a="http://schemas.openxmlformats.org/drawingml/2006/main" xmlns:r="http://schemas.openxmlformats.org/officeDocument/2006/relationships" xmlns:p="http://schemas.openxmlformats.org/presentationml/2006/main">
   <p:cSld>
     <p:spTree>
@@ -9946,753 +10787,79 @@
           <a:chExt cx="0" cy="0"/>
         </a:xfrm>
       </p:grpSpPr>
-      <p:sp>
-        <p:nvSpPr>
-          <p:cNvPr id="3" name="Rectangle 2">
+      <p:pic>
+        <p:nvPicPr>
+          <p:cNvPr id="3" name="Picture 2">
             <a:extLst>
               <a:ext uri="{FF2B5EF4-FFF2-40B4-BE49-F238E27FC236}">
-                <a16:creationId xmlns:a16="http://schemas.microsoft.com/office/drawing/2014/main" id="{4658129B-1D90-43ED-AF6F-2A79684D6E75}"/>
+                <a16:creationId xmlns:a16="http://schemas.microsoft.com/office/drawing/2014/main" id="{1DADC567-5AD3-364D-946D-7209087A7D24}"/>
               </a:ext>
             </a:extLst>
           </p:cNvPr>
-          <p:cNvSpPr/>
+          <p:cNvPicPr>
+            <a:picLocks noChangeAspect="1"/>
+          </p:cNvPicPr>
           <p:nvPr/>
-        </p:nvSpPr>
+        </p:nvPicPr>
+        <p:blipFill>
+          <a:blip r:embed="rId2"/>
+          <a:stretch>
+            <a:fillRect/>
+          </a:stretch>
+        </p:blipFill>
         <p:spPr>
           <a:xfrm>
-            <a:off x="1956447" y="619983"/>
-            <a:ext cx="8640012" cy="461665"/>
+            <a:off x="2231756" y="1133832"/>
+            <a:ext cx="8632482" cy="5724168"/>
           </a:xfrm>
           <a:prstGeom prst="rect">
             <a:avLst/>
           </a:prstGeom>
         </p:spPr>
+      </p:pic>
+      <p:sp>
+        <p:nvSpPr>
+          <p:cNvPr id="5" name="TextBox 4">
+            <a:extLst>
+              <a:ext uri="{FF2B5EF4-FFF2-40B4-BE49-F238E27FC236}">
+                <a16:creationId xmlns:a16="http://schemas.microsoft.com/office/drawing/2014/main" id="{AF5D2A2E-C90C-D84B-9EB3-7D49C1119039}"/>
+              </a:ext>
+            </a:extLst>
+          </p:cNvPr>
+          <p:cNvSpPr txBox="1"/>
+          <p:nvPr/>
+        </p:nvSpPr>
+        <p:spPr>
+          <a:xfrm>
+            <a:off x="2417736" y="619932"/>
+            <a:ext cx="1435008" cy="369332"/>
+          </a:xfrm>
+          <a:prstGeom prst="rect">
+            <a:avLst/>
+          </a:prstGeom>
+          <a:noFill/>
+        </p:spPr>
         <p:txBody>
-          <a:bodyPr wrap="square">
+          <a:bodyPr wrap="none" rtlCol="0">
             <a:spAutoFit/>
           </a:bodyPr>
           <a:lstStyle/>
           <a:p>
             <a:r>
-              <a:rPr lang="en-US" sz="2400" dirty="0">
-                <a:solidFill>
-                  <a:srgbClr val="A5300F"/>
-                </a:solidFill>
-              </a:rPr>
-              <a:t>Statement coverage with Code Smells</a:t>
-            </a:r>
-            <a:endParaRPr lang="en-CA" dirty="0"/>
+              <a:rPr lang="en-US" dirty="0" err="1"/>
+              <a:t>Jfree</a:t>
+            </a:r>
+            <a:r>
+              <a:rPr lang="en-US" dirty="0"/>
+              <a:t> Chart</a:t>
+            </a:r>
           </a:p>
         </p:txBody>
       </p:sp>
-      <p:graphicFrame>
-        <p:nvGraphicFramePr>
-          <p:cNvPr id="7" name="Table 6">
-            <a:extLst>
-              <a:ext uri="{FF2B5EF4-FFF2-40B4-BE49-F238E27FC236}">
-                <a16:creationId xmlns:a16="http://schemas.microsoft.com/office/drawing/2014/main" id="{E4F24001-E4A5-4DBE-882E-EFD49DF631E6}"/>
-              </a:ext>
-            </a:extLst>
-          </p:cNvPr>
-          <p:cNvGraphicFramePr>
-            <a:graphicFrameLocks noGrp="1"/>
-          </p:cNvGraphicFramePr>
-          <p:nvPr>
-            <p:extLst>
-              <p:ext uri="{D42A27DB-BD31-4B8C-83A1-F6EECF244321}">
-                <p14:modId xmlns:p14="http://schemas.microsoft.com/office/powerpoint/2010/main" val="1493697785"/>
-              </p:ext>
-            </p:extLst>
-          </p:nvPr>
-        </p:nvGraphicFramePr>
-        <p:xfrm>
-          <a:off x="2009866" y="1629266"/>
-          <a:ext cx="4706938" cy="1414165"/>
-        </p:xfrm>
-        <a:graphic>
-          <a:graphicData uri="http://schemas.openxmlformats.org/drawingml/2006/table">
-            <a:tbl>
-              <a:tblPr firstRow="1" firstCol="1" bandRow="1">
-                <a:tableStyleId>{5C22544A-7EE6-4342-B048-85BDC9FD1C3A}</a:tableStyleId>
-              </a:tblPr>
-              <a:tblGrid>
-                <a:gridCol w="2246948">
-                  <a:extLst>
-                    <a:ext uri="{9D8B030D-6E8A-4147-A177-3AD203B41FA5}">
-                      <a16:colId xmlns:a16="http://schemas.microsoft.com/office/drawing/2014/main" val="562301422"/>
-                    </a:ext>
-                  </a:extLst>
-                </a:gridCol>
-                <a:gridCol w="1346200">
-                  <a:extLst>
-                    <a:ext uri="{9D8B030D-6E8A-4147-A177-3AD203B41FA5}">
-                      <a16:colId xmlns:a16="http://schemas.microsoft.com/office/drawing/2014/main" val="2693403803"/>
-                    </a:ext>
-                  </a:extLst>
-                </a:gridCol>
-                <a:gridCol w="1113790">
-                  <a:extLst>
-                    <a:ext uri="{9D8B030D-6E8A-4147-A177-3AD203B41FA5}">
-                      <a16:colId xmlns:a16="http://schemas.microsoft.com/office/drawing/2014/main" val="4038262913"/>
-                    </a:ext>
-                  </a:extLst>
-                </a:gridCol>
-              </a:tblGrid>
-              <a:tr h="190500">
-                <a:tc>
-                  <a:txBody>
-                    <a:bodyPr/>
-                    <a:lstStyle/>
-                    <a:p>
-                      <a:pPr>
-                        <a:lnSpc>
-                          <a:spcPct val="115000"/>
-                        </a:lnSpc>
-                        <a:spcAft>
-                          <a:spcPts val="0"/>
-                        </a:spcAft>
-                      </a:pPr>
-                      <a:r>
-                        <a:rPr lang="en-US" sz="1100">
-                          <a:effectLst/>
-                        </a:rPr>
-                        <a:t> Project</a:t>
-                      </a:r>
-                      <a:endParaRPr lang="en-CA" sz="1100">
-                        <a:effectLst/>
-                        <a:latin typeface="Calibri" panose="020F0502020204030204" pitchFamily="34" charset="0"/>
-                        <a:ea typeface="Calibri" panose="020F0502020204030204" pitchFamily="34" charset="0"/>
-                        <a:cs typeface="Times New Roman" panose="02020603050405020304" pitchFamily="18" charset="0"/>
-                      </a:endParaRPr>
-                    </a:p>
-                  </a:txBody>
-                  <a:tcPr marL="68580" marR="68580" marT="0" marB="0" anchor="b"/>
-                </a:tc>
-                <a:tc>
-                  <a:txBody>
-                    <a:bodyPr/>
-                    <a:lstStyle/>
-                    <a:p>
-                      <a:pPr>
-                        <a:lnSpc>
-                          <a:spcPct val="115000"/>
-                        </a:lnSpc>
-                        <a:spcAft>
-                          <a:spcPts val="0"/>
-                        </a:spcAft>
-                      </a:pPr>
-                      <a:r>
-                        <a:rPr lang="en-US" sz="1100">
-                          <a:effectLst/>
-                        </a:rPr>
-                        <a:t>Statement Coverage</a:t>
-                      </a:r>
-                      <a:endParaRPr lang="en-CA" sz="1100">
-                        <a:effectLst/>
-                        <a:latin typeface="Calibri" panose="020F0502020204030204" pitchFamily="34" charset="0"/>
-                        <a:ea typeface="Calibri" panose="020F0502020204030204" pitchFamily="34" charset="0"/>
-                        <a:cs typeface="Times New Roman" panose="02020603050405020304" pitchFamily="18" charset="0"/>
-                      </a:endParaRPr>
-                    </a:p>
-                  </a:txBody>
-                  <a:tcPr marL="68580" marR="68580" marT="0" marB="0" anchor="b"/>
-                </a:tc>
-                <a:tc>
-                  <a:txBody>
-                    <a:bodyPr/>
-                    <a:lstStyle/>
-                    <a:p>
-                      <a:pPr>
-                        <a:lnSpc>
-                          <a:spcPct val="115000"/>
-                        </a:lnSpc>
-                        <a:spcAft>
-                          <a:spcPts val="0"/>
-                        </a:spcAft>
-                      </a:pPr>
-                      <a:r>
-                        <a:rPr lang="en-CA" sz="1100" dirty="0">
-                          <a:effectLst/>
-                          <a:latin typeface="Calibri" panose="020F0502020204030204" pitchFamily="34" charset="0"/>
-                          <a:ea typeface="Calibri" panose="020F0502020204030204" pitchFamily="34" charset="0"/>
-                          <a:cs typeface="Times New Roman" panose="02020603050405020304" pitchFamily="18" charset="0"/>
-                        </a:rPr>
-                        <a:t>Code Smells</a:t>
-                      </a:r>
-                    </a:p>
-                  </a:txBody>
-                  <a:tcPr marL="68580" marR="68580" marT="0" marB="0" anchor="b"/>
-                </a:tc>
-                <a:extLst>
-                  <a:ext uri="{0D108BD9-81ED-4DB2-BD59-A6C34878D82A}">
-                    <a16:rowId xmlns:a16="http://schemas.microsoft.com/office/drawing/2014/main" val="311662278"/>
-                  </a:ext>
-                </a:extLst>
-              </a:tr>
-              <a:tr h="190500">
-                <a:tc>
-                  <a:txBody>
-                    <a:bodyPr/>
-                    <a:lstStyle/>
-                    <a:p>
-                      <a:pPr>
-                        <a:lnSpc>
-                          <a:spcPct val="115000"/>
-                        </a:lnSpc>
-                        <a:spcAft>
-                          <a:spcPts val="0"/>
-                        </a:spcAft>
-                      </a:pPr>
-                      <a:endParaRPr lang="en-CA" sz="1100" dirty="0">
-                        <a:effectLst/>
-                        <a:latin typeface="Calibri" panose="020F0502020204030204" pitchFamily="34" charset="0"/>
-                        <a:ea typeface="Calibri" panose="020F0502020204030204" pitchFamily="34" charset="0"/>
-                        <a:cs typeface="Times New Roman" panose="02020603050405020304" pitchFamily="18" charset="0"/>
-                      </a:endParaRPr>
-                    </a:p>
-                  </a:txBody>
-                  <a:tcPr marL="68580" marR="68580" marT="0" marB="0" anchor="b"/>
-                </a:tc>
-                <a:tc>
-                  <a:txBody>
-                    <a:bodyPr/>
-                    <a:lstStyle/>
-                    <a:p>
-                      <a:pPr algn="r">
-                        <a:lnSpc>
-                          <a:spcPct val="115000"/>
-                        </a:lnSpc>
-                        <a:spcAft>
-                          <a:spcPts val="0"/>
-                        </a:spcAft>
-                      </a:pPr>
-                      <a:endParaRPr lang="en-CA" sz="1100">
-                        <a:effectLst/>
-                        <a:latin typeface="Calibri" panose="020F0502020204030204" pitchFamily="34" charset="0"/>
-                        <a:ea typeface="Calibri" panose="020F0502020204030204" pitchFamily="34" charset="0"/>
-                        <a:cs typeface="Times New Roman" panose="02020603050405020304" pitchFamily="18" charset="0"/>
-                      </a:endParaRPr>
-                    </a:p>
-                  </a:txBody>
-                  <a:tcPr marL="68580" marR="68580" marT="0" marB="0" anchor="b"/>
-                </a:tc>
-                <a:tc>
-                  <a:txBody>
-                    <a:bodyPr/>
-                    <a:lstStyle/>
-                    <a:p>
-                      <a:pPr algn="r">
-                        <a:lnSpc>
-                          <a:spcPct val="115000"/>
-                        </a:lnSpc>
-                        <a:spcAft>
-                          <a:spcPts val="0"/>
-                        </a:spcAft>
-                      </a:pPr>
-                      <a:endParaRPr lang="en-CA" sz="1100">
-                        <a:effectLst/>
-                        <a:latin typeface="Calibri" panose="020F0502020204030204" pitchFamily="34" charset="0"/>
-                        <a:ea typeface="Calibri" panose="020F0502020204030204" pitchFamily="34" charset="0"/>
-                        <a:cs typeface="Times New Roman" panose="02020603050405020304" pitchFamily="18" charset="0"/>
-                      </a:endParaRPr>
-                    </a:p>
-                  </a:txBody>
-                  <a:tcPr marL="68580" marR="68580" marT="0" marB="0" anchor="b"/>
-                </a:tc>
-                <a:extLst>
-                  <a:ext uri="{0D108BD9-81ED-4DB2-BD59-A6C34878D82A}">
-                    <a16:rowId xmlns:a16="http://schemas.microsoft.com/office/drawing/2014/main" val="2648690218"/>
-                  </a:ext>
-                </a:extLst>
-              </a:tr>
-              <a:tr h="190500">
-                <a:tc>
-                  <a:txBody>
-                    <a:bodyPr/>
-                    <a:lstStyle/>
-                    <a:p>
-                      <a:pPr>
-                        <a:lnSpc>
-                          <a:spcPct val="115000"/>
-                        </a:lnSpc>
-                        <a:spcAft>
-                          <a:spcPts val="0"/>
-                        </a:spcAft>
-                      </a:pPr>
-                      <a:endParaRPr lang="en-CA" sz="1100" dirty="0">
-                        <a:effectLst/>
-                        <a:latin typeface="Calibri" panose="020F0502020204030204" pitchFamily="34" charset="0"/>
-                        <a:ea typeface="Calibri" panose="020F0502020204030204" pitchFamily="34" charset="0"/>
-                        <a:cs typeface="Times New Roman" panose="02020603050405020304" pitchFamily="18" charset="0"/>
-                      </a:endParaRPr>
-                    </a:p>
-                  </a:txBody>
-                  <a:tcPr marL="68580" marR="68580" marT="0" marB="0" anchor="b"/>
-                </a:tc>
-                <a:tc>
-                  <a:txBody>
-                    <a:bodyPr/>
-                    <a:lstStyle/>
-                    <a:p>
-                      <a:pPr algn="r">
-                        <a:lnSpc>
-                          <a:spcPct val="115000"/>
-                        </a:lnSpc>
-                        <a:spcAft>
-                          <a:spcPts val="0"/>
-                        </a:spcAft>
-                      </a:pPr>
-                      <a:endParaRPr lang="en-CA" sz="1100" dirty="0">
-                        <a:effectLst/>
-                        <a:latin typeface="Calibri" panose="020F0502020204030204" pitchFamily="34" charset="0"/>
-                        <a:ea typeface="Calibri" panose="020F0502020204030204" pitchFamily="34" charset="0"/>
-                        <a:cs typeface="Times New Roman" panose="02020603050405020304" pitchFamily="18" charset="0"/>
-                      </a:endParaRPr>
-                    </a:p>
-                  </a:txBody>
-                  <a:tcPr marL="68580" marR="68580" marT="0" marB="0" anchor="b"/>
-                </a:tc>
-                <a:tc>
-                  <a:txBody>
-                    <a:bodyPr/>
-                    <a:lstStyle/>
-                    <a:p>
-                      <a:pPr algn="r">
-                        <a:lnSpc>
-                          <a:spcPct val="115000"/>
-                        </a:lnSpc>
-                        <a:spcAft>
-                          <a:spcPts val="0"/>
-                        </a:spcAft>
-                      </a:pPr>
-                      <a:endParaRPr lang="en-CA" sz="1100" dirty="0">
-                        <a:effectLst/>
-                        <a:latin typeface="Calibri" panose="020F0502020204030204" pitchFamily="34" charset="0"/>
-                        <a:ea typeface="Calibri" panose="020F0502020204030204" pitchFamily="34" charset="0"/>
-                        <a:cs typeface="Times New Roman" panose="02020603050405020304" pitchFamily="18" charset="0"/>
-                      </a:endParaRPr>
-                    </a:p>
-                  </a:txBody>
-                  <a:tcPr marL="68580" marR="68580" marT="0" marB="0" anchor="b"/>
-                </a:tc>
-                <a:extLst>
-                  <a:ext uri="{0D108BD9-81ED-4DB2-BD59-A6C34878D82A}">
-                    <a16:rowId xmlns:a16="http://schemas.microsoft.com/office/drawing/2014/main" val="871046484"/>
-                  </a:ext>
-                </a:extLst>
-              </a:tr>
-              <a:tr h="279039">
-                <a:tc>
-                  <a:txBody>
-                    <a:bodyPr/>
-                    <a:lstStyle/>
-                    <a:p>
-                      <a:pPr>
-                        <a:lnSpc>
-                          <a:spcPct val="115000"/>
-                        </a:lnSpc>
-                        <a:spcAft>
-                          <a:spcPts val="0"/>
-                        </a:spcAft>
-                      </a:pPr>
-                      <a:endParaRPr lang="en-CA" sz="1100" dirty="0">
-                        <a:effectLst/>
-                        <a:latin typeface="Calibri" panose="020F0502020204030204" pitchFamily="34" charset="0"/>
-                        <a:ea typeface="Calibri" panose="020F0502020204030204" pitchFamily="34" charset="0"/>
-                        <a:cs typeface="Times New Roman" panose="02020603050405020304" pitchFamily="18" charset="0"/>
-                      </a:endParaRPr>
-                    </a:p>
-                  </a:txBody>
-                  <a:tcPr marL="68580" marR="68580" marT="0" marB="0" anchor="b"/>
-                </a:tc>
-                <a:tc>
-                  <a:txBody>
-                    <a:bodyPr/>
-                    <a:lstStyle/>
-                    <a:p>
-                      <a:pPr algn="r">
-                        <a:lnSpc>
-                          <a:spcPct val="115000"/>
-                        </a:lnSpc>
-                        <a:spcAft>
-                          <a:spcPts val="0"/>
-                        </a:spcAft>
-                      </a:pPr>
-                      <a:endParaRPr lang="en-CA" sz="1100" dirty="0">
-                        <a:effectLst/>
-                        <a:latin typeface="Calibri" panose="020F0502020204030204" pitchFamily="34" charset="0"/>
-                        <a:ea typeface="Calibri" panose="020F0502020204030204" pitchFamily="34" charset="0"/>
-                        <a:cs typeface="Times New Roman" panose="02020603050405020304" pitchFamily="18" charset="0"/>
-                      </a:endParaRPr>
-                    </a:p>
-                  </a:txBody>
-                  <a:tcPr marL="68580" marR="68580" marT="0" marB="0" anchor="b"/>
-                </a:tc>
-                <a:tc>
-                  <a:txBody>
-                    <a:bodyPr/>
-                    <a:lstStyle/>
-                    <a:p>
-                      <a:pPr algn="r">
-                        <a:lnSpc>
-                          <a:spcPct val="115000"/>
-                        </a:lnSpc>
-                        <a:spcAft>
-                          <a:spcPts val="0"/>
-                        </a:spcAft>
-                      </a:pPr>
-                      <a:endParaRPr lang="en-CA" sz="1100" dirty="0">
-                        <a:effectLst/>
-                        <a:latin typeface="Calibri" panose="020F0502020204030204" pitchFamily="34" charset="0"/>
-                        <a:ea typeface="Calibri" panose="020F0502020204030204" pitchFamily="34" charset="0"/>
-                        <a:cs typeface="Times New Roman" panose="02020603050405020304" pitchFamily="18" charset="0"/>
-                      </a:endParaRPr>
-                    </a:p>
-                  </a:txBody>
-                  <a:tcPr marL="68580" marR="68580" marT="0" marB="0" anchor="b"/>
-                </a:tc>
-                <a:extLst>
-                  <a:ext uri="{0D108BD9-81ED-4DB2-BD59-A6C34878D82A}">
-                    <a16:rowId xmlns:a16="http://schemas.microsoft.com/office/drawing/2014/main" val="3620032850"/>
-                  </a:ext>
-                </a:extLst>
-              </a:tr>
-              <a:tr h="190500">
-                <a:tc>
-                  <a:txBody>
-                    <a:bodyPr/>
-                    <a:lstStyle/>
-                    <a:p>
-                      <a:pPr>
-                        <a:lnSpc>
-                          <a:spcPct val="115000"/>
-                        </a:lnSpc>
-                        <a:spcAft>
-                          <a:spcPts val="0"/>
-                        </a:spcAft>
-                      </a:pPr>
-                      <a:endParaRPr lang="en-CA" sz="1100" dirty="0">
-                        <a:effectLst/>
-                        <a:latin typeface="Calibri" panose="020F0502020204030204" pitchFamily="34" charset="0"/>
-                        <a:ea typeface="Calibri" panose="020F0502020204030204" pitchFamily="34" charset="0"/>
-                        <a:cs typeface="Times New Roman" panose="02020603050405020304" pitchFamily="18" charset="0"/>
-                      </a:endParaRPr>
-                    </a:p>
-                  </a:txBody>
-                  <a:tcPr marL="68580" marR="68580" marT="0" marB="0" anchor="b"/>
-                </a:tc>
-                <a:tc>
-                  <a:txBody>
-                    <a:bodyPr/>
-                    <a:lstStyle/>
-                    <a:p>
-                      <a:pPr algn="r">
-                        <a:lnSpc>
-                          <a:spcPct val="115000"/>
-                        </a:lnSpc>
-                        <a:spcAft>
-                          <a:spcPts val="0"/>
-                        </a:spcAft>
-                      </a:pPr>
-                      <a:endParaRPr lang="en-CA" sz="1100" dirty="0">
-                        <a:effectLst/>
-                        <a:latin typeface="Calibri" panose="020F0502020204030204" pitchFamily="34" charset="0"/>
-                        <a:ea typeface="Calibri" panose="020F0502020204030204" pitchFamily="34" charset="0"/>
-                        <a:cs typeface="Times New Roman" panose="02020603050405020304" pitchFamily="18" charset="0"/>
-                      </a:endParaRPr>
-                    </a:p>
-                  </a:txBody>
-                  <a:tcPr marL="68580" marR="68580" marT="0" marB="0" anchor="b"/>
-                </a:tc>
-                <a:tc>
-                  <a:txBody>
-                    <a:bodyPr/>
-                    <a:lstStyle/>
-                    <a:p>
-                      <a:pPr algn="r">
-                        <a:lnSpc>
-                          <a:spcPct val="115000"/>
-                        </a:lnSpc>
-                        <a:spcAft>
-                          <a:spcPts val="0"/>
-                        </a:spcAft>
-                      </a:pPr>
-                      <a:endParaRPr lang="en-CA" sz="1100" dirty="0">
-                        <a:effectLst/>
-                        <a:latin typeface="Calibri" panose="020F0502020204030204" pitchFamily="34" charset="0"/>
-                        <a:ea typeface="Calibri" panose="020F0502020204030204" pitchFamily="34" charset="0"/>
-                        <a:cs typeface="Times New Roman" panose="02020603050405020304" pitchFamily="18" charset="0"/>
-                      </a:endParaRPr>
-                    </a:p>
-                  </a:txBody>
-                  <a:tcPr marL="68580" marR="68580" marT="0" marB="0" anchor="b"/>
-                </a:tc>
-                <a:extLst>
-                  <a:ext uri="{0D108BD9-81ED-4DB2-BD59-A6C34878D82A}">
-                    <a16:rowId xmlns:a16="http://schemas.microsoft.com/office/drawing/2014/main" val="2103053389"/>
-                  </a:ext>
-                </a:extLst>
-              </a:tr>
-              <a:tr h="190500">
-                <a:tc>
-                  <a:txBody>
-                    <a:bodyPr/>
-                    <a:lstStyle/>
-                    <a:p>
-                      <a:pPr>
-                        <a:lnSpc>
-                          <a:spcPct val="115000"/>
-                        </a:lnSpc>
-                        <a:spcAft>
-                          <a:spcPts val="0"/>
-                        </a:spcAft>
-                      </a:pPr>
-                      <a:r>
-                        <a:rPr lang="en-US" sz="1100">
-                          <a:effectLst/>
-                        </a:rPr>
-                        <a:t>JFreeChart</a:t>
-                      </a:r>
-                      <a:endParaRPr lang="en-CA" sz="1100">
-                        <a:effectLst/>
-                        <a:latin typeface="Calibri" panose="020F0502020204030204" pitchFamily="34" charset="0"/>
-                        <a:ea typeface="Calibri" panose="020F0502020204030204" pitchFamily="34" charset="0"/>
-                        <a:cs typeface="Times New Roman" panose="02020603050405020304" pitchFamily="18" charset="0"/>
-                      </a:endParaRPr>
-                    </a:p>
-                  </a:txBody>
-                  <a:tcPr marL="68580" marR="68580" marT="0" marB="0" anchor="b"/>
-                </a:tc>
-                <a:tc>
-                  <a:txBody>
-                    <a:bodyPr/>
-                    <a:lstStyle/>
-                    <a:p>
-                      <a:pPr algn="r">
-                        <a:lnSpc>
-                          <a:spcPct val="115000"/>
-                        </a:lnSpc>
-                        <a:spcAft>
-                          <a:spcPts val="0"/>
-                        </a:spcAft>
-                      </a:pPr>
-                      <a:r>
-                        <a:rPr lang="en-US" sz="1100">
-                          <a:effectLst/>
-                        </a:rPr>
-                        <a:t>54</a:t>
-                      </a:r>
-                      <a:endParaRPr lang="en-CA" sz="1100">
-                        <a:effectLst/>
-                        <a:latin typeface="Calibri" panose="020F0502020204030204" pitchFamily="34" charset="0"/>
-                        <a:ea typeface="Calibri" panose="020F0502020204030204" pitchFamily="34" charset="0"/>
-                        <a:cs typeface="Times New Roman" panose="02020603050405020304" pitchFamily="18" charset="0"/>
-                      </a:endParaRPr>
-                    </a:p>
-                  </a:txBody>
-                  <a:tcPr marL="68580" marR="68580" marT="0" marB="0" anchor="b"/>
-                </a:tc>
-                <a:tc>
-                  <a:txBody>
-                    <a:bodyPr/>
-                    <a:lstStyle/>
-                    <a:p>
-                      <a:pPr algn="r">
-                        <a:lnSpc>
-                          <a:spcPct val="115000"/>
-                        </a:lnSpc>
-                        <a:spcAft>
-                          <a:spcPts val="0"/>
-                        </a:spcAft>
-                      </a:pPr>
-                      <a:r>
-                        <a:rPr lang="en-US" sz="1100" dirty="0">
-                          <a:effectLst/>
-                        </a:rPr>
-                        <a:t>12</a:t>
-                      </a:r>
-                      <a:endParaRPr lang="en-CA" sz="1100" dirty="0">
-                        <a:effectLst/>
-                        <a:latin typeface="Calibri" panose="020F0502020204030204" pitchFamily="34" charset="0"/>
-                        <a:ea typeface="Calibri" panose="020F0502020204030204" pitchFamily="34" charset="0"/>
-                        <a:cs typeface="Times New Roman" panose="02020603050405020304" pitchFamily="18" charset="0"/>
-                      </a:endParaRPr>
-                    </a:p>
-                  </a:txBody>
-                  <a:tcPr marL="68580" marR="68580" marT="0" marB="0" anchor="b"/>
-                </a:tc>
-                <a:extLst>
-                  <a:ext uri="{0D108BD9-81ED-4DB2-BD59-A6C34878D82A}">
-                    <a16:rowId xmlns:a16="http://schemas.microsoft.com/office/drawing/2014/main" val="3023044752"/>
-                  </a:ext>
-                </a:extLst>
-              </a:tr>
-            </a:tbl>
-          </a:graphicData>
-        </a:graphic>
-      </p:graphicFrame>
-      <p:graphicFrame>
-        <p:nvGraphicFramePr>
-          <p:cNvPr id="8" name="Table 7">
-            <a:extLst>
-              <a:ext uri="{FF2B5EF4-FFF2-40B4-BE49-F238E27FC236}">
-                <a16:creationId xmlns:a16="http://schemas.microsoft.com/office/drawing/2014/main" id="{C11DC35A-69A5-4D2D-A80F-DFE24377C346}"/>
-              </a:ext>
-            </a:extLst>
-          </p:cNvPr>
-          <p:cNvGraphicFramePr>
-            <a:graphicFrameLocks noGrp="1"/>
-          </p:cNvGraphicFramePr>
-          <p:nvPr>
-            <p:extLst>
-              <p:ext uri="{D42A27DB-BD31-4B8C-83A1-F6EECF244321}">
-                <p14:modId xmlns:p14="http://schemas.microsoft.com/office/powerpoint/2010/main" val="3234172775"/>
-              </p:ext>
-            </p:extLst>
-          </p:nvPr>
-        </p:nvGraphicFramePr>
-        <p:xfrm>
-          <a:off x="7563754" y="1629266"/>
-          <a:ext cx="1938779" cy="1601017"/>
-        </p:xfrm>
-        <a:graphic>
-          <a:graphicData uri="http://schemas.openxmlformats.org/drawingml/2006/table">
-            <a:tbl>
-              <a:tblPr/>
-              <a:tblGrid>
-                <a:gridCol w="1938779">
-                  <a:extLst>
-                    <a:ext uri="{9D8B030D-6E8A-4147-A177-3AD203B41FA5}">
-                      <a16:colId xmlns:a16="http://schemas.microsoft.com/office/drawing/2014/main" val="465851440"/>
-                    </a:ext>
-                  </a:extLst>
-                </a:gridCol>
-              </a:tblGrid>
-              <a:tr h="952736">
-                <a:tc>
-                  <a:txBody>
-                    <a:bodyPr/>
-                    <a:lstStyle/>
-                    <a:p>
-                      <a:pPr algn="l" fontAlgn="b"/>
-                      <a:r>
-                        <a:rPr lang="en-CA" sz="1230" b="1" i="0" u="none" strike="noStrike" baseline="0" dirty="0">
-                          <a:solidFill>
-                            <a:schemeClr val="tx1"/>
-                          </a:solidFill>
-                          <a:effectLst/>
-                          <a:latin typeface="Arial Black" panose="020B0A04020102020204" pitchFamily="34" charset="0"/>
-                        </a:rPr>
-                        <a:t>Spearman coefficient</a:t>
-                      </a:r>
-                    </a:p>
-                  </a:txBody>
-                  <a:tcPr marL="7620" marR="7620" marT="7620" marB="0" anchor="b">
-                    <a:lnL>
-                      <a:noFill/>
-                    </a:lnL>
-                    <a:lnR>
-                      <a:noFill/>
-                    </a:lnR>
-                    <a:lnT>
-                      <a:noFill/>
-                    </a:lnT>
-                    <a:lnB>
-                      <a:noFill/>
-                    </a:lnB>
-                  </a:tcPr>
-                </a:tc>
-                <a:extLst>
-                  <a:ext uri="{0D108BD9-81ED-4DB2-BD59-A6C34878D82A}">
-                    <a16:rowId xmlns:a16="http://schemas.microsoft.com/office/drawing/2014/main" val="1300571251"/>
-                  </a:ext>
-                </a:extLst>
-              </a:tr>
-              <a:tr h="387515">
-                <a:tc>
-                  <a:txBody>
-                    <a:bodyPr/>
-                    <a:lstStyle/>
-                    <a:p>
-                      <a:pPr algn="ctr" fontAlgn="b"/>
-                      <a:r>
-                        <a:rPr lang="en-CA" sz="1230" b="1" i="0" u="none" strike="noStrike" baseline="0" dirty="0">
-                          <a:solidFill>
-                            <a:schemeClr val="tx1"/>
-                          </a:solidFill>
-                          <a:effectLst/>
-                          <a:latin typeface="Arial Black" panose="020B0A04020102020204" pitchFamily="34" charset="0"/>
-                        </a:rPr>
-                        <a:t>rho= 0.9 (Strong)</a:t>
-                      </a:r>
-                    </a:p>
-                  </a:txBody>
-                  <a:tcPr marL="7620" marR="7620" marT="7620" marB="0" anchor="b">
-                    <a:lnL>
-                      <a:noFill/>
-                    </a:lnL>
-                    <a:lnR>
-                      <a:noFill/>
-                    </a:lnR>
-                    <a:lnT>
-                      <a:noFill/>
-                    </a:lnT>
-                    <a:lnB>
-                      <a:noFill/>
-                    </a:lnB>
-                  </a:tcPr>
-                </a:tc>
-                <a:extLst>
-                  <a:ext uri="{0D108BD9-81ED-4DB2-BD59-A6C34878D82A}">
-                    <a16:rowId xmlns:a16="http://schemas.microsoft.com/office/drawing/2014/main" val="3879632431"/>
-                  </a:ext>
-                </a:extLst>
-              </a:tr>
-              <a:tr h="260766">
-                <a:tc>
-                  <a:txBody>
-                    <a:bodyPr/>
-                    <a:lstStyle/>
-                    <a:p>
-                      <a:pPr algn="l" fontAlgn="b"/>
-                      <a:endParaRPr lang="en-CA" sz="1230" b="0" i="0" u="none" strike="noStrike" baseline="0" dirty="0">
-                        <a:solidFill>
-                          <a:srgbClr val="FF0000"/>
-                        </a:solidFill>
-                        <a:effectLst/>
-                        <a:latin typeface="Times New Roman" panose="02020603050405020304" pitchFamily="18" charset="0"/>
-                      </a:endParaRPr>
-                    </a:p>
-                  </a:txBody>
-                  <a:tcPr marL="7620" marR="7620" marT="7620" marB="0" anchor="b">
-                    <a:lnL>
-                      <a:noFill/>
-                    </a:lnL>
-                    <a:lnR>
-                      <a:noFill/>
-                    </a:lnR>
-                    <a:lnT>
-                      <a:noFill/>
-                    </a:lnT>
-                    <a:lnB>
-                      <a:noFill/>
-                    </a:lnB>
-                  </a:tcPr>
-                </a:tc>
-                <a:extLst>
-                  <a:ext uri="{0D108BD9-81ED-4DB2-BD59-A6C34878D82A}">
-                    <a16:rowId xmlns:a16="http://schemas.microsoft.com/office/drawing/2014/main" val="1180594060"/>
-                  </a:ext>
-                </a:extLst>
-              </a:tr>
-            </a:tbl>
-          </a:graphicData>
-        </a:graphic>
-      </p:graphicFrame>
     </p:spTree>
     <p:extLst>
       <p:ext uri="{BB962C8B-B14F-4D97-AF65-F5344CB8AC3E}">
-        <p14:creationId xmlns:p14="http://schemas.microsoft.com/office/powerpoint/2010/main" val="2311097466"/>
+        <p14:creationId xmlns:p14="http://schemas.microsoft.com/office/powerpoint/2010/main" val="1571131865"/>
       </p:ext>
     </p:extLst>
   </p:cSld>
@@ -10702,37 +10869,7 @@
 </p:sld>
 </file>
 
-<file path=ppt/slides/slide14.xml><?xml version="1.0" encoding="utf-8"?>
-<p:sld xmlns:a="http://schemas.openxmlformats.org/drawingml/2006/main" xmlns:r="http://schemas.openxmlformats.org/officeDocument/2006/relationships" xmlns:p="http://schemas.openxmlformats.org/presentationml/2006/main">
-  <p:cSld>
-    <p:spTree>
-      <p:nvGrpSpPr>
-        <p:cNvPr id="1" name=""/>
-        <p:cNvGrpSpPr/>
-        <p:nvPr/>
-      </p:nvGrpSpPr>
-      <p:grpSpPr>
-        <a:xfrm>
-          <a:off x="0" y="0"/>
-          <a:ext cx="0" cy="0"/>
-          <a:chOff x="0" y="0"/>
-          <a:chExt cx="0" cy="0"/>
-        </a:xfrm>
-      </p:grpSpPr>
-    </p:spTree>
-    <p:extLst>
-      <p:ext uri="{BB962C8B-B14F-4D97-AF65-F5344CB8AC3E}">
-        <p14:creationId xmlns:p14="http://schemas.microsoft.com/office/powerpoint/2010/main" val="1272263298"/>
-      </p:ext>
-    </p:extLst>
-  </p:cSld>
-  <p:clrMapOvr>
-    <a:masterClrMapping/>
-  </p:clrMapOvr>
-</p:sld>
-</file>
-
-<file path=ppt/slides/slide15.xml><?xml version="1.0" encoding="utf-8"?>
+<file path=ppt/slides/slide19.xml><?xml version="1.0" encoding="utf-8"?>
 <p:sld xmlns:a="http://schemas.openxmlformats.org/drawingml/2006/main" xmlns:r="http://schemas.openxmlformats.org/officeDocument/2006/relationships" xmlns:p="http://schemas.openxmlformats.org/presentationml/2006/main">
   <p:cSld>
     <p:spTree>
@@ -11223,7 +11360,7 @@
 </p:sld>
 </file>
 
-<file path=ppt/slides/slide16.xml><?xml version="1.0" encoding="utf-8"?>
+<file path=ppt/slides/slide2.xml><?xml version="1.0" encoding="utf-8"?>
 <p:sld xmlns:a="http://schemas.openxmlformats.org/drawingml/2006/main" xmlns:r="http://schemas.openxmlformats.org/officeDocument/2006/relationships" xmlns:p="http://schemas.openxmlformats.org/presentationml/2006/main">
   <p:cSld>
     <p:spTree>
@@ -11242,714 +11379,406 @@
       </p:grpSpPr>
       <p:sp>
         <p:nvSpPr>
-          <p:cNvPr id="3" name="TextBox 2">
+          <p:cNvPr id="2" name="Content Placeholder 2">
             <a:extLst>
               <a:ext uri="{FF2B5EF4-FFF2-40B4-BE49-F238E27FC236}">
-                <a16:creationId xmlns:a16="http://schemas.microsoft.com/office/drawing/2014/main" id="{85337F0D-29CE-4B35-88F1-C4BC41E42BE6}"/>
+                <a16:creationId xmlns:a16="http://schemas.microsoft.com/office/drawing/2014/main" id="{9DAB8598-CAB2-45CD-A346-AC13ADF86F64}"/>
               </a:ext>
             </a:extLst>
           </p:cNvPr>
-          <p:cNvSpPr txBox="1"/>
+          <p:cNvSpPr txBox="1">
+            <a:spLocks/>
+          </p:cNvSpPr>
           <p:nvPr/>
         </p:nvSpPr>
         <p:spPr>
           <a:xfrm>
-            <a:off x="1677874" y="777711"/>
-            <a:ext cx="6909846" cy="369330"/>
+            <a:off x="677333" y="2137892"/>
+            <a:ext cx="8596670" cy="3903471"/>
           </a:xfrm>
           <a:prstGeom prst="rect">
             <a:avLst/>
           </a:prstGeom>
-          <a:noFill/>
-          <a:ln w="12700" cap="flat">
-            <a:noFill/>
-            <a:miter lim="400000"/>
-          </a:ln>
-          <a:effectLst/>
-          <a:sp3d/>
         </p:spPr>
-        <p:style>
-          <a:lnRef idx="0">
-            <a:scrgbClr r="0" g="0" b="0"/>
-          </a:lnRef>
-          <a:fillRef idx="0">
-            <a:scrgbClr r="0" g="0" b="0"/>
-          </a:fillRef>
-          <a:effectRef idx="0">
-            <a:scrgbClr r="0" g="0" b="0"/>
-          </a:effectRef>
-          <a:fontRef idx="none"/>
-        </p:style>
         <p:txBody>
-          <a:bodyPr rot="0" spcFirstLastPara="1" vertOverflow="overflow" horzOverflow="overflow" vert="horz" wrap="square" lIns="45719" tIns="45719" rIns="45719" bIns="45719" numCol="1" spcCol="38100" rtlCol="0" anchor="t">
-            <a:spAutoFit/>
-          </a:bodyPr>
-          <a:lstStyle/>
-          <a:p>
-            <a:r>
-              <a:rPr lang="en-US" dirty="0">
-                <a:solidFill>
-                  <a:srgbClr val="FF0000"/>
-                </a:solidFill>
-              </a:rPr>
-              <a:t>Code Churns and Code Smells</a:t>
-            </a:r>
-            <a:endParaRPr kumimoji="0" lang="en-CA" sz="1800" b="0" i="0" u="none" strike="noStrike" cap="none" spc="0" normalizeH="0" baseline="0" dirty="0">
-              <a:ln>
-                <a:noFill/>
-              </a:ln>
-              <a:solidFill>
-                <a:srgbClr val="FF0000"/>
-              </a:solidFill>
-              <a:effectLst/>
-              <a:uFillTx/>
-              <a:sym typeface="Trebuchet MS"/>
-            </a:endParaRPr>
+          <a:bodyPr/>
+          <a:lstStyle>
+            <a:lvl1pPr marL="342900" indent="-342900" algn="l" defTabSz="457200" rtl="0" eaLnBrk="1" latinLnBrk="0" hangingPunct="1">
+              <a:spcBef>
+                <a:spcPts val="1000"/>
+              </a:spcBef>
+              <a:spcAft>
+                <a:spcPts val="0"/>
+              </a:spcAft>
+              <a:buClr>
+                <a:schemeClr val="accent1"/>
+              </a:buClr>
+              <a:buFont typeface="Wingdings 3" charset="2"/>
+              <a:buChar char=""/>
+              <a:defRPr sz="1800" kern="1200">
+                <a:solidFill>
+                  <a:schemeClr val="tx1">
+                    <a:lumMod val="75000"/>
+                    <a:lumOff val="25000"/>
+                  </a:schemeClr>
+                </a:solidFill>
+                <a:latin typeface="+mn-lt"/>
+                <a:ea typeface="+mn-ea"/>
+                <a:cs typeface="+mn-cs"/>
+              </a:defRPr>
+            </a:lvl1pPr>
+            <a:lvl2pPr marL="742950" indent="-285750" algn="l" defTabSz="457200" rtl="0" eaLnBrk="1" latinLnBrk="0" hangingPunct="1">
+              <a:spcBef>
+                <a:spcPts val="1000"/>
+              </a:spcBef>
+              <a:spcAft>
+                <a:spcPts val="0"/>
+              </a:spcAft>
+              <a:buClr>
+                <a:schemeClr val="accent1"/>
+              </a:buClr>
+              <a:buFont typeface="Wingdings 3" charset="2"/>
+              <a:buChar char=""/>
+              <a:defRPr sz="1600" kern="1200">
+                <a:solidFill>
+                  <a:schemeClr val="tx1">
+                    <a:lumMod val="75000"/>
+                    <a:lumOff val="25000"/>
+                  </a:schemeClr>
+                </a:solidFill>
+                <a:latin typeface="+mn-lt"/>
+                <a:ea typeface="+mn-ea"/>
+                <a:cs typeface="+mn-cs"/>
+              </a:defRPr>
+            </a:lvl2pPr>
+            <a:lvl3pPr marL="1143000" indent="-228600" algn="l" defTabSz="457200" rtl="0" eaLnBrk="1" latinLnBrk="0" hangingPunct="1">
+              <a:spcBef>
+                <a:spcPts val="1000"/>
+              </a:spcBef>
+              <a:spcAft>
+                <a:spcPts val="0"/>
+              </a:spcAft>
+              <a:buClr>
+                <a:schemeClr val="accent1"/>
+              </a:buClr>
+              <a:buFont typeface="Wingdings 3" charset="2"/>
+              <a:buChar char=""/>
+              <a:defRPr sz="1400" kern="1200">
+                <a:solidFill>
+                  <a:schemeClr val="tx1">
+                    <a:lumMod val="75000"/>
+                    <a:lumOff val="25000"/>
+                  </a:schemeClr>
+                </a:solidFill>
+                <a:latin typeface="+mn-lt"/>
+                <a:ea typeface="+mn-ea"/>
+                <a:cs typeface="+mn-cs"/>
+              </a:defRPr>
+            </a:lvl3pPr>
+            <a:lvl4pPr marL="1600200" indent="-228600" algn="l" defTabSz="457200" rtl="0" eaLnBrk="1" latinLnBrk="0" hangingPunct="1">
+              <a:spcBef>
+                <a:spcPts val="1000"/>
+              </a:spcBef>
+              <a:spcAft>
+                <a:spcPts val="0"/>
+              </a:spcAft>
+              <a:buClr>
+                <a:schemeClr val="accent1"/>
+              </a:buClr>
+              <a:buFont typeface="Wingdings 3" charset="2"/>
+              <a:buChar char=""/>
+              <a:defRPr sz="1200" kern="1200">
+                <a:solidFill>
+                  <a:schemeClr val="tx1">
+                    <a:lumMod val="75000"/>
+                    <a:lumOff val="25000"/>
+                  </a:schemeClr>
+                </a:solidFill>
+                <a:latin typeface="+mn-lt"/>
+                <a:ea typeface="+mn-ea"/>
+                <a:cs typeface="+mn-cs"/>
+              </a:defRPr>
+            </a:lvl4pPr>
+            <a:lvl5pPr marL="2057400" indent="-228600" algn="l" defTabSz="457200" rtl="0" eaLnBrk="1" latinLnBrk="0" hangingPunct="1">
+              <a:spcBef>
+                <a:spcPts val="1000"/>
+              </a:spcBef>
+              <a:spcAft>
+                <a:spcPts val="0"/>
+              </a:spcAft>
+              <a:buClr>
+                <a:schemeClr val="accent1"/>
+              </a:buClr>
+              <a:buFont typeface="Wingdings 3" charset="2"/>
+              <a:buChar char=""/>
+              <a:defRPr sz="1200" kern="1200">
+                <a:solidFill>
+                  <a:schemeClr val="tx1">
+                    <a:lumMod val="75000"/>
+                    <a:lumOff val="25000"/>
+                  </a:schemeClr>
+                </a:solidFill>
+                <a:latin typeface="+mn-lt"/>
+                <a:ea typeface="+mn-ea"/>
+                <a:cs typeface="+mn-cs"/>
+              </a:defRPr>
+            </a:lvl5pPr>
+            <a:lvl6pPr marL="2514600" indent="-228600" algn="l" defTabSz="457200" rtl="0" eaLnBrk="1" latinLnBrk="0" hangingPunct="1">
+              <a:spcBef>
+                <a:spcPts val="1000"/>
+              </a:spcBef>
+              <a:spcAft>
+                <a:spcPts val="0"/>
+              </a:spcAft>
+              <a:buClr>
+                <a:schemeClr val="accent1"/>
+              </a:buClr>
+              <a:buFont typeface="Wingdings 3" charset="2"/>
+              <a:buChar char=""/>
+              <a:defRPr sz="1200" kern="1200">
+                <a:solidFill>
+                  <a:schemeClr val="tx1">
+                    <a:lumMod val="75000"/>
+                    <a:lumOff val="25000"/>
+                  </a:schemeClr>
+                </a:solidFill>
+                <a:latin typeface="+mn-lt"/>
+                <a:ea typeface="+mn-ea"/>
+                <a:cs typeface="+mn-cs"/>
+              </a:defRPr>
+            </a:lvl6pPr>
+            <a:lvl7pPr marL="2971800" indent="-228600" algn="l" defTabSz="457200" rtl="0" eaLnBrk="1" latinLnBrk="0" hangingPunct="1">
+              <a:spcBef>
+                <a:spcPts val="1000"/>
+              </a:spcBef>
+              <a:spcAft>
+                <a:spcPts val="0"/>
+              </a:spcAft>
+              <a:buClr>
+                <a:schemeClr val="accent1"/>
+              </a:buClr>
+              <a:buFont typeface="Wingdings 3" charset="2"/>
+              <a:buChar char=""/>
+              <a:defRPr sz="1200" kern="1200">
+                <a:solidFill>
+                  <a:schemeClr val="tx1">
+                    <a:lumMod val="75000"/>
+                    <a:lumOff val="25000"/>
+                  </a:schemeClr>
+                </a:solidFill>
+                <a:latin typeface="+mn-lt"/>
+                <a:ea typeface="+mn-ea"/>
+                <a:cs typeface="+mn-cs"/>
+              </a:defRPr>
+            </a:lvl7pPr>
+            <a:lvl8pPr marL="3429000" indent="-228600" algn="l" defTabSz="457200" rtl="0" eaLnBrk="1" latinLnBrk="0" hangingPunct="1">
+              <a:spcBef>
+                <a:spcPts val="1000"/>
+              </a:spcBef>
+              <a:spcAft>
+                <a:spcPts val="0"/>
+              </a:spcAft>
+              <a:buClr>
+                <a:schemeClr val="accent1"/>
+              </a:buClr>
+              <a:buFont typeface="Wingdings 3" charset="2"/>
+              <a:buChar char=""/>
+              <a:defRPr sz="1200" kern="1200">
+                <a:solidFill>
+                  <a:schemeClr val="tx1">
+                    <a:lumMod val="75000"/>
+                    <a:lumOff val="25000"/>
+                  </a:schemeClr>
+                </a:solidFill>
+                <a:latin typeface="+mn-lt"/>
+                <a:ea typeface="+mn-ea"/>
+                <a:cs typeface="+mn-cs"/>
+              </a:defRPr>
+            </a:lvl8pPr>
+            <a:lvl9pPr marL="3886200" indent="-228600" algn="l" defTabSz="457200" rtl="0" eaLnBrk="1" latinLnBrk="0" hangingPunct="1">
+              <a:spcBef>
+                <a:spcPts val="1000"/>
+              </a:spcBef>
+              <a:spcAft>
+                <a:spcPts val="0"/>
+              </a:spcAft>
+              <a:buClr>
+                <a:schemeClr val="accent1"/>
+              </a:buClr>
+              <a:buFont typeface="Wingdings 3" charset="2"/>
+              <a:buChar char=""/>
+              <a:defRPr sz="1200" kern="1200">
+                <a:solidFill>
+                  <a:schemeClr val="tx1">
+                    <a:lumMod val="75000"/>
+                    <a:lumOff val="25000"/>
+                  </a:schemeClr>
+                </a:solidFill>
+                <a:latin typeface="+mn-lt"/>
+                <a:ea typeface="+mn-ea"/>
+                <a:cs typeface="+mn-cs"/>
+              </a:defRPr>
+            </a:lvl9pPr>
+          </a:lstStyle>
+          <a:p>
+            <a:pPr>
+              <a:defRPr sz="2400"/>
+            </a:pPr>
+            <a:r>
+              <a:rPr lang="en-US" sz="2400" dirty="0"/>
+              <a:t>Projects: Overview</a:t>
+            </a:r>
+          </a:p>
+          <a:p>
+            <a:pPr>
+              <a:defRPr sz="2400"/>
+            </a:pPr>
+            <a:r>
+              <a:rPr lang="en-US" sz="2400" dirty="0"/>
+              <a:t>Metrics</a:t>
+            </a:r>
+          </a:p>
+          <a:p>
+            <a:pPr>
+              <a:defRPr sz="2400"/>
+            </a:pPr>
+            <a:r>
+              <a:rPr lang="en-US" sz="2400" dirty="0"/>
+              <a:t>Metric-wise analysis of projects</a:t>
+            </a:r>
+          </a:p>
+          <a:p>
+            <a:pPr>
+              <a:defRPr sz="2400"/>
+            </a:pPr>
+            <a:r>
+              <a:rPr lang="en-US" sz="2400" dirty="0"/>
+              <a:t>Correlation among the metrics</a:t>
+            </a:r>
+          </a:p>
+          <a:p>
+            <a:pPr>
+              <a:defRPr sz="2400"/>
+            </a:pPr>
+            <a:r>
+              <a:rPr lang="en-US" sz="2400" dirty="0"/>
+              <a:t>Conclusion</a:t>
+            </a:r>
           </a:p>
         </p:txBody>
       </p:sp>
       <p:sp>
         <p:nvSpPr>
-          <p:cNvPr id="4" name="TextBox 3">
+          <p:cNvPr id="3" name="Title 1">
             <a:extLst>
               <a:ext uri="{FF2B5EF4-FFF2-40B4-BE49-F238E27FC236}">
-                <a16:creationId xmlns:a16="http://schemas.microsoft.com/office/drawing/2014/main" id="{5F50EC37-317B-4DFC-9D2B-93838A0E66BA}"/>
+                <a16:creationId xmlns:a16="http://schemas.microsoft.com/office/drawing/2014/main" id="{7087B75B-9A60-409B-93BF-93F977E6BA32}"/>
               </a:ext>
             </a:extLst>
           </p:cNvPr>
-          <p:cNvSpPr txBox="1"/>
+          <p:cNvSpPr txBox="1">
+            <a:spLocks/>
+          </p:cNvSpPr>
           <p:nvPr/>
         </p:nvSpPr>
         <p:spPr>
           <a:xfrm>
-            <a:off x="7793512" y="4129720"/>
-            <a:ext cx="2587658" cy="861772"/>
+            <a:off x="1667148" y="628454"/>
+            <a:ext cx="8596670" cy="1320800"/>
           </a:xfrm>
           <a:prstGeom prst="rect">
             <a:avLst/>
           </a:prstGeom>
-          <a:noFill/>
-          <a:ln w="12700" cap="flat">
-            <a:noFill/>
-            <a:miter lim="400000"/>
-          </a:ln>
-          <a:effectLst/>
-          <a:sp3d/>
         </p:spPr>
-        <p:style>
-          <a:lnRef idx="0">
-            <a:scrgbClr r="0" g="0" b="0"/>
-          </a:lnRef>
-          <a:fillRef idx="0">
-            <a:scrgbClr r="0" g="0" b="0"/>
-          </a:fillRef>
-          <a:effectRef idx="0">
-            <a:scrgbClr r="0" g="0" b="0"/>
-          </a:effectRef>
-          <a:fontRef idx="none"/>
-        </p:style>
         <p:txBody>
-          <a:bodyPr rot="0" spcFirstLastPara="1" vertOverflow="overflow" horzOverflow="overflow" vert="horz" wrap="square" lIns="45719" tIns="45719" rIns="45719" bIns="45719" numCol="1" spcCol="38100" rtlCol="0" anchor="t">
-            <a:spAutoFit/>
-          </a:bodyPr>
-          <a:lstStyle/>
-          <a:p>
-            <a:pPr fontAlgn="b"/>
-            <a:r>
-              <a:rPr lang="en-CA" b="1" dirty="0"/>
-              <a:t>Spearman coefficient</a:t>
-            </a:r>
-            <a:endParaRPr lang="en-CA" dirty="0"/>
-          </a:p>
-          <a:p>
-            <a:pPr fontAlgn="b"/>
-            <a:r>
-              <a:rPr lang="en-CA" sz="1400" b="1" dirty="0"/>
-              <a:t>                rho= -0.1</a:t>
-            </a:r>
-            <a:endParaRPr lang="en-CA" sz="1400" dirty="0"/>
-          </a:p>
-          <a:p>
-            <a:pPr marL="0" marR="0" indent="0" algn="l" defTabSz="457200" rtl="0" fontAlgn="auto" latinLnBrk="0" hangingPunct="0">
-              <a:lnSpc>
-                <a:spcPct val="100000"/>
-              </a:lnSpc>
+          <a:bodyPr/>
+          <a:lstStyle>
+            <a:lvl1pPr algn="l" defTabSz="457200" rtl="0" eaLnBrk="1" latinLnBrk="0" hangingPunct="1">
               <a:spcBef>
-                <a:spcPts val="0"/>
+                <a:spcPct val="0"/>
               </a:spcBef>
-              <a:spcAft>
-                <a:spcPts val="0"/>
-              </a:spcAft>
-              <a:buClrTx/>
-              <a:buSzTx/>
-              <a:buFontTx/>
               <a:buNone/>
-              <a:tabLst/>
-            </a:pPr>
-            <a:endParaRPr kumimoji="0" lang="en-CA" sz="1800" b="0" i="0" u="none" strike="noStrike" cap="none" spc="0" normalizeH="0" baseline="0" dirty="0">
-              <a:ln>
-                <a:noFill/>
-              </a:ln>
-              <a:solidFill>
-                <a:srgbClr val="000000"/>
-              </a:solidFill>
-              <a:effectLst/>
-              <a:uFillTx/>
-              <a:latin typeface="+mj-lt"/>
-              <a:ea typeface="+mj-ea"/>
-              <a:cs typeface="+mj-cs"/>
-              <a:sym typeface="Trebuchet MS"/>
-            </a:endParaRPr>
+              <a:defRPr sz="4000" kern="1200">
+                <a:solidFill>
+                  <a:schemeClr val="tx1">
+                    <a:lumMod val="85000"/>
+                    <a:lumOff val="15000"/>
+                  </a:schemeClr>
+                </a:solidFill>
+                <a:latin typeface="+mj-lt"/>
+                <a:ea typeface="+mj-ea"/>
+                <a:cs typeface="+mj-cs"/>
+              </a:defRPr>
+            </a:lvl1pPr>
+            <a:lvl2pPr eaLnBrk="1" hangingPunct="1">
+              <a:defRPr>
+                <a:solidFill>
+                  <a:schemeClr val="tx2"/>
+                </a:solidFill>
+              </a:defRPr>
+            </a:lvl2pPr>
+            <a:lvl3pPr eaLnBrk="1" hangingPunct="1">
+              <a:defRPr>
+                <a:solidFill>
+                  <a:schemeClr val="tx2"/>
+                </a:solidFill>
+              </a:defRPr>
+            </a:lvl3pPr>
+            <a:lvl4pPr eaLnBrk="1" hangingPunct="1">
+              <a:defRPr>
+                <a:solidFill>
+                  <a:schemeClr val="tx2"/>
+                </a:solidFill>
+              </a:defRPr>
+            </a:lvl4pPr>
+            <a:lvl5pPr eaLnBrk="1" hangingPunct="1">
+              <a:defRPr>
+                <a:solidFill>
+                  <a:schemeClr val="tx2"/>
+                </a:solidFill>
+              </a:defRPr>
+            </a:lvl5pPr>
+            <a:lvl6pPr eaLnBrk="1" hangingPunct="1">
+              <a:defRPr>
+                <a:solidFill>
+                  <a:schemeClr val="tx2"/>
+                </a:solidFill>
+              </a:defRPr>
+            </a:lvl6pPr>
+            <a:lvl7pPr eaLnBrk="1" hangingPunct="1">
+              <a:defRPr>
+                <a:solidFill>
+                  <a:schemeClr val="tx2"/>
+                </a:solidFill>
+              </a:defRPr>
+            </a:lvl7pPr>
+            <a:lvl8pPr eaLnBrk="1" hangingPunct="1">
+              <a:defRPr>
+                <a:solidFill>
+                  <a:schemeClr val="tx2"/>
+                </a:solidFill>
+              </a:defRPr>
+            </a:lvl8pPr>
+            <a:lvl9pPr eaLnBrk="1" hangingPunct="1">
+              <a:defRPr>
+                <a:solidFill>
+                  <a:schemeClr val="tx2"/>
+                </a:solidFill>
+              </a:defRPr>
+            </a:lvl9pPr>
+          </a:lstStyle>
+          <a:p>
+            <a:r>
+              <a:rPr lang="en-CA" sz="3600" dirty="0"/>
+              <a:t>Content</a:t>
+            </a:r>
           </a:p>
         </p:txBody>
       </p:sp>
-      <p:graphicFrame>
-        <p:nvGraphicFramePr>
-          <p:cNvPr id="2" name="Table 1">
-            <a:extLst>
-              <a:ext uri="{FF2B5EF4-FFF2-40B4-BE49-F238E27FC236}">
-                <a16:creationId xmlns:a16="http://schemas.microsoft.com/office/drawing/2014/main" id="{D44B62A7-91B6-4682-B5AF-41954940D771}"/>
-              </a:ext>
-            </a:extLst>
-          </p:cNvPr>
-          <p:cNvGraphicFramePr>
-            <a:graphicFrameLocks noGrp="1"/>
-          </p:cNvGraphicFramePr>
-          <p:nvPr>
-            <p:extLst>
-              <p:ext uri="{D42A27DB-BD31-4B8C-83A1-F6EECF244321}">
-                <p14:modId xmlns:p14="http://schemas.microsoft.com/office/powerpoint/2010/main" val="1339906701"/>
-              </p:ext>
-            </p:extLst>
-          </p:nvPr>
-        </p:nvGraphicFramePr>
-        <p:xfrm>
-          <a:off x="1805379" y="1490993"/>
-          <a:ext cx="5811477" cy="1525583"/>
-        </p:xfrm>
-        <a:graphic>
-          <a:graphicData uri="http://schemas.openxmlformats.org/drawingml/2006/table">
-            <a:tbl>
-              <a:tblPr firstRow="1" firstCol="1" bandRow="1">
-                <a:tableStyleId>{5C22544A-7EE6-4342-B048-85BDC9FD1C3A}</a:tableStyleId>
-              </a:tblPr>
-              <a:tblGrid>
-                <a:gridCol w="2295893">
-                  <a:extLst>
-                    <a:ext uri="{9D8B030D-6E8A-4147-A177-3AD203B41FA5}">
-                      <a16:colId xmlns:a16="http://schemas.microsoft.com/office/drawing/2014/main" val="3890908142"/>
-                    </a:ext>
-                  </a:extLst>
-                </a:gridCol>
-                <a:gridCol w="1664814">
-                  <a:extLst>
-                    <a:ext uri="{9D8B030D-6E8A-4147-A177-3AD203B41FA5}">
-                      <a16:colId xmlns:a16="http://schemas.microsoft.com/office/drawing/2014/main" val="291287928"/>
-                    </a:ext>
-                  </a:extLst>
-                </a:gridCol>
-                <a:gridCol w="1850770">
-                  <a:extLst>
-                    <a:ext uri="{9D8B030D-6E8A-4147-A177-3AD203B41FA5}">
-                      <a16:colId xmlns:a16="http://schemas.microsoft.com/office/drawing/2014/main" val="847748592"/>
-                    </a:ext>
-                  </a:extLst>
-                </a:gridCol>
-              </a:tblGrid>
-              <a:tr h="429198">
-                <a:tc>
-                  <a:txBody>
-                    <a:bodyPr/>
-                    <a:lstStyle/>
-                    <a:p>
-                      <a:pPr>
-                        <a:lnSpc>
-                          <a:spcPct val="115000"/>
-                        </a:lnSpc>
-                        <a:spcAft>
-                          <a:spcPts val="0"/>
-                        </a:spcAft>
-                      </a:pPr>
-                      <a:r>
-                        <a:rPr lang="en-US" sz="1100">
-                          <a:effectLst/>
-                        </a:rPr>
-                        <a:t>Project </a:t>
-                      </a:r>
-                      <a:endParaRPr lang="en-CA" sz="1100">
-                        <a:effectLst/>
-                        <a:latin typeface="Calibri" panose="020F0502020204030204" pitchFamily="34" charset="0"/>
-                        <a:ea typeface="Calibri" panose="020F0502020204030204" pitchFamily="34" charset="0"/>
-                        <a:cs typeface="Times New Roman" panose="02020603050405020304" pitchFamily="18" charset="0"/>
-                      </a:endParaRPr>
-                    </a:p>
-                  </a:txBody>
-                  <a:tcPr marL="68580" marR="68580" marT="0" marB="0" anchor="b"/>
-                </a:tc>
-                <a:tc>
-                  <a:txBody>
-                    <a:bodyPr/>
-                    <a:lstStyle/>
-                    <a:p>
-                      <a:pPr>
-                        <a:lnSpc>
-                          <a:spcPct val="115000"/>
-                        </a:lnSpc>
-                        <a:spcAft>
-                          <a:spcPts val="0"/>
-                        </a:spcAft>
-                      </a:pPr>
-                      <a:r>
-                        <a:rPr lang="en-CA" sz="1100" dirty="0">
-                          <a:effectLst/>
-                          <a:latin typeface="Calibri" panose="020F0502020204030204" pitchFamily="34" charset="0"/>
-                          <a:ea typeface="Calibri" panose="020F0502020204030204" pitchFamily="34" charset="0"/>
-                          <a:cs typeface="Times New Roman" panose="02020603050405020304" pitchFamily="18" charset="0"/>
-                        </a:rPr>
-                        <a:t>Code Churns</a:t>
-                      </a:r>
-                    </a:p>
-                  </a:txBody>
-                  <a:tcPr marL="68580" marR="68580" marT="0" marB="0" anchor="b"/>
-                </a:tc>
-                <a:tc>
-                  <a:txBody>
-                    <a:bodyPr/>
-                    <a:lstStyle/>
-                    <a:p>
-                      <a:pPr>
-                        <a:lnSpc>
-                          <a:spcPct val="115000"/>
-                        </a:lnSpc>
-                        <a:spcAft>
-                          <a:spcPts val="0"/>
-                        </a:spcAft>
-                      </a:pPr>
-                      <a:r>
-                        <a:rPr lang="en-CA" sz="1100" dirty="0">
-                          <a:effectLst/>
-                          <a:latin typeface="Calibri" panose="020F0502020204030204" pitchFamily="34" charset="0"/>
-                          <a:ea typeface="Calibri" panose="020F0502020204030204" pitchFamily="34" charset="0"/>
-                          <a:cs typeface="Times New Roman" panose="02020603050405020304" pitchFamily="18" charset="0"/>
-                        </a:rPr>
-                        <a:t>Code Smells</a:t>
-                      </a:r>
-                    </a:p>
-                  </a:txBody>
-                  <a:tcPr marL="68580" marR="68580" marT="0" marB="0" anchor="b"/>
-                </a:tc>
-                <a:extLst>
-                  <a:ext uri="{0D108BD9-81ED-4DB2-BD59-A6C34878D82A}">
-                    <a16:rowId xmlns:a16="http://schemas.microsoft.com/office/drawing/2014/main" val="1469324735"/>
-                  </a:ext>
-                </a:extLst>
-              </a:tr>
-              <a:tr h="219277">
-                <a:tc>
-                  <a:txBody>
-                    <a:bodyPr/>
-                    <a:lstStyle/>
-                    <a:p>
-                      <a:pPr>
-                        <a:lnSpc>
-                          <a:spcPct val="115000"/>
-                        </a:lnSpc>
-                        <a:spcAft>
-                          <a:spcPts val="0"/>
-                        </a:spcAft>
-                      </a:pPr>
-                      <a:endParaRPr lang="en-CA" sz="1100" dirty="0">
-                        <a:effectLst/>
-                        <a:latin typeface="Calibri" panose="020F0502020204030204" pitchFamily="34" charset="0"/>
-                        <a:ea typeface="Calibri" panose="020F0502020204030204" pitchFamily="34" charset="0"/>
-                        <a:cs typeface="Times New Roman" panose="02020603050405020304" pitchFamily="18" charset="0"/>
-                      </a:endParaRPr>
-                    </a:p>
-                  </a:txBody>
-                  <a:tcPr marL="68580" marR="68580" marT="0" marB="0" anchor="b"/>
-                </a:tc>
-                <a:tc>
-                  <a:txBody>
-                    <a:bodyPr/>
-                    <a:lstStyle/>
-                    <a:p>
-                      <a:pPr algn="r">
-                        <a:lnSpc>
-                          <a:spcPct val="115000"/>
-                        </a:lnSpc>
-                        <a:spcAft>
-                          <a:spcPts val="0"/>
-                        </a:spcAft>
-                      </a:pPr>
-                      <a:endParaRPr lang="en-CA" sz="1100" dirty="0">
-                        <a:effectLst/>
-                        <a:latin typeface="Calibri" panose="020F0502020204030204" pitchFamily="34" charset="0"/>
-                        <a:ea typeface="Calibri" panose="020F0502020204030204" pitchFamily="34" charset="0"/>
-                        <a:cs typeface="Times New Roman" panose="02020603050405020304" pitchFamily="18" charset="0"/>
-                      </a:endParaRPr>
-                    </a:p>
-                  </a:txBody>
-                  <a:tcPr marL="68580" marR="68580" marT="0" marB="0" anchor="b"/>
-                </a:tc>
-                <a:tc>
-                  <a:txBody>
-                    <a:bodyPr/>
-                    <a:lstStyle/>
-                    <a:p>
-                      <a:pPr algn="r">
-                        <a:lnSpc>
-                          <a:spcPct val="115000"/>
-                        </a:lnSpc>
-                        <a:spcAft>
-                          <a:spcPts val="0"/>
-                        </a:spcAft>
-                      </a:pPr>
-                      <a:endParaRPr lang="en-CA" sz="1100">
-                        <a:effectLst/>
-                        <a:latin typeface="Calibri" panose="020F0502020204030204" pitchFamily="34" charset="0"/>
-                        <a:ea typeface="Calibri" panose="020F0502020204030204" pitchFamily="34" charset="0"/>
-                        <a:cs typeface="Times New Roman" panose="02020603050405020304" pitchFamily="18" charset="0"/>
-                      </a:endParaRPr>
-                    </a:p>
-                  </a:txBody>
-                  <a:tcPr marL="68580" marR="68580" marT="0" marB="0" anchor="b"/>
-                </a:tc>
-                <a:extLst>
-                  <a:ext uri="{0D108BD9-81ED-4DB2-BD59-A6C34878D82A}">
-                    <a16:rowId xmlns:a16="http://schemas.microsoft.com/office/drawing/2014/main" val="3701806120"/>
-                  </a:ext>
-                </a:extLst>
-              </a:tr>
-              <a:tr h="219277">
-                <a:tc>
-                  <a:txBody>
-                    <a:bodyPr/>
-                    <a:lstStyle/>
-                    <a:p>
-                      <a:pPr>
-                        <a:lnSpc>
-                          <a:spcPct val="115000"/>
-                        </a:lnSpc>
-                        <a:spcAft>
-                          <a:spcPts val="0"/>
-                        </a:spcAft>
-                      </a:pPr>
-                      <a:endParaRPr lang="en-CA" sz="1100" dirty="0">
-                        <a:effectLst/>
-                        <a:latin typeface="Calibri" panose="020F0502020204030204" pitchFamily="34" charset="0"/>
-                        <a:ea typeface="Calibri" panose="020F0502020204030204" pitchFamily="34" charset="0"/>
-                        <a:cs typeface="Times New Roman" panose="02020603050405020304" pitchFamily="18" charset="0"/>
-                      </a:endParaRPr>
-                    </a:p>
-                  </a:txBody>
-                  <a:tcPr marL="68580" marR="68580" marT="0" marB="0" anchor="b"/>
-                </a:tc>
-                <a:tc>
-                  <a:txBody>
-                    <a:bodyPr/>
-                    <a:lstStyle/>
-                    <a:p>
-                      <a:pPr algn="r">
-                        <a:lnSpc>
-                          <a:spcPct val="115000"/>
-                        </a:lnSpc>
-                        <a:spcAft>
-                          <a:spcPts val="0"/>
-                        </a:spcAft>
-                      </a:pPr>
-                      <a:endParaRPr lang="en-CA" sz="1100" dirty="0">
-                        <a:effectLst/>
-                        <a:latin typeface="Calibri" panose="020F0502020204030204" pitchFamily="34" charset="0"/>
-                        <a:ea typeface="Calibri" panose="020F0502020204030204" pitchFamily="34" charset="0"/>
-                        <a:cs typeface="Times New Roman" panose="02020603050405020304" pitchFamily="18" charset="0"/>
-                      </a:endParaRPr>
-                    </a:p>
-                  </a:txBody>
-                  <a:tcPr marL="68580" marR="68580" marT="0" marB="0" anchor="b"/>
-                </a:tc>
-                <a:tc>
-                  <a:txBody>
-                    <a:bodyPr/>
-                    <a:lstStyle/>
-                    <a:p>
-                      <a:pPr algn="r">
-                        <a:lnSpc>
-                          <a:spcPct val="115000"/>
-                        </a:lnSpc>
-                        <a:spcAft>
-                          <a:spcPts val="0"/>
-                        </a:spcAft>
-                      </a:pPr>
-                      <a:endParaRPr lang="en-CA" sz="1100">
-                        <a:effectLst/>
-                        <a:latin typeface="Calibri" panose="020F0502020204030204" pitchFamily="34" charset="0"/>
-                        <a:ea typeface="Calibri" panose="020F0502020204030204" pitchFamily="34" charset="0"/>
-                        <a:cs typeface="Times New Roman" panose="02020603050405020304" pitchFamily="18" charset="0"/>
-                      </a:endParaRPr>
-                    </a:p>
-                  </a:txBody>
-                  <a:tcPr marL="68580" marR="68580" marT="0" marB="0" anchor="b"/>
-                </a:tc>
-                <a:extLst>
-                  <a:ext uri="{0D108BD9-81ED-4DB2-BD59-A6C34878D82A}">
-                    <a16:rowId xmlns:a16="http://schemas.microsoft.com/office/drawing/2014/main" val="2315101855"/>
-                  </a:ext>
-                </a:extLst>
-              </a:tr>
-              <a:tr h="219277">
-                <a:tc>
-                  <a:txBody>
-                    <a:bodyPr/>
-                    <a:lstStyle/>
-                    <a:p>
-                      <a:pPr>
-                        <a:lnSpc>
-                          <a:spcPct val="115000"/>
-                        </a:lnSpc>
-                        <a:spcAft>
-                          <a:spcPts val="0"/>
-                        </a:spcAft>
-                      </a:pPr>
-                      <a:endParaRPr lang="en-CA" sz="1100" dirty="0">
-                        <a:effectLst/>
-                        <a:latin typeface="Calibri" panose="020F0502020204030204" pitchFamily="34" charset="0"/>
-                        <a:ea typeface="Calibri" panose="020F0502020204030204" pitchFamily="34" charset="0"/>
-                        <a:cs typeface="Times New Roman" panose="02020603050405020304" pitchFamily="18" charset="0"/>
-                      </a:endParaRPr>
-                    </a:p>
-                  </a:txBody>
-                  <a:tcPr marL="68580" marR="68580" marT="0" marB="0" anchor="b"/>
-                </a:tc>
-                <a:tc>
-                  <a:txBody>
-                    <a:bodyPr/>
-                    <a:lstStyle/>
-                    <a:p>
-                      <a:pPr algn="r">
-                        <a:lnSpc>
-                          <a:spcPct val="115000"/>
-                        </a:lnSpc>
-                        <a:spcAft>
-                          <a:spcPts val="0"/>
-                        </a:spcAft>
-                      </a:pPr>
-                      <a:endParaRPr lang="en-CA" sz="1100" dirty="0">
-                        <a:effectLst/>
-                        <a:latin typeface="Calibri" panose="020F0502020204030204" pitchFamily="34" charset="0"/>
-                        <a:ea typeface="Calibri" panose="020F0502020204030204" pitchFamily="34" charset="0"/>
-                        <a:cs typeface="Times New Roman" panose="02020603050405020304" pitchFamily="18" charset="0"/>
-                      </a:endParaRPr>
-                    </a:p>
-                  </a:txBody>
-                  <a:tcPr marL="68580" marR="68580" marT="0" marB="0" anchor="b"/>
-                </a:tc>
-                <a:tc>
-                  <a:txBody>
-                    <a:bodyPr/>
-                    <a:lstStyle/>
-                    <a:p>
-                      <a:pPr algn="r">
-                        <a:lnSpc>
-                          <a:spcPct val="115000"/>
-                        </a:lnSpc>
-                        <a:spcAft>
-                          <a:spcPts val="0"/>
-                        </a:spcAft>
-                      </a:pPr>
-                      <a:endParaRPr lang="en-CA" sz="1100" dirty="0">
-                        <a:effectLst/>
-                        <a:latin typeface="Calibri" panose="020F0502020204030204" pitchFamily="34" charset="0"/>
-                        <a:ea typeface="Calibri" panose="020F0502020204030204" pitchFamily="34" charset="0"/>
-                        <a:cs typeface="Times New Roman" panose="02020603050405020304" pitchFamily="18" charset="0"/>
-                      </a:endParaRPr>
-                    </a:p>
-                  </a:txBody>
-                  <a:tcPr marL="68580" marR="68580" marT="0" marB="0" anchor="b"/>
-                </a:tc>
-                <a:extLst>
-                  <a:ext uri="{0D108BD9-81ED-4DB2-BD59-A6C34878D82A}">
-                    <a16:rowId xmlns:a16="http://schemas.microsoft.com/office/drawing/2014/main" val="3727084318"/>
-                  </a:ext>
-                </a:extLst>
-              </a:tr>
-              <a:tr h="219277">
-                <a:tc>
-                  <a:txBody>
-                    <a:bodyPr/>
-                    <a:lstStyle/>
-                    <a:p>
-                      <a:pPr>
-                        <a:lnSpc>
-                          <a:spcPct val="115000"/>
-                        </a:lnSpc>
-                        <a:spcAft>
-                          <a:spcPts val="0"/>
-                        </a:spcAft>
-                      </a:pPr>
-                      <a:endParaRPr lang="en-CA" sz="1100">
-                        <a:effectLst/>
-                        <a:latin typeface="Calibri" panose="020F0502020204030204" pitchFamily="34" charset="0"/>
-                        <a:ea typeface="Calibri" panose="020F0502020204030204" pitchFamily="34" charset="0"/>
-                        <a:cs typeface="Times New Roman" panose="02020603050405020304" pitchFamily="18" charset="0"/>
-                      </a:endParaRPr>
-                    </a:p>
-                  </a:txBody>
-                  <a:tcPr marL="68580" marR="68580" marT="0" marB="0" anchor="b"/>
-                </a:tc>
-                <a:tc>
-                  <a:txBody>
-                    <a:bodyPr/>
-                    <a:lstStyle/>
-                    <a:p>
-                      <a:pPr algn="r">
-                        <a:lnSpc>
-                          <a:spcPct val="115000"/>
-                        </a:lnSpc>
-                        <a:spcAft>
-                          <a:spcPts val="0"/>
-                        </a:spcAft>
-                      </a:pPr>
-                      <a:endParaRPr lang="en-CA" sz="1100" dirty="0">
-                        <a:effectLst/>
-                        <a:latin typeface="Calibri" panose="020F0502020204030204" pitchFamily="34" charset="0"/>
-                        <a:ea typeface="Calibri" panose="020F0502020204030204" pitchFamily="34" charset="0"/>
-                        <a:cs typeface="Times New Roman" panose="02020603050405020304" pitchFamily="18" charset="0"/>
-                      </a:endParaRPr>
-                    </a:p>
-                  </a:txBody>
-                  <a:tcPr marL="68580" marR="68580" marT="0" marB="0" anchor="b"/>
-                </a:tc>
-                <a:tc>
-                  <a:txBody>
-                    <a:bodyPr/>
-                    <a:lstStyle/>
-                    <a:p>
-                      <a:pPr algn="r">
-                        <a:lnSpc>
-                          <a:spcPct val="115000"/>
-                        </a:lnSpc>
-                        <a:spcAft>
-                          <a:spcPts val="0"/>
-                        </a:spcAft>
-                      </a:pPr>
-                      <a:endParaRPr lang="en-CA" sz="1100" dirty="0">
-                        <a:effectLst/>
-                        <a:latin typeface="Calibri" panose="020F0502020204030204" pitchFamily="34" charset="0"/>
-                        <a:ea typeface="Calibri" panose="020F0502020204030204" pitchFamily="34" charset="0"/>
-                        <a:cs typeface="Times New Roman" panose="02020603050405020304" pitchFamily="18" charset="0"/>
-                      </a:endParaRPr>
-                    </a:p>
-                  </a:txBody>
-                  <a:tcPr marL="68580" marR="68580" marT="0" marB="0" anchor="b"/>
-                </a:tc>
-                <a:extLst>
-                  <a:ext uri="{0D108BD9-81ED-4DB2-BD59-A6C34878D82A}">
-                    <a16:rowId xmlns:a16="http://schemas.microsoft.com/office/drawing/2014/main" val="471998393"/>
-                  </a:ext>
-                </a:extLst>
-              </a:tr>
-              <a:tr h="219277">
-                <a:tc>
-                  <a:txBody>
-                    <a:bodyPr/>
-                    <a:lstStyle/>
-                    <a:p>
-                      <a:pPr>
-                        <a:lnSpc>
-                          <a:spcPct val="115000"/>
-                        </a:lnSpc>
-                        <a:spcAft>
-                          <a:spcPts val="0"/>
-                        </a:spcAft>
-                      </a:pPr>
-                      <a:r>
-                        <a:rPr lang="en-US" sz="1100">
-                          <a:effectLst/>
-                        </a:rPr>
-                        <a:t>JFreeChart</a:t>
-                      </a:r>
-                      <a:endParaRPr lang="en-CA" sz="1100">
-                        <a:effectLst/>
-                        <a:latin typeface="Calibri" panose="020F0502020204030204" pitchFamily="34" charset="0"/>
-                        <a:ea typeface="Calibri" panose="020F0502020204030204" pitchFamily="34" charset="0"/>
-                        <a:cs typeface="Times New Roman" panose="02020603050405020304" pitchFamily="18" charset="0"/>
-                      </a:endParaRPr>
-                    </a:p>
-                  </a:txBody>
-                  <a:tcPr marL="68580" marR="68580" marT="0" marB="0" anchor="b"/>
-                </a:tc>
-                <a:tc>
-                  <a:txBody>
-                    <a:bodyPr/>
-                    <a:lstStyle/>
-                    <a:p>
-                      <a:pPr algn="r">
-                        <a:lnSpc>
-                          <a:spcPct val="115000"/>
-                        </a:lnSpc>
-                        <a:spcAft>
-                          <a:spcPts val="0"/>
-                        </a:spcAft>
-                      </a:pPr>
-                      <a:r>
-                        <a:rPr lang="en-US" sz="1100">
-                          <a:effectLst/>
-                        </a:rPr>
-                        <a:t>56.04</a:t>
-                      </a:r>
-                      <a:endParaRPr lang="en-CA" sz="1100">
-                        <a:effectLst/>
-                        <a:latin typeface="Calibri" panose="020F0502020204030204" pitchFamily="34" charset="0"/>
-                        <a:ea typeface="Calibri" panose="020F0502020204030204" pitchFamily="34" charset="0"/>
-                        <a:cs typeface="Times New Roman" panose="02020603050405020304" pitchFamily="18" charset="0"/>
-                      </a:endParaRPr>
-                    </a:p>
-                  </a:txBody>
-                  <a:tcPr marL="68580" marR="68580" marT="0" marB="0" anchor="b"/>
-                </a:tc>
-                <a:tc>
-                  <a:txBody>
-                    <a:bodyPr/>
-                    <a:lstStyle/>
-                    <a:p>
-                      <a:pPr algn="r">
-                        <a:lnSpc>
-                          <a:spcPct val="115000"/>
-                        </a:lnSpc>
-                        <a:spcAft>
-                          <a:spcPts val="0"/>
-                        </a:spcAft>
-                      </a:pPr>
-                      <a:r>
-                        <a:rPr lang="en-US" sz="1100" dirty="0">
-                          <a:effectLst/>
-                        </a:rPr>
-                        <a:t>0.00008947</a:t>
-                      </a:r>
-                      <a:endParaRPr lang="en-CA" sz="1100" dirty="0">
-                        <a:effectLst/>
-                        <a:latin typeface="Calibri" panose="020F0502020204030204" pitchFamily="34" charset="0"/>
-                        <a:ea typeface="Calibri" panose="020F0502020204030204" pitchFamily="34" charset="0"/>
-                        <a:cs typeface="Times New Roman" panose="02020603050405020304" pitchFamily="18" charset="0"/>
-                      </a:endParaRPr>
-                    </a:p>
-                  </a:txBody>
-                  <a:tcPr marL="68580" marR="68580" marT="0" marB="0" anchor="b"/>
-                </a:tc>
-                <a:extLst>
-                  <a:ext uri="{0D108BD9-81ED-4DB2-BD59-A6C34878D82A}">
-                    <a16:rowId xmlns:a16="http://schemas.microsoft.com/office/drawing/2014/main" val="2645335991"/>
-                  </a:ext>
-                </a:extLst>
-              </a:tr>
-            </a:tbl>
-          </a:graphicData>
-        </a:graphic>
-      </p:graphicFrame>
     </p:spTree>
     <p:extLst>
       <p:ext uri="{BB962C8B-B14F-4D97-AF65-F5344CB8AC3E}">
-        <p14:creationId xmlns:p14="http://schemas.microsoft.com/office/powerpoint/2010/main" val="2343618344"/>
+        <p14:creationId xmlns:p14="http://schemas.microsoft.com/office/powerpoint/2010/main" val="3666770962"/>
       </p:ext>
     </p:extLst>
   </p:cSld>
@@ -11959,7 +11788,7 @@
 </p:sld>
 </file>
 
-<file path=ppt/slides/slide17.xml><?xml version="1.0" encoding="utf-8"?>
+<file path=ppt/slides/slide20.xml><?xml version="1.0" encoding="utf-8"?>
 <p:sld xmlns:a="http://schemas.openxmlformats.org/drawingml/2006/main" xmlns:r="http://schemas.openxmlformats.org/officeDocument/2006/relationships" xmlns:p="http://schemas.openxmlformats.org/presentationml/2006/main">
   <p:cSld>
     <p:spTree>
@@ -11976,6 +11805,803 @@
           <a:chExt cx="0" cy="0"/>
         </a:xfrm>
       </p:grpSpPr>
+      <p:graphicFrame>
+        <p:nvGraphicFramePr>
+          <p:cNvPr id="6" name="Table 5">
+            <a:extLst>
+              <a:ext uri="{FF2B5EF4-FFF2-40B4-BE49-F238E27FC236}">
+                <a16:creationId xmlns:a16="http://schemas.microsoft.com/office/drawing/2014/main" id="{E03F4969-B7E1-C147-A353-F4B88FB399E4}"/>
+              </a:ext>
+            </a:extLst>
+          </p:cNvPr>
+          <p:cNvGraphicFramePr>
+            <a:graphicFrameLocks noGrp="1"/>
+          </p:cNvGraphicFramePr>
+          <p:nvPr>
+            <p:extLst>
+              <p:ext uri="{D42A27DB-BD31-4B8C-83A1-F6EECF244321}">
+                <p14:modId xmlns:p14="http://schemas.microsoft.com/office/powerpoint/2010/main" val="40337495"/>
+              </p:ext>
+            </p:extLst>
+          </p:nvPr>
+        </p:nvGraphicFramePr>
+        <p:xfrm>
+          <a:off x="7563754" y="1629266"/>
+          <a:ext cx="1938779" cy="1601017"/>
+        </p:xfrm>
+        <a:graphic>
+          <a:graphicData uri="http://schemas.openxmlformats.org/drawingml/2006/table">
+            <a:tbl>
+              <a:tblPr/>
+              <a:tblGrid>
+                <a:gridCol w="1938779">
+                  <a:extLst>
+                    <a:ext uri="{9D8B030D-6E8A-4147-A177-3AD203B41FA5}">
+                      <a16:colId xmlns:a16="http://schemas.microsoft.com/office/drawing/2014/main" val="465851440"/>
+                    </a:ext>
+                  </a:extLst>
+                </a:gridCol>
+              </a:tblGrid>
+              <a:tr h="952736">
+                <a:tc>
+                  <a:txBody>
+                    <a:bodyPr/>
+                    <a:lstStyle/>
+                    <a:p>
+                      <a:pPr algn="l" fontAlgn="b"/>
+                      <a:endParaRPr lang="en-CA" sz="1230" b="1" i="0" u="none" strike="noStrike" baseline="0" dirty="0">
+                        <a:solidFill>
+                          <a:schemeClr val="tx1"/>
+                        </a:solidFill>
+                        <a:effectLst/>
+                        <a:latin typeface="Arial Black" panose="020B0A04020102020204" pitchFamily="34" charset="0"/>
+                      </a:endParaRPr>
+                    </a:p>
+                  </a:txBody>
+                  <a:tcPr marL="7620" marR="7620" marT="7620" marB="0" anchor="b">
+                    <a:lnL>
+                      <a:noFill/>
+                    </a:lnL>
+                    <a:lnR>
+                      <a:noFill/>
+                    </a:lnR>
+                    <a:lnT>
+                      <a:noFill/>
+                    </a:lnT>
+                    <a:lnB>
+                      <a:noFill/>
+                    </a:lnB>
+                  </a:tcPr>
+                </a:tc>
+                <a:extLst>
+                  <a:ext uri="{0D108BD9-81ED-4DB2-BD59-A6C34878D82A}">
+                    <a16:rowId xmlns:a16="http://schemas.microsoft.com/office/drawing/2014/main" val="1300571251"/>
+                  </a:ext>
+                </a:extLst>
+              </a:tr>
+              <a:tr h="387515">
+                <a:tc>
+                  <a:txBody>
+                    <a:bodyPr/>
+                    <a:lstStyle/>
+                    <a:p>
+                      <a:pPr algn="l" fontAlgn="b"/>
+                      <a:endParaRPr lang="en-CA" sz="1230" b="1" i="0" u="none" strike="noStrike" baseline="0" dirty="0">
+                        <a:solidFill>
+                          <a:schemeClr val="tx1"/>
+                        </a:solidFill>
+                        <a:effectLst/>
+                        <a:latin typeface="Arial Black" panose="020B0A04020102020204" pitchFamily="34" charset="0"/>
+                      </a:endParaRPr>
+                    </a:p>
+                  </a:txBody>
+                  <a:tcPr marL="7620" marR="7620" marT="7620" marB="0" anchor="b">
+                    <a:lnL>
+                      <a:noFill/>
+                    </a:lnL>
+                    <a:lnR>
+                      <a:noFill/>
+                    </a:lnR>
+                    <a:lnT>
+                      <a:noFill/>
+                    </a:lnT>
+                    <a:lnB>
+                      <a:noFill/>
+                    </a:lnB>
+                  </a:tcPr>
+                </a:tc>
+                <a:extLst>
+                  <a:ext uri="{0D108BD9-81ED-4DB2-BD59-A6C34878D82A}">
+                    <a16:rowId xmlns:a16="http://schemas.microsoft.com/office/drawing/2014/main" val="3879632431"/>
+                  </a:ext>
+                </a:extLst>
+              </a:tr>
+              <a:tr h="260766">
+                <a:tc>
+                  <a:txBody>
+                    <a:bodyPr/>
+                    <a:lstStyle/>
+                    <a:p>
+                      <a:pPr algn="ctr" fontAlgn="b"/>
+                      <a:endParaRPr lang="en-CA" sz="1230" b="1" i="0" u="none" strike="noStrike" baseline="0" dirty="0">
+                        <a:solidFill>
+                          <a:schemeClr val="tx1"/>
+                        </a:solidFill>
+                        <a:effectLst/>
+                        <a:latin typeface="Arial Black" panose="020B0A04020102020204" pitchFamily="34" charset="0"/>
+                      </a:endParaRPr>
+                    </a:p>
+                  </a:txBody>
+                  <a:tcPr marL="7620" marR="7620" marT="7620" marB="0" anchor="b">
+                    <a:lnL>
+                      <a:noFill/>
+                    </a:lnL>
+                    <a:lnR>
+                      <a:noFill/>
+                    </a:lnR>
+                    <a:lnT>
+                      <a:noFill/>
+                    </a:lnT>
+                    <a:lnB>
+                      <a:noFill/>
+                    </a:lnB>
+                  </a:tcPr>
+                </a:tc>
+                <a:extLst>
+                  <a:ext uri="{0D108BD9-81ED-4DB2-BD59-A6C34878D82A}">
+                    <a16:rowId xmlns:a16="http://schemas.microsoft.com/office/drawing/2014/main" val="1180594060"/>
+                  </a:ext>
+                </a:extLst>
+              </a:tr>
+            </a:tbl>
+          </a:graphicData>
+        </a:graphic>
+      </p:graphicFrame>
+      <p:graphicFrame>
+        <p:nvGraphicFramePr>
+          <p:cNvPr id="7" name="Content Placeholder 3">
+            <a:extLst>
+              <a:ext uri="{FF2B5EF4-FFF2-40B4-BE49-F238E27FC236}">
+                <a16:creationId xmlns:a16="http://schemas.microsoft.com/office/drawing/2014/main" id="{AD00BE50-0D44-6946-81CA-9353DB3F3D90}"/>
+              </a:ext>
+            </a:extLst>
+          </p:cNvPr>
+          <p:cNvGraphicFramePr/>
+          <p:nvPr>
+            <p:extLst>
+              <p:ext uri="{D42A27DB-BD31-4B8C-83A1-F6EECF244321}">
+                <p14:modId xmlns:p14="http://schemas.microsoft.com/office/powerpoint/2010/main" val="648325615"/>
+              </p:ext>
+            </p:extLst>
+          </p:nvPr>
+        </p:nvGraphicFramePr>
+        <p:xfrm>
+          <a:off x="1797483" y="1972941"/>
+          <a:ext cx="3192479" cy="3318040"/>
+        </p:xfrm>
+        <a:graphic>
+          <a:graphicData uri="http://schemas.openxmlformats.org/drawingml/2006/table">
+            <a:tbl>
+              <a:tblPr firstRow="1" bandRow="1"/>
+              <a:tblGrid>
+                <a:gridCol w="1682496">
+                  <a:extLst>
+                    <a:ext uri="{9D8B030D-6E8A-4147-A177-3AD203B41FA5}">
+                      <a16:colId xmlns:a16="http://schemas.microsoft.com/office/drawing/2014/main" val="20000"/>
+                    </a:ext>
+                  </a:extLst>
+                </a:gridCol>
+                <a:gridCol w="1509983">
+                  <a:extLst>
+                    <a:ext uri="{9D8B030D-6E8A-4147-A177-3AD203B41FA5}">
+                      <a16:colId xmlns:a16="http://schemas.microsoft.com/office/drawing/2014/main" val="20004"/>
+                    </a:ext>
+                  </a:extLst>
+                </a:gridCol>
+              </a:tblGrid>
+              <a:tr h="600910">
+                <a:tc>
+                  <a:txBody>
+                    <a:bodyPr/>
+                    <a:lstStyle/>
+                    <a:p>
+                      <a:pPr algn="l">
+                        <a:defRPr sz="1800" b="0">
+                          <a:solidFill>
+                            <a:srgbClr val="000000"/>
+                          </a:solidFill>
+                        </a:defRPr>
+                      </a:pPr>
+                      <a:r>
+                        <a:rPr b="1" dirty="0">
+                          <a:solidFill>
+                            <a:schemeClr val="tx1">
+                              <a:lumMod val="85000"/>
+                              <a:lumOff val="15000"/>
+                            </a:schemeClr>
+                          </a:solidFill>
+                        </a:rPr>
+                        <a:t>Project</a:t>
+                      </a:r>
+                    </a:p>
+                  </a:txBody>
+                  <a:tcPr marL="45720" marR="45720" horzOverflow="overflow">
+                    <a:solidFill>
+                      <a:schemeClr val="bg1">
+                        <a:lumMod val="65000"/>
+                      </a:schemeClr>
+                    </a:solidFill>
+                  </a:tcPr>
+                </a:tc>
+                <a:tc>
+                  <a:txBody>
+                    <a:bodyPr/>
+                    <a:lstStyle/>
+                    <a:p>
+                      <a:pPr algn="l">
+                        <a:defRPr sz="1800" b="0">
+                          <a:solidFill>
+                            <a:srgbClr val="000000"/>
+                          </a:solidFill>
+                        </a:defRPr>
+                      </a:pPr>
+                      <a:r>
+                        <a:rPr b="1" dirty="0">
+                          <a:solidFill>
+                            <a:schemeClr val="tx1">
+                              <a:lumMod val="85000"/>
+                              <a:lumOff val="15000"/>
+                            </a:schemeClr>
+                          </a:solidFill>
+                        </a:rPr>
+                        <a:t>Spearman Correlation (</a:t>
+                      </a:r>
+                      <a:r>
+                        <a:rPr lang="en-US" b="1" dirty="0">
+                          <a:solidFill>
+                            <a:schemeClr val="tx1">
+                              <a:lumMod val="85000"/>
+                              <a:lumOff val="15000"/>
+                            </a:schemeClr>
+                          </a:solidFill>
+                        </a:rPr>
+                        <a:t>5</a:t>
+                      </a:r>
+                      <a:r>
+                        <a:rPr b="1" dirty="0">
+                          <a:solidFill>
+                            <a:schemeClr val="tx1">
+                              <a:lumMod val="85000"/>
+                              <a:lumOff val="15000"/>
+                            </a:schemeClr>
+                          </a:solidFill>
+                        </a:rPr>
+                        <a:t>&amp;</a:t>
+                      </a:r>
+                      <a:r>
+                        <a:rPr lang="en-US" b="1" dirty="0">
+                          <a:solidFill>
+                            <a:schemeClr val="tx1">
+                              <a:lumMod val="85000"/>
+                              <a:lumOff val="15000"/>
+                            </a:schemeClr>
+                          </a:solidFill>
+                        </a:rPr>
+                        <a:t>6</a:t>
+                      </a:r>
+                      <a:r>
+                        <a:rPr b="1" dirty="0">
+                          <a:solidFill>
+                            <a:schemeClr val="tx1">
+                              <a:lumMod val="85000"/>
+                              <a:lumOff val="15000"/>
+                            </a:schemeClr>
+                          </a:solidFill>
+                        </a:rPr>
+                        <a:t>)</a:t>
+                      </a:r>
+                    </a:p>
+                  </a:txBody>
+                  <a:tcPr marL="45720" marR="45720" horzOverflow="overflow">
+                    <a:solidFill>
+                      <a:schemeClr val="bg1">
+                        <a:lumMod val="65000"/>
+                      </a:schemeClr>
+                    </a:solidFill>
+                  </a:tcPr>
+                </a:tc>
+                <a:extLst>
+                  <a:ext uri="{0D108BD9-81ED-4DB2-BD59-A6C34878D82A}">
+                    <a16:rowId xmlns:a16="http://schemas.microsoft.com/office/drawing/2014/main" val="10000"/>
+                  </a:ext>
+                </a:extLst>
+              </a:tr>
+              <a:tr h="600910">
+                <a:tc>
+                  <a:txBody>
+                    <a:bodyPr/>
+                    <a:lstStyle/>
+                    <a:p>
+                      <a:pPr algn="l">
+                        <a:defRPr sz="1800"/>
+                      </a:pPr>
+                      <a:r>
+                        <a:rPr lang="en-CA" sz="1200" dirty="0" err="1">
+                          <a:solidFill>
+                            <a:schemeClr val="tx1"/>
+                          </a:solidFill>
+                        </a:rPr>
+                        <a:t>JFreeChart</a:t>
+                      </a:r>
+                      <a:endParaRPr sz="1200" dirty="0">
+                        <a:solidFill>
+                          <a:schemeClr val="tx1"/>
+                        </a:solidFill>
+                      </a:endParaRPr>
+                    </a:p>
+                  </a:txBody>
+                  <a:tcPr marL="45720" marR="45720" horzOverflow="overflow">
+                    <a:solidFill>
+                      <a:schemeClr val="bg1">
+                        <a:lumMod val="65000"/>
+                      </a:schemeClr>
+                    </a:solidFill>
+                  </a:tcPr>
+                </a:tc>
+                <a:tc>
+                  <a:txBody>
+                    <a:bodyPr/>
+                    <a:lstStyle/>
+                    <a:p>
+                      <a:pPr algn="l">
+                        <a:defRPr sz="1800"/>
+                      </a:pPr>
+                      <a:r>
+                        <a:rPr lang="en-CA" dirty="0">
+                          <a:solidFill>
+                            <a:schemeClr val="tx1">
+                              <a:lumMod val="85000"/>
+                              <a:lumOff val="15000"/>
+                            </a:schemeClr>
+                          </a:solidFill>
+                        </a:rPr>
+                        <a:t>-1</a:t>
+                      </a:r>
+                      <a:endParaRPr dirty="0">
+                        <a:solidFill>
+                          <a:schemeClr val="tx1">
+                            <a:lumMod val="85000"/>
+                            <a:lumOff val="15000"/>
+                          </a:schemeClr>
+                        </a:solidFill>
+                      </a:endParaRPr>
+                    </a:p>
+                  </a:txBody>
+                  <a:tcPr marL="45720" marR="45720" horzOverflow="overflow">
+                    <a:solidFill>
+                      <a:schemeClr val="bg1">
+                        <a:lumMod val="65000"/>
+                      </a:schemeClr>
+                    </a:solidFill>
+                  </a:tcPr>
+                </a:tc>
+                <a:extLst>
+                  <a:ext uri="{0D108BD9-81ED-4DB2-BD59-A6C34878D82A}">
+                    <a16:rowId xmlns:a16="http://schemas.microsoft.com/office/drawing/2014/main" val="10001"/>
+                  </a:ext>
+                </a:extLst>
+              </a:tr>
+              <a:tr h="600910">
+                <a:tc>
+                  <a:txBody>
+                    <a:bodyPr/>
+                    <a:lstStyle/>
+                    <a:p>
+                      <a:pPr algn="l">
+                        <a:defRPr sz="1800"/>
+                      </a:pPr>
+                      <a:endParaRPr sz="1200" dirty="0">
+                        <a:solidFill>
+                          <a:schemeClr val="tx1"/>
+                        </a:solidFill>
+                      </a:endParaRPr>
+                    </a:p>
+                  </a:txBody>
+                  <a:tcPr marL="45720" marR="45720" horzOverflow="overflow">
+                    <a:solidFill>
+                      <a:schemeClr val="bg1">
+                        <a:lumMod val="65000"/>
+                      </a:schemeClr>
+                    </a:solidFill>
+                  </a:tcPr>
+                </a:tc>
+                <a:tc>
+                  <a:txBody>
+                    <a:bodyPr/>
+                    <a:lstStyle/>
+                    <a:p>
+                      <a:pPr algn="l">
+                        <a:defRPr sz="1800"/>
+                      </a:pPr>
+                      <a:endParaRPr dirty="0">
+                        <a:solidFill>
+                          <a:schemeClr val="tx1">
+                            <a:lumMod val="85000"/>
+                            <a:lumOff val="15000"/>
+                          </a:schemeClr>
+                        </a:solidFill>
+                      </a:endParaRPr>
+                    </a:p>
+                  </a:txBody>
+                  <a:tcPr marL="45720" marR="45720" horzOverflow="overflow">
+                    <a:solidFill>
+                      <a:schemeClr val="bg1">
+                        <a:lumMod val="65000"/>
+                      </a:schemeClr>
+                    </a:solidFill>
+                  </a:tcPr>
+                </a:tc>
+                <a:extLst>
+                  <a:ext uri="{0D108BD9-81ED-4DB2-BD59-A6C34878D82A}">
+                    <a16:rowId xmlns:a16="http://schemas.microsoft.com/office/drawing/2014/main" val="10002"/>
+                  </a:ext>
+                </a:extLst>
+              </a:tr>
+              <a:tr h="600910">
+                <a:tc>
+                  <a:txBody>
+                    <a:bodyPr/>
+                    <a:lstStyle/>
+                    <a:p>
+                      <a:pPr algn="l">
+                        <a:defRPr sz="1800"/>
+                      </a:pPr>
+                      <a:endParaRPr sz="1200" dirty="0">
+                        <a:solidFill>
+                          <a:schemeClr val="tx1"/>
+                        </a:solidFill>
+                      </a:endParaRPr>
+                    </a:p>
+                  </a:txBody>
+                  <a:tcPr marL="45720" marR="45720" horzOverflow="overflow">
+                    <a:solidFill>
+                      <a:schemeClr val="bg1">
+                        <a:lumMod val="65000"/>
+                      </a:schemeClr>
+                    </a:solidFill>
+                  </a:tcPr>
+                </a:tc>
+                <a:tc>
+                  <a:txBody>
+                    <a:bodyPr/>
+                    <a:lstStyle/>
+                    <a:p>
+                      <a:pPr algn="l">
+                        <a:defRPr sz="1800"/>
+                      </a:pPr>
+                      <a:endParaRPr dirty="0">
+                        <a:solidFill>
+                          <a:schemeClr val="tx1">
+                            <a:lumMod val="85000"/>
+                            <a:lumOff val="15000"/>
+                          </a:schemeClr>
+                        </a:solidFill>
+                      </a:endParaRPr>
+                    </a:p>
+                  </a:txBody>
+                  <a:tcPr marL="45720" marR="45720" horzOverflow="overflow">
+                    <a:solidFill>
+                      <a:schemeClr val="bg1">
+                        <a:lumMod val="65000"/>
+                      </a:schemeClr>
+                    </a:solidFill>
+                  </a:tcPr>
+                </a:tc>
+                <a:extLst>
+                  <a:ext uri="{0D108BD9-81ED-4DB2-BD59-A6C34878D82A}">
+                    <a16:rowId xmlns:a16="http://schemas.microsoft.com/office/drawing/2014/main" val="10004"/>
+                  </a:ext>
+                </a:extLst>
+              </a:tr>
+              <a:tr h="600910">
+                <a:tc>
+                  <a:txBody>
+                    <a:bodyPr/>
+                    <a:lstStyle/>
+                    <a:p>
+                      <a:pPr algn="l">
+                        <a:defRPr sz="1800"/>
+                      </a:pPr>
+                      <a:endParaRPr sz="1200" dirty="0">
+                        <a:solidFill>
+                          <a:schemeClr val="tx1"/>
+                        </a:solidFill>
+                      </a:endParaRPr>
+                    </a:p>
+                  </a:txBody>
+                  <a:tcPr marL="45720" marR="45720" horzOverflow="overflow">
+                    <a:solidFill>
+                      <a:schemeClr val="bg1">
+                        <a:lumMod val="65000"/>
+                      </a:schemeClr>
+                    </a:solidFill>
+                  </a:tcPr>
+                </a:tc>
+                <a:tc>
+                  <a:txBody>
+                    <a:bodyPr/>
+                    <a:lstStyle/>
+                    <a:p>
+                      <a:pPr algn="l">
+                        <a:defRPr sz="1800"/>
+                      </a:pPr>
+                      <a:endParaRPr dirty="0">
+                        <a:solidFill>
+                          <a:schemeClr val="tx1">
+                            <a:lumMod val="85000"/>
+                            <a:lumOff val="15000"/>
+                          </a:schemeClr>
+                        </a:solidFill>
+                      </a:endParaRPr>
+                    </a:p>
+                  </a:txBody>
+                  <a:tcPr marL="45720" marR="45720" horzOverflow="overflow">
+                    <a:solidFill>
+                      <a:schemeClr val="bg1">
+                        <a:lumMod val="65000"/>
+                      </a:schemeClr>
+                    </a:solidFill>
+                  </a:tcPr>
+                </a:tc>
+                <a:extLst>
+                  <a:ext uri="{0D108BD9-81ED-4DB2-BD59-A6C34878D82A}">
+                    <a16:rowId xmlns:a16="http://schemas.microsoft.com/office/drawing/2014/main" val="10005"/>
+                  </a:ext>
+                </a:extLst>
+              </a:tr>
+            </a:tbl>
+          </a:graphicData>
+        </a:graphic>
+      </p:graphicFrame>
+      <p:sp>
+        <p:nvSpPr>
+          <p:cNvPr id="8" name="Title 1">
+            <a:extLst>
+              <a:ext uri="{FF2B5EF4-FFF2-40B4-BE49-F238E27FC236}">
+                <a16:creationId xmlns:a16="http://schemas.microsoft.com/office/drawing/2014/main" id="{F9BDACB8-172A-274D-ADA2-3323153C1EE2}"/>
+              </a:ext>
+            </a:extLst>
+          </p:cNvPr>
+          <p:cNvSpPr txBox="1">
+            <a:spLocks/>
+          </p:cNvSpPr>
+          <p:nvPr/>
+        </p:nvSpPr>
+        <p:spPr>
+          <a:xfrm>
+            <a:off x="1646877" y="965128"/>
+            <a:ext cx="8596670" cy="716926"/>
+          </a:xfrm>
+          <a:prstGeom prst="rect">
+            <a:avLst/>
+          </a:prstGeom>
+        </p:spPr>
+        <p:txBody>
+          <a:bodyPr/>
+          <a:lstStyle>
+            <a:lvl1pPr algn="l" defTabSz="457200" rtl="0" eaLnBrk="1" latinLnBrk="0" hangingPunct="1">
+              <a:spcBef>
+                <a:spcPct val="0"/>
+              </a:spcBef>
+              <a:buNone/>
+              <a:defRPr sz="3600" kern="1200">
+                <a:solidFill>
+                  <a:schemeClr val="tx1">
+                    <a:lumMod val="85000"/>
+                    <a:lumOff val="15000"/>
+                  </a:schemeClr>
+                </a:solidFill>
+                <a:latin typeface="+mj-lt"/>
+                <a:ea typeface="+mj-ea"/>
+                <a:cs typeface="+mj-cs"/>
+              </a:defRPr>
+            </a:lvl1pPr>
+            <a:lvl2pPr eaLnBrk="1" hangingPunct="1">
+              <a:defRPr>
+                <a:solidFill>
+                  <a:schemeClr val="tx2"/>
+                </a:solidFill>
+              </a:defRPr>
+            </a:lvl2pPr>
+            <a:lvl3pPr eaLnBrk="1" hangingPunct="1">
+              <a:defRPr>
+                <a:solidFill>
+                  <a:schemeClr val="tx2"/>
+                </a:solidFill>
+              </a:defRPr>
+            </a:lvl3pPr>
+            <a:lvl4pPr eaLnBrk="1" hangingPunct="1">
+              <a:defRPr>
+                <a:solidFill>
+                  <a:schemeClr val="tx2"/>
+                </a:solidFill>
+              </a:defRPr>
+            </a:lvl4pPr>
+            <a:lvl5pPr eaLnBrk="1" hangingPunct="1">
+              <a:defRPr>
+                <a:solidFill>
+                  <a:schemeClr val="tx2"/>
+                </a:solidFill>
+              </a:defRPr>
+            </a:lvl5pPr>
+            <a:lvl6pPr eaLnBrk="1" hangingPunct="1">
+              <a:defRPr>
+                <a:solidFill>
+                  <a:schemeClr val="tx2"/>
+                </a:solidFill>
+              </a:defRPr>
+            </a:lvl6pPr>
+            <a:lvl7pPr eaLnBrk="1" hangingPunct="1">
+              <a:defRPr>
+                <a:solidFill>
+                  <a:schemeClr val="tx2"/>
+                </a:solidFill>
+              </a:defRPr>
+            </a:lvl7pPr>
+            <a:lvl8pPr eaLnBrk="1" hangingPunct="1">
+              <a:defRPr>
+                <a:solidFill>
+                  <a:schemeClr val="tx2"/>
+                </a:solidFill>
+              </a:defRPr>
+            </a:lvl8pPr>
+            <a:lvl9pPr eaLnBrk="1" hangingPunct="1">
+              <a:defRPr>
+                <a:solidFill>
+                  <a:schemeClr val="tx2"/>
+                </a:solidFill>
+              </a:defRPr>
+            </a:lvl9pPr>
+          </a:lstStyle>
+          <a:p>
+            <a:r>
+              <a:rPr lang="en-CA" dirty="0"/>
+              <a:t>Correlation between 5 &amp; 6</a:t>
+            </a:r>
+          </a:p>
+        </p:txBody>
+      </p:sp>
+      <p:sp>
+        <p:nvSpPr>
+          <p:cNvPr id="9" name="TextBox 8">
+            <a:extLst>
+              <a:ext uri="{FF2B5EF4-FFF2-40B4-BE49-F238E27FC236}">
+                <a16:creationId xmlns:a16="http://schemas.microsoft.com/office/drawing/2014/main" id="{52BF90CB-A028-404E-9C13-B9CAB8D234B0}"/>
+              </a:ext>
+            </a:extLst>
+          </p:cNvPr>
+          <p:cNvSpPr txBox="1"/>
+          <p:nvPr/>
+        </p:nvSpPr>
+        <p:spPr>
+          <a:xfrm>
+            <a:off x="7950631" y="2092271"/>
+            <a:ext cx="184731" cy="369332"/>
+          </a:xfrm>
+          <a:prstGeom prst="rect">
+            <a:avLst/>
+          </a:prstGeom>
+          <a:noFill/>
+        </p:spPr>
+        <p:txBody>
+          <a:bodyPr wrap="none" rtlCol="0">
+            <a:spAutoFit/>
+          </a:bodyPr>
+          <a:lstStyle/>
+          <a:p>
+            <a:endParaRPr lang="en-US" dirty="0"/>
+          </a:p>
+        </p:txBody>
+      </p:sp>
+    </p:spTree>
+    <p:extLst>
+      <p:ext uri="{BB962C8B-B14F-4D97-AF65-F5344CB8AC3E}">
+        <p14:creationId xmlns:p14="http://schemas.microsoft.com/office/powerpoint/2010/main" val="2343618344"/>
+      </p:ext>
+    </p:extLst>
+  </p:cSld>
+  <p:clrMapOvr>
+    <a:masterClrMapping/>
+  </p:clrMapOvr>
+</p:sld>
+</file>
+
+<file path=ppt/slides/slide21.xml><?xml version="1.0" encoding="utf-8"?>
+<p:sld xmlns:a="http://schemas.openxmlformats.org/drawingml/2006/main" xmlns:r="http://schemas.openxmlformats.org/officeDocument/2006/relationships" xmlns:p="http://schemas.openxmlformats.org/presentationml/2006/main">
+  <p:cSld>
+    <p:spTree>
+      <p:nvGrpSpPr>
+        <p:cNvPr id="1" name=""/>
+        <p:cNvGrpSpPr/>
+        <p:nvPr/>
+      </p:nvGrpSpPr>
+      <p:grpSpPr>
+        <a:xfrm>
+          <a:off x="0" y="0"/>
+          <a:ext cx="0" cy="0"/>
+          <a:chOff x="0" y="0"/>
+          <a:chExt cx="0" cy="0"/>
+        </a:xfrm>
+      </p:grpSpPr>
+      <p:pic>
+        <p:nvPicPr>
+          <p:cNvPr id="2" name="Picture 1">
+            <a:extLst>
+              <a:ext uri="{FF2B5EF4-FFF2-40B4-BE49-F238E27FC236}">
+                <a16:creationId xmlns:a16="http://schemas.microsoft.com/office/drawing/2014/main" id="{E8F84B63-E51B-DB4D-AF91-F09C79CE7A6E}"/>
+              </a:ext>
+            </a:extLst>
+          </p:cNvPr>
+          <p:cNvPicPr>
+            <a:picLocks noChangeAspect="1"/>
+          </p:cNvPicPr>
+          <p:nvPr/>
+        </p:nvPicPr>
+        <p:blipFill>
+          <a:blip r:embed="rId2"/>
+          <a:stretch>
+            <a:fillRect/>
+          </a:stretch>
+        </p:blipFill>
+        <p:spPr>
+          <a:xfrm>
+            <a:off x="1766805" y="1115878"/>
+            <a:ext cx="9042847" cy="5432155"/>
+          </a:xfrm>
+          <a:prstGeom prst="rect">
+            <a:avLst/>
+          </a:prstGeom>
+        </p:spPr>
+      </p:pic>
+      <p:sp>
+        <p:nvSpPr>
+          <p:cNvPr id="4" name="TextBox 3">
+            <a:extLst>
+              <a:ext uri="{FF2B5EF4-FFF2-40B4-BE49-F238E27FC236}">
+                <a16:creationId xmlns:a16="http://schemas.microsoft.com/office/drawing/2014/main" id="{EAAF18D6-28A0-014E-9E07-5BA2368BC8C8}"/>
+              </a:ext>
+            </a:extLst>
+          </p:cNvPr>
+          <p:cNvSpPr txBox="1"/>
+          <p:nvPr/>
+        </p:nvSpPr>
+        <p:spPr>
+          <a:xfrm>
+            <a:off x="1952786" y="743919"/>
+            <a:ext cx="1435008" cy="369332"/>
+          </a:xfrm>
+          <a:prstGeom prst="rect">
+            <a:avLst/>
+          </a:prstGeom>
+          <a:noFill/>
+        </p:spPr>
+        <p:txBody>
+          <a:bodyPr wrap="none" rtlCol="0">
+            <a:spAutoFit/>
+          </a:bodyPr>
+          <a:lstStyle/>
+          <a:p>
+            <a:r>
+              <a:rPr lang="en-US" dirty="0" err="1"/>
+              <a:t>Jfree</a:t>
+            </a:r>
+            <a:r>
+              <a:rPr lang="en-US" dirty="0"/>
+              <a:t> Chart</a:t>
+            </a:r>
+          </a:p>
+        </p:txBody>
+      </p:sp>
     </p:spTree>
     <p:extLst>
       <p:ext uri="{BB962C8B-B14F-4D97-AF65-F5344CB8AC3E}">
@@ -11989,7 +12615,7 @@
 </p:sld>
 </file>
 
-<file path=ppt/slides/slide18.xml><?xml version="1.0" encoding="utf-8"?>
+<file path=ppt/slides/slide22.xml><?xml version="1.0" encoding="utf-8"?>
 <p:sld xmlns:a="http://schemas.openxmlformats.org/drawingml/2006/main" xmlns:r="http://schemas.openxmlformats.org/officeDocument/2006/relationships" xmlns:p="http://schemas.openxmlformats.org/presentationml/2006/main">
   <p:cSld>
     <p:spTree>
@@ -12409,7 +13035,7 @@
 </p:sld>
 </file>
 
-<file path=ppt/slides/slide19.xml><?xml version="1.0" encoding="utf-8"?>
+<file path=ppt/slides/slide23.xml><?xml version="1.0" encoding="utf-8"?>
 <p:sld xmlns:a="http://schemas.openxmlformats.org/drawingml/2006/main" xmlns:r="http://schemas.openxmlformats.org/officeDocument/2006/relationships" xmlns:p="http://schemas.openxmlformats.org/presentationml/2006/main">
   <p:cSld>
     <p:spTree>
@@ -13200,434 +13826,6 @@
     <p:extLst>
       <p:ext uri="{BB962C8B-B14F-4D97-AF65-F5344CB8AC3E}">
         <p14:creationId xmlns:p14="http://schemas.microsoft.com/office/powerpoint/2010/main" val="4130162117"/>
-      </p:ext>
-    </p:extLst>
-  </p:cSld>
-  <p:clrMapOvr>
-    <a:masterClrMapping/>
-  </p:clrMapOvr>
-</p:sld>
-</file>
-
-<file path=ppt/slides/slide2.xml><?xml version="1.0" encoding="utf-8"?>
-<p:sld xmlns:a="http://schemas.openxmlformats.org/drawingml/2006/main" xmlns:r="http://schemas.openxmlformats.org/officeDocument/2006/relationships" xmlns:p="http://schemas.openxmlformats.org/presentationml/2006/main">
-  <p:cSld>
-    <p:spTree>
-      <p:nvGrpSpPr>
-        <p:cNvPr id="1" name=""/>
-        <p:cNvGrpSpPr/>
-        <p:nvPr/>
-      </p:nvGrpSpPr>
-      <p:grpSpPr>
-        <a:xfrm>
-          <a:off x="0" y="0"/>
-          <a:ext cx="0" cy="0"/>
-          <a:chOff x="0" y="0"/>
-          <a:chExt cx="0" cy="0"/>
-        </a:xfrm>
-      </p:grpSpPr>
-      <p:sp>
-        <p:nvSpPr>
-          <p:cNvPr id="2" name="Content Placeholder 2">
-            <a:extLst>
-              <a:ext uri="{FF2B5EF4-FFF2-40B4-BE49-F238E27FC236}">
-                <a16:creationId xmlns:a16="http://schemas.microsoft.com/office/drawing/2014/main" id="{9DAB8598-CAB2-45CD-A346-AC13ADF86F64}"/>
-              </a:ext>
-            </a:extLst>
-          </p:cNvPr>
-          <p:cNvSpPr txBox="1">
-            <a:spLocks/>
-          </p:cNvSpPr>
-          <p:nvPr/>
-        </p:nvSpPr>
-        <p:spPr>
-          <a:xfrm>
-            <a:off x="677333" y="2137892"/>
-            <a:ext cx="8596670" cy="3903471"/>
-          </a:xfrm>
-          <a:prstGeom prst="rect">
-            <a:avLst/>
-          </a:prstGeom>
-        </p:spPr>
-        <p:txBody>
-          <a:bodyPr/>
-          <a:lstStyle>
-            <a:lvl1pPr marL="342900" indent="-342900" algn="l" defTabSz="457200" rtl="0" eaLnBrk="1" latinLnBrk="0" hangingPunct="1">
-              <a:spcBef>
-                <a:spcPts val="1000"/>
-              </a:spcBef>
-              <a:spcAft>
-                <a:spcPts val="0"/>
-              </a:spcAft>
-              <a:buClr>
-                <a:schemeClr val="accent1"/>
-              </a:buClr>
-              <a:buFont typeface="Wingdings 3" charset="2"/>
-              <a:buChar char=""/>
-              <a:defRPr sz="1800" kern="1200">
-                <a:solidFill>
-                  <a:schemeClr val="tx1">
-                    <a:lumMod val="75000"/>
-                    <a:lumOff val="25000"/>
-                  </a:schemeClr>
-                </a:solidFill>
-                <a:latin typeface="+mn-lt"/>
-                <a:ea typeface="+mn-ea"/>
-                <a:cs typeface="+mn-cs"/>
-              </a:defRPr>
-            </a:lvl1pPr>
-            <a:lvl2pPr marL="742950" indent="-285750" algn="l" defTabSz="457200" rtl="0" eaLnBrk="1" latinLnBrk="0" hangingPunct="1">
-              <a:spcBef>
-                <a:spcPts val="1000"/>
-              </a:spcBef>
-              <a:spcAft>
-                <a:spcPts val="0"/>
-              </a:spcAft>
-              <a:buClr>
-                <a:schemeClr val="accent1"/>
-              </a:buClr>
-              <a:buFont typeface="Wingdings 3" charset="2"/>
-              <a:buChar char=""/>
-              <a:defRPr sz="1600" kern="1200">
-                <a:solidFill>
-                  <a:schemeClr val="tx1">
-                    <a:lumMod val="75000"/>
-                    <a:lumOff val="25000"/>
-                  </a:schemeClr>
-                </a:solidFill>
-                <a:latin typeface="+mn-lt"/>
-                <a:ea typeface="+mn-ea"/>
-                <a:cs typeface="+mn-cs"/>
-              </a:defRPr>
-            </a:lvl2pPr>
-            <a:lvl3pPr marL="1143000" indent="-228600" algn="l" defTabSz="457200" rtl="0" eaLnBrk="1" latinLnBrk="0" hangingPunct="1">
-              <a:spcBef>
-                <a:spcPts val="1000"/>
-              </a:spcBef>
-              <a:spcAft>
-                <a:spcPts val="0"/>
-              </a:spcAft>
-              <a:buClr>
-                <a:schemeClr val="accent1"/>
-              </a:buClr>
-              <a:buFont typeface="Wingdings 3" charset="2"/>
-              <a:buChar char=""/>
-              <a:defRPr sz="1400" kern="1200">
-                <a:solidFill>
-                  <a:schemeClr val="tx1">
-                    <a:lumMod val="75000"/>
-                    <a:lumOff val="25000"/>
-                  </a:schemeClr>
-                </a:solidFill>
-                <a:latin typeface="+mn-lt"/>
-                <a:ea typeface="+mn-ea"/>
-                <a:cs typeface="+mn-cs"/>
-              </a:defRPr>
-            </a:lvl3pPr>
-            <a:lvl4pPr marL="1600200" indent="-228600" algn="l" defTabSz="457200" rtl="0" eaLnBrk="1" latinLnBrk="0" hangingPunct="1">
-              <a:spcBef>
-                <a:spcPts val="1000"/>
-              </a:spcBef>
-              <a:spcAft>
-                <a:spcPts val="0"/>
-              </a:spcAft>
-              <a:buClr>
-                <a:schemeClr val="accent1"/>
-              </a:buClr>
-              <a:buFont typeface="Wingdings 3" charset="2"/>
-              <a:buChar char=""/>
-              <a:defRPr sz="1200" kern="1200">
-                <a:solidFill>
-                  <a:schemeClr val="tx1">
-                    <a:lumMod val="75000"/>
-                    <a:lumOff val="25000"/>
-                  </a:schemeClr>
-                </a:solidFill>
-                <a:latin typeface="+mn-lt"/>
-                <a:ea typeface="+mn-ea"/>
-                <a:cs typeface="+mn-cs"/>
-              </a:defRPr>
-            </a:lvl4pPr>
-            <a:lvl5pPr marL="2057400" indent="-228600" algn="l" defTabSz="457200" rtl="0" eaLnBrk="1" latinLnBrk="0" hangingPunct="1">
-              <a:spcBef>
-                <a:spcPts val="1000"/>
-              </a:spcBef>
-              <a:spcAft>
-                <a:spcPts val="0"/>
-              </a:spcAft>
-              <a:buClr>
-                <a:schemeClr val="accent1"/>
-              </a:buClr>
-              <a:buFont typeface="Wingdings 3" charset="2"/>
-              <a:buChar char=""/>
-              <a:defRPr sz="1200" kern="1200">
-                <a:solidFill>
-                  <a:schemeClr val="tx1">
-                    <a:lumMod val="75000"/>
-                    <a:lumOff val="25000"/>
-                  </a:schemeClr>
-                </a:solidFill>
-                <a:latin typeface="+mn-lt"/>
-                <a:ea typeface="+mn-ea"/>
-                <a:cs typeface="+mn-cs"/>
-              </a:defRPr>
-            </a:lvl5pPr>
-            <a:lvl6pPr marL="2514600" indent="-228600" algn="l" defTabSz="457200" rtl="0" eaLnBrk="1" latinLnBrk="0" hangingPunct="1">
-              <a:spcBef>
-                <a:spcPts val="1000"/>
-              </a:spcBef>
-              <a:spcAft>
-                <a:spcPts val="0"/>
-              </a:spcAft>
-              <a:buClr>
-                <a:schemeClr val="accent1"/>
-              </a:buClr>
-              <a:buFont typeface="Wingdings 3" charset="2"/>
-              <a:buChar char=""/>
-              <a:defRPr sz="1200" kern="1200">
-                <a:solidFill>
-                  <a:schemeClr val="tx1">
-                    <a:lumMod val="75000"/>
-                    <a:lumOff val="25000"/>
-                  </a:schemeClr>
-                </a:solidFill>
-                <a:latin typeface="+mn-lt"/>
-                <a:ea typeface="+mn-ea"/>
-                <a:cs typeface="+mn-cs"/>
-              </a:defRPr>
-            </a:lvl6pPr>
-            <a:lvl7pPr marL="2971800" indent="-228600" algn="l" defTabSz="457200" rtl="0" eaLnBrk="1" latinLnBrk="0" hangingPunct="1">
-              <a:spcBef>
-                <a:spcPts val="1000"/>
-              </a:spcBef>
-              <a:spcAft>
-                <a:spcPts val="0"/>
-              </a:spcAft>
-              <a:buClr>
-                <a:schemeClr val="accent1"/>
-              </a:buClr>
-              <a:buFont typeface="Wingdings 3" charset="2"/>
-              <a:buChar char=""/>
-              <a:defRPr sz="1200" kern="1200">
-                <a:solidFill>
-                  <a:schemeClr val="tx1">
-                    <a:lumMod val="75000"/>
-                    <a:lumOff val="25000"/>
-                  </a:schemeClr>
-                </a:solidFill>
-                <a:latin typeface="+mn-lt"/>
-                <a:ea typeface="+mn-ea"/>
-                <a:cs typeface="+mn-cs"/>
-              </a:defRPr>
-            </a:lvl7pPr>
-            <a:lvl8pPr marL="3429000" indent="-228600" algn="l" defTabSz="457200" rtl="0" eaLnBrk="1" latinLnBrk="0" hangingPunct="1">
-              <a:spcBef>
-                <a:spcPts val="1000"/>
-              </a:spcBef>
-              <a:spcAft>
-                <a:spcPts val="0"/>
-              </a:spcAft>
-              <a:buClr>
-                <a:schemeClr val="accent1"/>
-              </a:buClr>
-              <a:buFont typeface="Wingdings 3" charset="2"/>
-              <a:buChar char=""/>
-              <a:defRPr sz="1200" kern="1200">
-                <a:solidFill>
-                  <a:schemeClr val="tx1">
-                    <a:lumMod val="75000"/>
-                    <a:lumOff val="25000"/>
-                  </a:schemeClr>
-                </a:solidFill>
-                <a:latin typeface="+mn-lt"/>
-                <a:ea typeface="+mn-ea"/>
-                <a:cs typeface="+mn-cs"/>
-              </a:defRPr>
-            </a:lvl8pPr>
-            <a:lvl9pPr marL="3886200" indent="-228600" algn="l" defTabSz="457200" rtl="0" eaLnBrk="1" latinLnBrk="0" hangingPunct="1">
-              <a:spcBef>
-                <a:spcPts val="1000"/>
-              </a:spcBef>
-              <a:spcAft>
-                <a:spcPts val="0"/>
-              </a:spcAft>
-              <a:buClr>
-                <a:schemeClr val="accent1"/>
-              </a:buClr>
-              <a:buFont typeface="Wingdings 3" charset="2"/>
-              <a:buChar char=""/>
-              <a:defRPr sz="1200" kern="1200">
-                <a:solidFill>
-                  <a:schemeClr val="tx1">
-                    <a:lumMod val="75000"/>
-                    <a:lumOff val="25000"/>
-                  </a:schemeClr>
-                </a:solidFill>
-                <a:latin typeface="+mn-lt"/>
-                <a:ea typeface="+mn-ea"/>
-                <a:cs typeface="+mn-cs"/>
-              </a:defRPr>
-            </a:lvl9pPr>
-          </a:lstStyle>
-          <a:p>
-            <a:pPr>
-              <a:defRPr sz="2400"/>
-            </a:pPr>
-            <a:r>
-              <a:rPr lang="en-US" sz="2400" dirty="0"/>
-              <a:t>Projects: Overview</a:t>
-            </a:r>
-          </a:p>
-          <a:p>
-            <a:pPr>
-              <a:defRPr sz="2400"/>
-            </a:pPr>
-            <a:r>
-              <a:rPr lang="en-US" sz="2400" dirty="0"/>
-              <a:t>Metrics</a:t>
-            </a:r>
-          </a:p>
-          <a:p>
-            <a:pPr>
-              <a:defRPr sz="2400"/>
-            </a:pPr>
-            <a:r>
-              <a:rPr lang="en-US" sz="2400" dirty="0"/>
-              <a:t>Metric-wise analysis of projects</a:t>
-            </a:r>
-          </a:p>
-          <a:p>
-            <a:pPr>
-              <a:defRPr sz="2400"/>
-            </a:pPr>
-            <a:r>
-              <a:rPr lang="en-US" sz="2400" dirty="0"/>
-              <a:t>Correlation among the metrics</a:t>
-            </a:r>
-          </a:p>
-          <a:p>
-            <a:pPr>
-              <a:defRPr sz="2400"/>
-            </a:pPr>
-            <a:r>
-              <a:rPr lang="en-US" sz="2400" dirty="0"/>
-              <a:t>Conclusion</a:t>
-            </a:r>
-          </a:p>
-        </p:txBody>
-      </p:sp>
-      <p:sp>
-        <p:nvSpPr>
-          <p:cNvPr id="3" name="Title 1">
-            <a:extLst>
-              <a:ext uri="{FF2B5EF4-FFF2-40B4-BE49-F238E27FC236}">
-                <a16:creationId xmlns:a16="http://schemas.microsoft.com/office/drawing/2014/main" id="{7087B75B-9A60-409B-93BF-93F977E6BA32}"/>
-              </a:ext>
-            </a:extLst>
-          </p:cNvPr>
-          <p:cNvSpPr txBox="1">
-            <a:spLocks/>
-          </p:cNvSpPr>
-          <p:nvPr/>
-        </p:nvSpPr>
-        <p:spPr>
-          <a:xfrm>
-            <a:off x="1667148" y="628454"/>
-            <a:ext cx="8596670" cy="1320800"/>
-          </a:xfrm>
-          <a:prstGeom prst="rect">
-            <a:avLst/>
-          </a:prstGeom>
-        </p:spPr>
-        <p:txBody>
-          <a:bodyPr/>
-          <a:lstStyle>
-            <a:lvl1pPr algn="l" defTabSz="457200" rtl="0" eaLnBrk="1" latinLnBrk="0" hangingPunct="1">
-              <a:spcBef>
-                <a:spcPct val="0"/>
-              </a:spcBef>
-              <a:buNone/>
-              <a:defRPr sz="4000" kern="1200">
-                <a:solidFill>
-                  <a:schemeClr val="tx1">
-                    <a:lumMod val="85000"/>
-                    <a:lumOff val="15000"/>
-                  </a:schemeClr>
-                </a:solidFill>
-                <a:latin typeface="+mj-lt"/>
-                <a:ea typeface="+mj-ea"/>
-                <a:cs typeface="+mj-cs"/>
-              </a:defRPr>
-            </a:lvl1pPr>
-            <a:lvl2pPr eaLnBrk="1" hangingPunct="1">
-              <a:defRPr>
-                <a:solidFill>
-                  <a:schemeClr val="tx2"/>
-                </a:solidFill>
-              </a:defRPr>
-            </a:lvl2pPr>
-            <a:lvl3pPr eaLnBrk="1" hangingPunct="1">
-              <a:defRPr>
-                <a:solidFill>
-                  <a:schemeClr val="tx2"/>
-                </a:solidFill>
-              </a:defRPr>
-            </a:lvl3pPr>
-            <a:lvl4pPr eaLnBrk="1" hangingPunct="1">
-              <a:defRPr>
-                <a:solidFill>
-                  <a:schemeClr val="tx2"/>
-                </a:solidFill>
-              </a:defRPr>
-            </a:lvl4pPr>
-            <a:lvl5pPr eaLnBrk="1" hangingPunct="1">
-              <a:defRPr>
-                <a:solidFill>
-                  <a:schemeClr val="tx2"/>
-                </a:solidFill>
-              </a:defRPr>
-            </a:lvl5pPr>
-            <a:lvl6pPr eaLnBrk="1" hangingPunct="1">
-              <a:defRPr>
-                <a:solidFill>
-                  <a:schemeClr val="tx2"/>
-                </a:solidFill>
-              </a:defRPr>
-            </a:lvl6pPr>
-            <a:lvl7pPr eaLnBrk="1" hangingPunct="1">
-              <a:defRPr>
-                <a:solidFill>
-                  <a:schemeClr val="tx2"/>
-                </a:solidFill>
-              </a:defRPr>
-            </a:lvl7pPr>
-            <a:lvl8pPr eaLnBrk="1" hangingPunct="1">
-              <a:defRPr>
-                <a:solidFill>
-                  <a:schemeClr val="tx2"/>
-                </a:solidFill>
-              </a:defRPr>
-            </a:lvl8pPr>
-            <a:lvl9pPr eaLnBrk="1" hangingPunct="1">
-              <a:defRPr>
-                <a:solidFill>
-                  <a:schemeClr val="tx2"/>
-                </a:solidFill>
-              </a:defRPr>
-            </a:lvl9pPr>
-          </a:lstStyle>
-          <a:p>
-            <a:r>
-              <a:rPr lang="en-CA" sz="3600" dirty="0"/>
-              <a:t>Content</a:t>
-            </a:r>
-          </a:p>
-        </p:txBody>
-      </p:sp>
-    </p:spTree>
-    <p:extLst>
-      <p:ext uri="{BB962C8B-B14F-4D97-AF65-F5344CB8AC3E}">
-        <p14:creationId xmlns:p14="http://schemas.microsoft.com/office/powerpoint/2010/main" val="3666770962"/>
       </p:ext>
     </p:extLst>
   </p:cSld>
@@ -17875,14 +18073,14 @@
           <p:nvPr>
             <p:extLst>
               <p:ext uri="{D42A27DB-BD31-4B8C-83A1-F6EECF244321}">
-                <p14:modId xmlns:p14="http://schemas.microsoft.com/office/powerpoint/2010/main" val="3061308305"/>
+                <p14:modId xmlns:p14="http://schemas.microsoft.com/office/powerpoint/2010/main" val="3737383445"/>
               </p:ext>
             </p:extLst>
           </p:nvPr>
         </p:nvGraphicFramePr>
         <p:xfrm>
           <a:off x="2479250" y="2027642"/>
-          <a:ext cx="6221690" cy="3698670"/>
+          <a:ext cx="6221690" cy="2870985"/>
         </p:xfrm>
         <a:graphic>
           <a:graphicData uri="http://schemas.openxmlformats.org/drawingml/2006/table">
@@ -17968,12 +18166,12 @@
                     <a:p>
                       <a:pPr algn="ctr" fontAlgn="ctr"/>
                       <a:r>
-                        <a:rPr lang="en-CA" sz="2000" b="0" u="none" strike="noStrike" dirty="0">
+                        <a:rPr lang="en-CA" sz="2000" b="0" u="none" strike="noStrike" dirty="0" err="1">
                           <a:effectLst/>
                           <a:latin typeface="Times New Roman" panose="02020603050405020304" pitchFamily="18" charset="0"/>
                           <a:cs typeface="Times New Roman" panose="02020603050405020304" pitchFamily="18" charset="0"/>
                         </a:rPr>
-                        <a:t>Commons Collection</a:t>
+                        <a:t>JFreeChart</a:t>
                       </a:r>
                       <a:endParaRPr lang="en-CA" sz="2000" b="0" i="0" u="none" strike="noStrike" dirty="0">
                         <a:solidFill>
@@ -17994,12 +18192,22 @@
                     <a:p>
                       <a:pPr algn="ctr" fontAlgn="b"/>
                       <a:r>
-                        <a:rPr lang="en-CA" sz="2000" b="0" u="none" strike="noStrike" dirty="0">
+                        <a:rPr lang="en-IN" sz="1800" kern="1200" dirty="0">
+                          <a:solidFill>
+                            <a:schemeClr val="tx1"/>
+                          </a:solidFill>
                           <a:effectLst/>
-                          <a:latin typeface="Times New Roman" panose="02020603050405020304" pitchFamily="18" charset="0"/>
-                          <a:cs typeface="Times New Roman" panose="02020603050405020304" pitchFamily="18" charset="0"/>
+                          <a:latin typeface="+mn-lt"/>
+                          <a:ea typeface="+mn-ea"/>
+                          <a:cs typeface="+mn-cs"/>
                         </a:rPr>
-                        <a:t>0.962</a:t>
+                        <a:t>0.841</a:t>
+                      </a:r>
+                      <a:r>
+                        <a:rPr lang="en-IN" sz="2000" dirty="0">
+                          <a:effectLst/>
+                        </a:rPr>
+                        <a:t> </a:t>
                       </a:r>
                       <a:endParaRPr lang="en-CA" sz="2000" b="0" i="0" u="none" strike="noStrike" dirty="0">
                         <a:solidFill>
@@ -18026,17 +18234,14 @@
                     <a:lstStyle/>
                     <a:p>
                       <a:pPr algn="ctr" fontAlgn="ctr"/>
-                      <a:r>
-                        <a:rPr lang="en-CA" sz="2000" b="0" i="0" u="none" strike="noStrike" dirty="0">
-                          <a:solidFill>
-                            <a:srgbClr val="000000"/>
-                          </a:solidFill>
-                          <a:effectLst/>
-                          <a:latin typeface="Times New Roman" panose="02020603050405020304" pitchFamily="18" charset="0"/>
-                          <a:cs typeface="Times New Roman" panose="02020603050405020304" pitchFamily="18" charset="0"/>
-                        </a:rPr>
-                        <a:t>Commons Math</a:t>
-                      </a:r>
+                      <a:endParaRPr lang="en-CA" sz="2000" b="0" i="0" u="none" strike="noStrike" dirty="0">
+                        <a:solidFill>
+                          <a:srgbClr val="000000"/>
+                        </a:solidFill>
+                        <a:effectLst/>
+                        <a:latin typeface="Times New Roman" panose="02020603050405020304" pitchFamily="18" charset="0"/>
+                        <a:cs typeface="Times New Roman" panose="02020603050405020304" pitchFamily="18" charset="0"/>
+                      </a:endParaRPr>
                     </a:p>
                   </a:txBody>
                   <a:tcPr marL="9525" marR="9525" marT="9525" marB="0" anchor="ctr"/>
@@ -18047,14 +18252,6 @@
                     <a:lstStyle/>
                     <a:p>
                       <a:pPr algn="ctr" fontAlgn="b"/>
-                      <a:r>
-                        <a:rPr lang="en-CA" sz="2000" b="0" u="none" strike="noStrike" dirty="0">
-                          <a:effectLst/>
-                          <a:latin typeface="Times New Roman" panose="02020603050405020304" pitchFamily="18" charset="0"/>
-                          <a:cs typeface="Times New Roman" panose="02020603050405020304" pitchFamily="18" charset="0"/>
-                        </a:rPr>
-                        <a:t>0.487</a:t>
-                      </a:r>
                       <a:endParaRPr lang="en-CA" sz="2000" b="0" i="0" u="none" strike="noStrike" dirty="0">
                         <a:solidFill>
                           <a:srgbClr val="000000"/>
@@ -18079,36 +18276,48 @@
                     <a:bodyPr/>
                     <a:lstStyle/>
                     <a:p>
-                      <a:pPr marL="0" marR="0" lvl="0" indent="0" algn="ctr" defTabSz="457200" rtl="0" eaLnBrk="1" fontAlgn="ctr" latinLnBrk="0" hangingPunct="1">
-                        <a:lnSpc>
-                          <a:spcPct val="100000"/>
-                        </a:lnSpc>
-                        <a:spcBef>
-                          <a:spcPts val="0"/>
-                        </a:spcBef>
-                        <a:spcAft>
-                          <a:spcPts val="0"/>
-                        </a:spcAft>
-                        <a:buClrTx/>
-                        <a:buSzTx/>
-                        <a:buFontTx/>
-                        <a:buNone/>
-                        <a:tabLst/>
-                        <a:defRPr/>
-                      </a:pPr>
-                      <a:r>
-                        <a:rPr lang="en-CA" sz="2000" b="0" i="0" u="none" strike="noStrike" kern="1200" dirty="0">
-                          <a:solidFill>
-                            <a:srgbClr val="000000"/>
-                          </a:solidFill>
-                          <a:effectLst/>
-                          <a:latin typeface="Times New Roman" panose="02020603050405020304" pitchFamily="18" charset="0"/>
-                          <a:ea typeface="+mn-ea"/>
-                          <a:cs typeface="Times New Roman" panose="02020603050405020304" pitchFamily="18" charset="0"/>
-                        </a:rPr>
-                        <a:t>Apache Commons Lang</a:t>
-                      </a:r>
+                      <a:pPr algn="ctr" fontAlgn="ctr"/>
+                      <a:endParaRPr lang="en-CA" sz="2000" b="0" i="0" u="none" strike="noStrike" dirty="0">
+                        <a:solidFill>
+                          <a:srgbClr val="000000"/>
+                        </a:solidFill>
+                        <a:effectLst/>
+                        <a:latin typeface="Times New Roman" panose="02020603050405020304" pitchFamily="18" charset="0"/>
+                        <a:cs typeface="Times New Roman" panose="02020603050405020304" pitchFamily="18" charset="0"/>
+                      </a:endParaRPr>
                     </a:p>
+                  </a:txBody>
+                  <a:tcPr marL="9525" marR="9525" marT="9525" marB="0" anchor="ctr"/>
+                </a:tc>
+                <a:tc>
+                  <a:txBody>
+                    <a:bodyPr/>
+                    <a:lstStyle/>
+                    <a:p>
+                      <a:pPr algn="ctr" fontAlgn="b"/>
+                      <a:endParaRPr lang="en-CA" sz="2000" b="0" i="0" u="none" strike="noStrike" dirty="0">
+                        <a:solidFill>
+                          <a:srgbClr val="000000"/>
+                        </a:solidFill>
+                        <a:effectLst/>
+                        <a:latin typeface="Times New Roman" panose="02020603050405020304" pitchFamily="18" charset="0"/>
+                        <a:cs typeface="Times New Roman" panose="02020603050405020304" pitchFamily="18" charset="0"/>
+                      </a:endParaRPr>
+                    </a:p>
+                  </a:txBody>
+                  <a:tcPr marL="9525" marR="9525" marT="9525" marB="0" anchor="b"/>
+                </a:tc>
+                <a:extLst>
+                  <a:ext uri="{0D108BD9-81ED-4DB2-BD59-A6C34878D82A}">
+                    <a16:rowId xmlns:a16="http://schemas.microsoft.com/office/drawing/2014/main" val="187172463"/>
+                  </a:ext>
+                </a:extLst>
+              </a:tr>
+              <a:tr h="410565">
+                <a:tc>
+                  <a:txBody>
+                    <a:bodyPr/>
+                    <a:lstStyle/>
                     <a:p>
                       <a:pPr algn="ctr" fontAlgn="ctr"/>
                       <a:endParaRPr lang="en-CA" sz="2000" b="0" i="0" u="none" strike="noStrike" dirty="0">
@@ -18129,42 +18338,6 @@
                     <a:lstStyle/>
                     <a:p>
                       <a:pPr algn="ctr" fontAlgn="b"/>
-                      <a:r>
-                        <a:rPr lang="en-CA" sz="2000" b="0" i="0" u="none" strike="noStrike" dirty="0">
-                          <a:solidFill>
-                            <a:srgbClr val="000000"/>
-                          </a:solidFill>
-                          <a:effectLst/>
-                          <a:latin typeface="Times New Roman" panose="02020603050405020304" pitchFamily="18" charset="0"/>
-                          <a:cs typeface="Times New Roman" panose="02020603050405020304" pitchFamily="18" charset="0"/>
-                        </a:rPr>
-                        <a:t>-0.220</a:t>
-                      </a:r>
-                    </a:p>
-                  </a:txBody>
-                  <a:tcPr marL="9525" marR="9525" marT="9525" marB="0" anchor="b"/>
-                </a:tc>
-                <a:extLst>
-                  <a:ext uri="{0D108BD9-81ED-4DB2-BD59-A6C34878D82A}">
-                    <a16:rowId xmlns:a16="http://schemas.microsoft.com/office/drawing/2014/main" val="187172463"/>
-                  </a:ext>
-                </a:extLst>
-              </a:tr>
-              <a:tr h="410565">
-                <a:tc>
-                  <a:txBody>
-                    <a:bodyPr/>
-                    <a:lstStyle/>
-                    <a:p>
-                      <a:pPr algn="ctr" fontAlgn="ctr"/>
-                      <a:r>
-                        <a:rPr lang="en-CA" sz="2000" b="0" u="none" strike="noStrike" dirty="0" err="1">
-                          <a:effectLst/>
-                          <a:latin typeface="Times New Roman" panose="02020603050405020304" pitchFamily="18" charset="0"/>
-                          <a:cs typeface="Times New Roman" panose="02020603050405020304" pitchFamily="18" charset="0"/>
-                        </a:rPr>
-                        <a:t>JFreeChart</a:t>
-                      </a:r>
                       <a:endParaRPr lang="en-CA" sz="2000" b="0" i="0" u="none" strike="noStrike" dirty="0">
                         <a:solidFill>
                           <a:srgbClr val="000000"/>
@@ -18173,125 +18346,6 @@
                         <a:latin typeface="Times New Roman" panose="02020603050405020304" pitchFamily="18" charset="0"/>
                         <a:cs typeface="Times New Roman" panose="02020603050405020304" pitchFamily="18" charset="0"/>
                       </a:endParaRPr>
-                    </a:p>
-                  </a:txBody>
-                  <a:tcPr marL="9525" marR="9525" marT="9525" marB="0" anchor="ctr"/>
-                </a:tc>
-                <a:tc>
-                  <a:txBody>
-                    <a:bodyPr/>
-                    <a:lstStyle/>
-                    <a:p>
-                      <a:pPr algn="ctr" fontAlgn="b"/>
-                      <a:r>
-                        <a:rPr lang="en-CA" sz="2000" b="0" i="0" u="none" strike="noStrike" dirty="0">
-                          <a:solidFill>
-                            <a:srgbClr val="000000"/>
-                          </a:solidFill>
-                          <a:effectLst/>
-                          <a:latin typeface="Times New Roman" panose="02020603050405020304" pitchFamily="18" charset="0"/>
-                          <a:cs typeface="Times New Roman" panose="02020603050405020304" pitchFamily="18" charset="0"/>
-                        </a:rPr>
-                        <a:t>-0.104</a:t>
-                      </a:r>
-                    </a:p>
-                  </a:txBody>
-                  <a:tcPr marL="9525" marR="9525" marT="9525" marB="0" anchor="b"/>
-                </a:tc>
-                <a:extLst>
-                  <a:ext uri="{0D108BD9-81ED-4DB2-BD59-A6C34878D82A}">
-                    <a16:rowId xmlns:a16="http://schemas.microsoft.com/office/drawing/2014/main" val="2190132751"/>
-                  </a:ext>
-                </a:extLst>
-              </a:tr>
-              <a:tr h="410565">
-                <a:tc>
-                  <a:txBody>
-                    <a:bodyPr/>
-                    <a:lstStyle/>
-                    <a:p>
-                      <a:pPr marL="0" marR="0" lvl="0" indent="0" algn="ctr" defTabSz="457200" rtl="0" eaLnBrk="1" fontAlgn="ctr" latinLnBrk="0" hangingPunct="1">
-                        <a:lnSpc>
-                          <a:spcPct val="100000"/>
-                        </a:lnSpc>
-                        <a:spcBef>
-                          <a:spcPts val="0"/>
-                        </a:spcBef>
-                        <a:spcAft>
-                          <a:spcPts val="0"/>
-                        </a:spcAft>
-                        <a:buClrTx/>
-                        <a:buSzTx/>
-                        <a:buFontTx/>
-                        <a:buNone/>
-                        <a:tabLst/>
-                        <a:defRPr/>
-                      </a:pPr>
-                      <a:r>
-                        <a:rPr lang="en-CA" sz="2000" b="0" i="0" u="none" strike="noStrike" kern="1200" dirty="0">
-                          <a:solidFill>
-                            <a:srgbClr val="000000"/>
-                          </a:solidFill>
-                          <a:effectLst/>
-                          <a:latin typeface="Times New Roman" panose="02020603050405020304" pitchFamily="18" charset="0"/>
-                          <a:ea typeface="+mn-ea"/>
-                          <a:cs typeface="Times New Roman" panose="02020603050405020304" pitchFamily="18" charset="0"/>
-                        </a:rPr>
-                        <a:t>Apache Commons </a:t>
-                      </a:r>
-                      <a:r>
-                        <a:rPr lang="en-CA" sz="2000" b="0" i="0" u="none" strike="noStrike" kern="1200" dirty="0" err="1">
-                          <a:solidFill>
-                            <a:srgbClr val="000000"/>
-                          </a:solidFill>
-                          <a:effectLst/>
-                          <a:latin typeface="Times New Roman" panose="02020603050405020304" pitchFamily="18" charset="0"/>
-                          <a:ea typeface="+mn-ea"/>
-                          <a:cs typeface="Times New Roman" panose="02020603050405020304" pitchFamily="18" charset="0"/>
-                        </a:rPr>
-                        <a:t>DbUtils</a:t>
-                      </a:r>
-                      <a:endParaRPr lang="en-CA" sz="2000" b="0" i="0" u="none" strike="noStrike" kern="1200" dirty="0">
-                        <a:solidFill>
-                          <a:srgbClr val="000000"/>
-                        </a:solidFill>
-                        <a:effectLst/>
-                        <a:latin typeface="Times New Roman" panose="02020603050405020304" pitchFamily="18" charset="0"/>
-                        <a:ea typeface="+mn-ea"/>
-                        <a:cs typeface="Times New Roman" panose="02020603050405020304" pitchFamily="18" charset="0"/>
-                      </a:endParaRPr>
-                    </a:p>
-                    <a:p>
-                      <a:pPr algn="ctr" fontAlgn="ctr"/>
-                      <a:endParaRPr lang="en-CA" sz="2000" b="0" i="0" u="none" strike="noStrike" dirty="0">
-                        <a:solidFill>
-                          <a:srgbClr val="000000"/>
-                        </a:solidFill>
-                        <a:effectLst/>
-                        <a:latin typeface="Times New Roman" panose="02020603050405020304" pitchFamily="18" charset="0"/>
-                        <a:cs typeface="Times New Roman" panose="02020603050405020304" pitchFamily="18" charset="0"/>
-                      </a:endParaRPr>
-                    </a:p>
-                  </a:txBody>
-                  <a:tcPr marL="9525" marR="9525" marT="9525" marB="0" anchor="ctr"/>
-                </a:tc>
-                <a:tc>
-                  <a:txBody>
-                    <a:bodyPr/>
-                    <a:lstStyle/>
-                    <a:p>
-                      <a:pPr algn="ctr" fontAlgn="b"/>
-                      <a:r>
-                        <a:rPr lang="en-CA" sz="2000" b="0" i="0" u="none" strike="noStrike" dirty="0">
-                          <a:solidFill>
-                            <a:srgbClr val="000000"/>
-                          </a:solidFill>
-                          <a:effectLst/>
-                          <a:latin typeface="Times New Roman" panose="02020603050405020304" pitchFamily="18" charset="0"/>
-                          <a:cs typeface="Times New Roman" panose="02020603050405020304" pitchFamily="18" charset="0"/>
-                        </a:rPr>
-                        <a:t>-0.315</a:t>
-                      </a:r>
                     </a:p>
                   </a:txBody>
                   <a:tcPr marL="9525" marR="9525" marT="9525" marB="0" anchor="b"/>
@@ -18375,6 +18429,36 @@
           </a:p>
         </p:txBody>
       </p:sp>
+      <p:pic>
+        <p:nvPicPr>
+          <p:cNvPr id="3" name="Picture 2">
+            <a:extLst>
+              <a:ext uri="{FF2B5EF4-FFF2-40B4-BE49-F238E27FC236}">
+                <a16:creationId xmlns:a16="http://schemas.microsoft.com/office/drawing/2014/main" id="{F7C7CE4E-2FD7-2A4E-BD0C-BEAE374167B3}"/>
+              </a:ext>
+            </a:extLst>
+          </p:cNvPr>
+          <p:cNvPicPr>
+            <a:picLocks noChangeAspect="1"/>
+          </p:cNvPicPr>
+          <p:nvPr/>
+        </p:nvPicPr>
+        <p:blipFill>
+          <a:blip r:embed="rId2"/>
+          <a:stretch>
+            <a:fillRect/>
+          </a:stretch>
+        </p:blipFill>
+        <p:spPr>
+          <a:xfrm>
+            <a:off x="1885071" y="1260582"/>
+            <a:ext cx="9537895" cy="5083947"/>
+          </a:xfrm>
+          <a:prstGeom prst="rect">
+            <a:avLst/>
+          </a:prstGeom>
+        </p:spPr>
+      </p:pic>
     </p:spTree>
     <p:extLst>
       <p:ext uri="{BB962C8B-B14F-4D97-AF65-F5344CB8AC3E}">
